--- a/salud_publica_digital.pptx
+++ b/salud_publica_digital.pptx
@@ -1,38 +1,42 @@
 
 <file path=ppt/presentation.xml><?xml version="1.0" encoding="utf-8"?>
-<p:presentation xmlns:a="http://schemas.openxmlformats.org/drawingml/2006/main" xmlns:r="http://schemas.openxmlformats.org/officeDocument/2006/relationships" xmlns:p="http://schemas.openxmlformats.org/presentationml/2006/main" saveSubsetFonts="1" embedTrueTypeFonts="true">
+<p:presentation xmlns:a="http://schemas.openxmlformats.org/drawingml/2006/main" xmlns:r="http://schemas.openxmlformats.org/officeDocument/2006/relationships" xmlns:p="http://schemas.openxmlformats.org/presentationml/2006/main" embedTrueTypeFonts="1" saveSubsetFonts="1">
   <p:sldMasterIdLst>
     <p:sldMasterId id="2147483648" r:id="rId1"/>
   </p:sldMasterIdLst>
   <p:sldIdLst>
-    <p:sldId id="256" r:id="rId6"/>
-    <p:sldId id="257" r:id="rId7"/>
-    <p:sldId id="258" r:id="rId8"/>
-    <p:sldId id="259" r:id="rId9"/>
-    <p:sldId id="260" r:id="rId10"/>
-    <p:sldId id="261" r:id="rId11"/>
-    <p:sldId id="262" r:id="rId12"/>
-    <p:sldId id="263" r:id="rId13"/>
-    <p:sldId id="264" r:id="rId14"/>
-    <p:sldId id="265" r:id="rId15"/>
+    <p:sldId id="256" r:id="rId2"/>
+    <p:sldId id="257" r:id="rId3"/>
+    <p:sldId id="258" r:id="rId4"/>
+    <p:sldId id="259" r:id="rId5"/>
+    <p:sldId id="260" r:id="rId6"/>
+    <p:sldId id="261" r:id="rId7"/>
+    <p:sldId id="262" r:id="rId8"/>
+    <p:sldId id="263" r:id="rId9"/>
+    <p:sldId id="264" r:id="rId10"/>
+    <p:sldId id="265" r:id="rId11"/>
   </p:sldIdLst>
   <p:sldSz cx="18288000" cy="10287000"/>
   <p:notesSz cx="6858000" cy="9144000"/>
   <p:embeddedFontLst>
     <p:embeddedFont>
-      <p:font typeface="Glacial Indifference" charset="1" panose="00000000000000000000"/>
-      <p:regular r:id="rId16"/>
+      <p:font typeface="Glacial Indifference" pitchFamily="2" charset="0"/>
+      <p:regular r:id="rId12"/>
     </p:embeddedFont>
     <p:embeddedFont>
-      <p:font typeface="Glacial Indifference Bold" charset="1" panose="00000800000000000000"/>
-      <p:regular r:id="rId17"/>
+      <p:font typeface="Glacial Indifference Bold" pitchFamily="2" charset="0"/>
+      <p:regular r:id="rId13"/>
+      <p:bold r:id="rId14"/>
     </p:embeddedFont>
     <p:embeddedFont>
-      <p:font typeface="Open Sans" charset="1" panose="020B0606030504020204"/>
-      <p:regular r:id="rId18"/>
+      <p:font typeface="Glacial Indifference Bold Italics" pitchFamily="2" charset="0"/>
+      <p:regular r:id="rId15"/>
+      <p:bold r:id="rId16"/>
+      <p:italic r:id="rId17"/>
+      <p:boldItalic r:id="rId18"/>
     </p:embeddedFont>
     <p:embeddedFont>
-      <p:font typeface="Glacial Indifference Bold Italics" charset="1" panose="00000800000000000000"/>
+      <p:font typeface="Open Sans" panose="020B0606030504020204" pitchFamily="34" charset="0"/>
       <p:regular r:id="rId19"/>
     </p:embeddedFont>
   </p:embeddedFontLst>
@@ -131,6 +135,22 @@
       </a:defRPr>
     </a:lvl9pPr>
   </p:defaultTextStyle>
+  <p:extLst>
+    <p:ext uri="{EFAFB233-063F-42B5-8137-9DF3F51BA10A}">
+      <p15:sldGuideLst xmlns:p15="http://schemas.microsoft.com/office/powerpoint/2012/main">
+        <p15:guide id="1" orient="horz" pos="2160">
+          <p15:clr>
+            <a:srgbClr val="A4A3A4"/>
+          </p15:clr>
+        </p15:guide>
+        <p15:guide id="2" pos="2880">
+          <p15:clr>
+            <a:srgbClr val="A4A3A4"/>
+          </p15:clr>
+        </p15:guide>
+      </p15:sldGuideLst>
+    </p:ext>
+  </p:extLst>
 </p:presentation>
 </file>
 
@@ -172,10 +192,9 @@
           <a:lstStyle/>
           <a:p>
             <a:r>
-              <a:rPr lang="en-US" smtClean="0"/>
+              <a:rPr lang="en-US"/>
               <a:t>Click to edit Master title style</a:t>
             </a:r>
-            <a:endParaRPr lang="en-US"/>
           </a:p>
         </p:txBody>
       </p:sp>
@@ -291,10 +310,9 @@
           </a:lstStyle>
           <a:p>
             <a:r>
-              <a:rPr lang="en-US" smtClean="0"/>
+              <a:rPr lang="en-US"/>
               <a:t>Click to edit Master subtitle style</a:t>
             </a:r>
-            <a:endParaRPr lang="en-US"/>
           </a:p>
         </p:txBody>
       </p:sp>
@@ -316,7 +334,7 @@
             <a:fld id="{1D8BD707-D9CF-40AE-B4C6-C98DA3205C09}" type="datetimeFigureOut">
               <a:rPr lang="en-US" smtClean="0"/>
               <a:pPr/>
-              <a:t>8/1/2011</a:t>
+              <a:t>9/27/24</a:t>
             </a:fld>
             <a:endParaRPr lang="en-US"/>
           </a:p>
@@ -406,10 +424,9 @@
           <a:lstStyle/>
           <a:p>
             <a:r>
-              <a:rPr lang="en-US" smtClean="0"/>
+              <a:rPr lang="en-US"/>
               <a:t>Click to edit Master title style</a:t>
             </a:r>
-            <a:endParaRPr lang="en-US"/>
           </a:p>
         </p:txBody>
       </p:sp>
@@ -430,38 +447,37 @@
           <a:p>
             <a:pPr lvl="0"/>
             <a:r>
-              <a:rPr lang="en-US" smtClean="0"/>
+              <a:rPr lang="en-US"/>
               <a:t>Click to edit Master text styles</a:t>
             </a:r>
           </a:p>
           <a:p>
             <a:pPr lvl="1"/>
             <a:r>
-              <a:rPr lang="en-US" smtClean="0"/>
+              <a:rPr lang="en-US"/>
               <a:t>Second level</a:t>
             </a:r>
           </a:p>
           <a:p>
             <a:pPr lvl="2"/>
             <a:r>
-              <a:rPr lang="en-US" smtClean="0"/>
+              <a:rPr lang="en-US"/>
               <a:t>Third level</a:t>
             </a:r>
           </a:p>
           <a:p>
             <a:pPr lvl="3"/>
             <a:r>
-              <a:rPr lang="en-US" smtClean="0"/>
+              <a:rPr lang="en-US"/>
               <a:t>Fourth level</a:t>
             </a:r>
           </a:p>
           <a:p>
             <a:pPr lvl="4"/>
             <a:r>
-              <a:rPr lang="en-US" smtClean="0"/>
+              <a:rPr lang="en-US"/>
               <a:t>Fifth level</a:t>
             </a:r>
-            <a:endParaRPr lang="en-US"/>
           </a:p>
         </p:txBody>
       </p:sp>
@@ -483,7 +499,7 @@
             <a:fld id="{1D8BD707-D9CF-40AE-B4C6-C98DA3205C09}" type="datetimeFigureOut">
               <a:rPr lang="en-US" smtClean="0"/>
               <a:pPr/>
-              <a:t>8/1/2011</a:t>
+              <a:t>9/27/24</a:t>
             </a:fld>
             <a:endParaRPr lang="en-US"/>
           </a:p>
@@ -578,10 +594,9 @@
           <a:lstStyle/>
           <a:p>
             <a:r>
-              <a:rPr lang="en-US" smtClean="0"/>
+              <a:rPr lang="en-US"/>
               <a:t>Click to edit Master title style</a:t>
             </a:r>
-            <a:endParaRPr lang="en-US"/>
           </a:p>
         </p:txBody>
       </p:sp>
@@ -607,38 +622,37 @@
           <a:p>
             <a:pPr lvl="0"/>
             <a:r>
-              <a:rPr lang="en-US" smtClean="0"/>
+              <a:rPr lang="en-US"/>
               <a:t>Click to edit Master text styles</a:t>
             </a:r>
           </a:p>
           <a:p>
             <a:pPr lvl="1"/>
             <a:r>
-              <a:rPr lang="en-US" smtClean="0"/>
+              <a:rPr lang="en-US"/>
               <a:t>Second level</a:t>
             </a:r>
           </a:p>
           <a:p>
             <a:pPr lvl="2"/>
             <a:r>
-              <a:rPr lang="en-US" smtClean="0"/>
+              <a:rPr lang="en-US"/>
               <a:t>Third level</a:t>
             </a:r>
           </a:p>
           <a:p>
             <a:pPr lvl="3"/>
             <a:r>
-              <a:rPr lang="en-US" smtClean="0"/>
+              <a:rPr lang="en-US"/>
               <a:t>Fourth level</a:t>
             </a:r>
           </a:p>
           <a:p>
             <a:pPr lvl="4"/>
             <a:r>
-              <a:rPr lang="en-US" smtClean="0"/>
+              <a:rPr lang="en-US"/>
               <a:t>Fifth level</a:t>
             </a:r>
-            <a:endParaRPr lang="en-US"/>
           </a:p>
         </p:txBody>
       </p:sp>
@@ -660,7 +674,7 @@
             <a:fld id="{1D8BD707-D9CF-40AE-B4C6-C98DA3205C09}" type="datetimeFigureOut">
               <a:rPr lang="en-US" smtClean="0"/>
               <a:pPr/>
-              <a:t>8/1/2011</a:t>
+              <a:t>9/27/24</a:t>
             </a:fld>
             <a:endParaRPr lang="en-US"/>
           </a:p>
@@ -750,10 +764,9 @@
           <a:lstStyle/>
           <a:p>
             <a:r>
-              <a:rPr lang="en-US" smtClean="0"/>
+              <a:rPr lang="en-US"/>
               <a:t>Click to edit Master title style</a:t>
             </a:r>
-            <a:endParaRPr lang="en-US"/>
           </a:p>
         </p:txBody>
       </p:sp>
@@ -774,38 +787,37 @@
           <a:p>
             <a:pPr lvl="0"/>
             <a:r>
-              <a:rPr lang="en-US" smtClean="0"/>
+              <a:rPr lang="en-US"/>
               <a:t>Click to edit Master text styles</a:t>
             </a:r>
           </a:p>
           <a:p>
             <a:pPr lvl="1"/>
             <a:r>
-              <a:rPr lang="en-US" smtClean="0"/>
+              <a:rPr lang="en-US"/>
               <a:t>Second level</a:t>
             </a:r>
           </a:p>
           <a:p>
             <a:pPr lvl="2"/>
             <a:r>
-              <a:rPr lang="en-US" smtClean="0"/>
+              <a:rPr lang="en-US"/>
               <a:t>Third level</a:t>
             </a:r>
           </a:p>
           <a:p>
             <a:pPr lvl="3"/>
             <a:r>
-              <a:rPr lang="en-US" smtClean="0"/>
+              <a:rPr lang="en-US"/>
               <a:t>Fourth level</a:t>
             </a:r>
           </a:p>
           <a:p>
             <a:pPr lvl="4"/>
             <a:r>
-              <a:rPr lang="en-US" smtClean="0"/>
+              <a:rPr lang="en-US"/>
               <a:t>Fifth level</a:t>
             </a:r>
-            <a:endParaRPr lang="en-US"/>
           </a:p>
         </p:txBody>
       </p:sp>
@@ -827,7 +839,7 @@
             <a:fld id="{1D8BD707-D9CF-40AE-B4C6-C98DA3205C09}" type="datetimeFigureOut">
               <a:rPr lang="en-US" smtClean="0"/>
               <a:pPr/>
-              <a:t>8/1/2011</a:t>
+              <a:t>9/27/24</a:t>
             </a:fld>
             <a:endParaRPr lang="en-US"/>
           </a:p>
@@ -926,10 +938,9 @@
           </a:lstStyle>
           <a:p>
             <a:r>
-              <a:rPr lang="en-US" smtClean="0"/>
+              <a:rPr lang="en-US"/>
               <a:t>Click to edit Master title style</a:t>
             </a:r>
-            <a:endParaRPr lang="en-US"/>
           </a:p>
         </p:txBody>
       </p:sp>
@@ -1046,7 +1057,7 @@
           <a:p>
             <a:pPr lvl="0"/>
             <a:r>
-              <a:rPr lang="en-US" smtClean="0"/>
+              <a:rPr lang="en-US"/>
               <a:t>Click to edit Master text styles</a:t>
             </a:r>
           </a:p>
@@ -1070,7 +1081,7 @@
             <a:fld id="{1D8BD707-D9CF-40AE-B4C6-C98DA3205C09}" type="datetimeFigureOut">
               <a:rPr lang="en-US" smtClean="0"/>
               <a:pPr/>
-              <a:t>8/1/2011</a:t>
+              <a:t>9/27/24</a:t>
             </a:fld>
             <a:endParaRPr lang="en-US"/>
           </a:p>
@@ -1160,10 +1171,9 @@
           <a:lstStyle/>
           <a:p>
             <a:r>
-              <a:rPr lang="en-US" smtClean="0"/>
+              <a:rPr lang="en-US"/>
               <a:t>Click to edit Master title style</a:t>
             </a:r>
-            <a:endParaRPr lang="en-US"/>
           </a:p>
         </p:txBody>
       </p:sp>
@@ -1217,38 +1227,37 @@
           <a:p>
             <a:pPr lvl="0"/>
             <a:r>
-              <a:rPr lang="en-US" smtClean="0"/>
+              <a:rPr lang="en-US"/>
               <a:t>Click to edit Master text styles</a:t>
             </a:r>
           </a:p>
           <a:p>
             <a:pPr lvl="1"/>
             <a:r>
-              <a:rPr lang="en-US" smtClean="0"/>
+              <a:rPr lang="en-US"/>
               <a:t>Second level</a:t>
             </a:r>
           </a:p>
           <a:p>
             <a:pPr lvl="2"/>
             <a:r>
-              <a:rPr lang="en-US" smtClean="0"/>
+              <a:rPr lang="en-US"/>
               <a:t>Third level</a:t>
             </a:r>
           </a:p>
           <a:p>
             <a:pPr lvl="3"/>
             <a:r>
-              <a:rPr lang="en-US" smtClean="0"/>
+              <a:rPr lang="en-US"/>
               <a:t>Fourth level</a:t>
             </a:r>
           </a:p>
           <a:p>
             <a:pPr lvl="4"/>
             <a:r>
-              <a:rPr lang="en-US" smtClean="0"/>
+              <a:rPr lang="en-US"/>
               <a:t>Fifth level</a:t>
             </a:r>
-            <a:endParaRPr lang="en-US"/>
           </a:p>
         </p:txBody>
       </p:sp>
@@ -1302,38 +1311,37 @@
           <a:p>
             <a:pPr lvl="0"/>
             <a:r>
-              <a:rPr lang="en-US" smtClean="0"/>
+              <a:rPr lang="en-US"/>
               <a:t>Click to edit Master text styles</a:t>
             </a:r>
           </a:p>
           <a:p>
             <a:pPr lvl="1"/>
             <a:r>
-              <a:rPr lang="en-US" smtClean="0"/>
+              <a:rPr lang="en-US"/>
               <a:t>Second level</a:t>
             </a:r>
           </a:p>
           <a:p>
             <a:pPr lvl="2"/>
             <a:r>
-              <a:rPr lang="en-US" smtClean="0"/>
+              <a:rPr lang="en-US"/>
               <a:t>Third level</a:t>
             </a:r>
           </a:p>
           <a:p>
             <a:pPr lvl="3"/>
             <a:r>
-              <a:rPr lang="en-US" smtClean="0"/>
+              <a:rPr lang="en-US"/>
               <a:t>Fourth level</a:t>
             </a:r>
           </a:p>
           <a:p>
             <a:pPr lvl="4"/>
             <a:r>
-              <a:rPr lang="en-US" smtClean="0"/>
+              <a:rPr lang="en-US"/>
               <a:t>Fifth level</a:t>
             </a:r>
-            <a:endParaRPr lang="en-US"/>
           </a:p>
         </p:txBody>
       </p:sp>
@@ -1355,7 +1363,7 @@
             <a:fld id="{1D8BD707-D9CF-40AE-B4C6-C98DA3205C09}" type="datetimeFigureOut">
               <a:rPr lang="en-US" smtClean="0"/>
               <a:pPr/>
-              <a:t>8/1/2011</a:t>
+              <a:t>9/27/24</a:t>
             </a:fld>
             <a:endParaRPr lang="en-US"/>
           </a:p>
@@ -1449,10 +1457,9 @@
           </a:lstStyle>
           <a:p>
             <a:r>
-              <a:rPr lang="en-US" smtClean="0"/>
+              <a:rPr lang="en-US"/>
               <a:t>Click to edit Master title style</a:t>
             </a:r>
-            <a:endParaRPr lang="en-US"/>
           </a:p>
         </p:txBody>
       </p:sp>
@@ -1515,7 +1522,7 @@
           <a:p>
             <a:pPr lvl="0"/>
             <a:r>
-              <a:rPr lang="en-US" smtClean="0"/>
+              <a:rPr lang="en-US"/>
               <a:t>Click to edit Master text styles</a:t>
             </a:r>
           </a:p>
@@ -1571,38 +1578,37 @@
           <a:p>
             <a:pPr lvl="0"/>
             <a:r>
-              <a:rPr lang="en-US" smtClean="0"/>
+              <a:rPr lang="en-US"/>
               <a:t>Click to edit Master text styles</a:t>
             </a:r>
           </a:p>
           <a:p>
             <a:pPr lvl="1"/>
             <a:r>
-              <a:rPr lang="en-US" smtClean="0"/>
+              <a:rPr lang="en-US"/>
               <a:t>Second level</a:t>
             </a:r>
           </a:p>
           <a:p>
             <a:pPr lvl="2"/>
             <a:r>
-              <a:rPr lang="en-US" smtClean="0"/>
+              <a:rPr lang="en-US"/>
               <a:t>Third level</a:t>
             </a:r>
           </a:p>
           <a:p>
             <a:pPr lvl="3"/>
             <a:r>
-              <a:rPr lang="en-US" smtClean="0"/>
+              <a:rPr lang="en-US"/>
               <a:t>Fourth level</a:t>
             </a:r>
           </a:p>
           <a:p>
             <a:pPr lvl="4"/>
             <a:r>
-              <a:rPr lang="en-US" smtClean="0"/>
+              <a:rPr lang="en-US"/>
               <a:t>Fifth level</a:t>
             </a:r>
-            <a:endParaRPr lang="en-US"/>
           </a:p>
         </p:txBody>
       </p:sp>
@@ -1665,7 +1671,7 @@
           <a:p>
             <a:pPr lvl="0"/>
             <a:r>
-              <a:rPr lang="en-US" smtClean="0"/>
+              <a:rPr lang="en-US"/>
               <a:t>Click to edit Master text styles</a:t>
             </a:r>
           </a:p>
@@ -1721,38 +1727,37 @@
           <a:p>
             <a:pPr lvl="0"/>
             <a:r>
-              <a:rPr lang="en-US" smtClean="0"/>
+              <a:rPr lang="en-US"/>
               <a:t>Click to edit Master text styles</a:t>
             </a:r>
           </a:p>
           <a:p>
             <a:pPr lvl="1"/>
             <a:r>
-              <a:rPr lang="en-US" smtClean="0"/>
+              <a:rPr lang="en-US"/>
               <a:t>Second level</a:t>
             </a:r>
           </a:p>
           <a:p>
             <a:pPr lvl="2"/>
             <a:r>
-              <a:rPr lang="en-US" smtClean="0"/>
+              <a:rPr lang="en-US"/>
               <a:t>Third level</a:t>
             </a:r>
           </a:p>
           <a:p>
             <a:pPr lvl="3"/>
             <a:r>
-              <a:rPr lang="en-US" smtClean="0"/>
+              <a:rPr lang="en-US"/>
               <a:t>Fourth level</a:t>
             </a:r>
           </a:p>
           <a:p>
             <a:pPr lvl="4"/>
             <a:r>
-              <a:rPr lang="en-US" smtClean="0"/>
+              <a:rPr lang="en-US"/>
               <a:t>Fifth level</a:t>
             </a:r>
-            <a:endParaRPr lang="en-US"/>
           </a:p>
         </p:txBody>
       </p:sp>
@@ -1774,7 +1779,7 @@
             <a:fld id="{1D8BD707-D9CF-40AE-B4C6-C98DA3205C09}" type="datetimeFigureOut">
               <a:rPr lang="en-US" smtClean="0"/>
               <a:pPr/>
-              <a:t>8/1/2011</a:t>
+              <a:t>9/27/24</a:t>
             </a:fld>
             <a:endParaRPr lang="en-US"/>
           </a:p>
@@ -1864,10 +1869,9 @@
           <a:lstStyle/>
           <a:p>
             <a:r>
-              <a:rPr lang="en-US" smtClean="0"/>
+              <a:rPr lang="en-US"/>
               <a:t>Click to edit Master title style</a:t>
             </a:r>
-            <a:endParaRPr lang="en-US"/>
           </a:p>
         </p:txBody>
       </p:sp>
@@ -1889,7 +1893,7 @@
             <a:fld id="{1D8BD707-D9CF-40AE-B4C6-C98DA3205C09}" type="datetimeFigureOut">
               <a:rPr lang="en-US" smtClean="0"/>
               <a:pPr/>
-              <a:t>8/1/2011</a:t>
+              <a:t>9/27/24</a:t>
             </a:fld>
             <a:endParaRPr lang="en-US"/>
           </a:p>
@@ -1981,7 +1985,7 @@
             <a:fld id="{1D8BD707-D9CF-40AE-B4C6-C98DA3205C09}" type="datetimeFigureOut">
               <a:rPr lang="en-US" smtClean="0"/>
               <a:pPr/>
-              <a:t>8/1/2011</a:t>
+              <a:t>9/27/24</a:t>
             </a:fld>
             <a:endParaRPr lang="en-US"/>
           </a:p>
@@ -2080,10 +2084,9 @@
           </a:lstStyle>
           <a:p>
             <a:r>
-              <a:rPr lang="en-US" smtClean="0"/>
+              <a:rPr lang="en-US"/>
               <a:t>Click to edit Master title style</a:t>
             </a:r>
-            <a:endParaRPr lang="en-US"/>
           </a:p>
         </p:txBody>
       </p:sp>
@@ -2137,38 +2140,37 @@
           <a:p>
             <a:pPr lvl="0"/>
             <a:r>
-              <a:rPr lang="en-US" smtClean="0"/>
+              <a:rPr lang="en-US"/>
               <a:t>Click to edit Master text styles</a:t>
             </a:r>
           </a:p>
           <a:p>
             <a:pPr lvl="1"/>
             <a:r>
-              <a:rPr lang="en-US" smtClean="0"/>
+              <a:rPr lang="en-US"/>
               <a:t>Second level</a:t>
             </a:r>
           </a:p>
           <a:p>
             <a:pPr lvl="2"/>
             <a:r>
-              <a:rPr lang="en-US" smtClean="0"/>
+              <a:rPr lang="en-US"/>
               <a:t>Third level</a:t>
             </a:r>
           </a:p>
           <a:p>
             <a:pPr lvl="3"/>
             <a:r>
-              <a:rPr lang="en-US" smtClean="0"/>
+              <a:rPr lang="en-US"/>
               <a:t>Fourth level</a:t>
             </a:r>
           </a:p>
           <a:p>
             <a:pPr lvl="4"/>
             <a:r>
-              <a:rPr lang="en-US" smtClean="0"/>
+              <a:rPr lang="en-US"/>
               <a:t>Fifth level</a:t>
             </a:r>
-            <a:endParaRPr lang="en-US"/>
           </a:p>
         </p:txBody>
       </p:sp>
@@ -2231,7 +2233,7 @@
           <a:p>
             <a:pPr lvl="0"/>
             <a:r>
-              <a:rPr lang="en-US" smtClean="0"/>
+              <a:rPr lang="en-US"/>
               <a:t>Click to edit Master text styles</a:t>
             </a:r>
           </a:p>
@@ -2255,7 +2257,7 @@
             <a:fld id="{1D8BD707-D9CF-40AE-B4C6-C98DA3205C09}" type="datetimeFigureOut">
               <a:rPr lang="en-US" smtClean="0"/>
               <a:pPr/>
-              <a:t>8/1/2011</a:t>
+              <a:t>9/27/24</a:t>
             </a:fld>
             <a:endParaRPr lang="en-US"/>
           </a:p>
@@ -2354,10 +2356,9 @@
           </a:lstStyle>
           <a:p>
             <a:r>
-              <a:rPr lang="en-US" smtClean="0"/>
+              <a:rPr lang="en-US"/>
               <a:t>Click to edit Master title style</a:t>
             </a:r>
-            <a:endParaRPr lang="en-US"/>
           </a:p>
         </p:txBody>
       </p:sp>
@@ -2481,7 +2482,7 @@
           <a:p>
             <a:pPr lvl="0"/>
             <a:r>
-              <a:rPr lang="en-US" smtClean="0"/>
+              <a:rPr lang="en-US"/>
               <a:t>Click to edit Master text styles</a:t>
             </a:r>
           </a:p>
@@ -2505,7 +2506,7 @@
             <a:fld id="{1D8BD707-D9CF-40AE-B4C6-C98DA3205C09}" type="datetimeFigureOut">
               <a:rPr lang="en-US" smtClean="0"/>
               <a:pPr/>
-              <a:t>8/1/2011</a:t>
+              <a:t>9/27/24</a:t>
             </a:fld>
             <a:endParaRPr lang="en-US"/>
           </a:p>
@@ -2610,10 +2611,9 @@
           <a:lstStyle/>
           <a:p>
             <a:r>
-              <a:rPr lang="en-US" smtClean="0"/>
+              <a:rPr lang="en-US"/>
               <a:t>Click to edit Master title style</a:t>
             </a:r>
-            <a:endParaRPr lang="en-US"/>
           </a:p>
         </p:txBody>
       </p:sp>
@@ -2644,38 +2644,37 @@
           <a:p>
             <a:pPr lvl="0"/>
             <a:r>
-              <a:rPr lang="en-US" smtClean="0"/>
+              <a:rPr lang="en-US"/>
               <a:t>Click to edit Master text styles</a:t>
             </a:r>
           </a:p>
           <a:p>
             <a:pPr lvl="1"/>
             <a:r>
-              <a:rPr lang="en-US" smtClean="0"/>
+              <a:rPr lang="en-US"/>
               <a:t>Second level</a:t>
             </a:r>
           </a:p>
           <a:p>
             <a:pPr lvl="2"/>
             <a:r>
-              <a:rPr lang="en-US" smtClean="0"/>
+              <a:rPr lang="en-US"/>
               <a:t>Third level</a:t>
             </a:r>
           </a:p>
           <a:p>
             <a:pPr lvl="3"/>
             <a:r>
-              <a:rPr lang="en-US" smtClean="0"/>
+              <a:rPr lang="en-US"/>
               <a:t>Fourth level</a:t>
             </a:r>
           </a:p>
           <a:p>
             <a:pPr lvl="4"/>
             <a:r>
-              <a:rPr lang="en-US" smtClean="0"/>
+              <a:rPr lang="en-US"/>
               <a:t>Fifth level</a:t>
             </a:r>
-            <a:endParaRPr lang="en-US"/>
           </a:p>
         </p:txBody>
       </p:sp>
@@ -2715,7 +2714,7 @@
             <a:fld id="{1D8BD707-D9CF-40AE-B4C6-C98DA3205C09}" type="datetimeFigureOut">
               <a:rPr lang="en-US" smtClean="0"/>
               <a:pPr/>
-              <a:t>8/1/2011</a:t>
+              <a:t>9/27/24</a:t>
             </a:fld>
             <a:endParaRPr lang="en-US"/>
           </a:p>
@@ -3070,13 +3069,14 @@
 </file>
 
 <file path=ppt/slides/slide1.xml><?xml version="1.0" encoding="utf-8"?>
-<p:sld xmlns:p="http://schemas.openxmlformats.org/presentationml/2006/main" xmlns:a="http://schemas.openxmlformats.org/drawingml/2006/main" xmlns:r="http://schemas.openxmlformats.org/officeDocument/2006/relationships">
+<p:sld xmlns:a="http://schemas.openxmlformats.org/drawingml/2006/main" xmlns:r="http://schemas.openxmlformats.org/officeDocument/2006/relationships" xmlns:p="http://schemas.openxmlformats.org/presentationml/2006/main">
   <p:cSld>
     <p:bg>
       <p:bgPr>
         <a:solidFill>
           <a:srgbClr val="EDE8E4"/>
         </a:solidFill>
+        <a:effectLst/>
       </p:bgPr>
     </p:bg>
     <p:spTree>
@@ -3095,12 +3095,12 @@
       </p:grpSpPr>
       <p:sp>
         <p:nvSpPr>
-          <p:cNvPr name="Freeform 2" id="2"/>
+          <p:cNvPr id="2" name="Freeform 2"/>
           <p:cNvSpPr/>
           <p:nvPr/>
         </p:nvSpPr>
         <p:spPr>
-          <a:xfrm flipH="false" flipV="false" rot="6982806">
+          <a:xfrm rot="6982806">
             <a:off x="628870" y="6707177"/>
             <a:ext cx="6673590" cy="8952377"/>
           </a:xfrm>
@@ -3109,9 +3109,9 @@
             <a:gdLst/>
             <a:ahLst/>
             <a:cxnLst/>
-            <a:rect r="r" b="b" t="t" l="l"/>
+            <a:rect l="l" t="t" r="r" b="b"/>
             <a:pathLst>
-              <a:path h="8952377" w="6673590">
+              <a:path w="6673590" h="8952377">
                 <a:moveTo>
                   <a:pt x="0" y="0"/>
                 </a:moveTo>
@@ -3140,7 +3140,7 @@
               </a:extLst>
             </a:blip>
             <a:stretch>
-              <a:fillRect l="0" t="0" r="0" b="0"/>
+              <a:fillRect/>
             </a:stretch>
           </a:blipFill>
           <a:ln cap="sq">
@@ -3149,15 +3149,22 @@
             <a:miter/>
           </a:ln>
         </p:spPr>
-      </p:sp>
-      <p:sp>
-        <p:nvSpPr>
-          <p:cNvPr name="Freeform 3" id="3"/>
+        <p:txBody>
+          <a:bodyPr/>
+          <a:lstStyle/>
+          <a:p>
+            <a:endParaRPr lang="en-CL"/>
+          </a:p>
+        </p:txBody>
+      </p:sp>
+      <p:sp>
+        <p:nvSpPr>
+          <p:cNvPr id="3" name="Freeform 3"/>
           <p:cNvSpPr/>
           <p:nvPr/>
         </p:nvSpPr>
         <p:spPr>
-          <a:xfrm flipH="false" flipV="false" rot="-6501204">
+          <a:xfrm rot="-6501204">
             <a:off x="11429708" y="-3497303"/>
             <a:ext cx="8807178" cy="11814508"/>
           </a:xfrm>
@@ -3166,9 +3173,9 @@
             <a:gdLst/>
             <a:ahLst/>
             <a:cxnLst/>
-            <a:rect r="r" b="b" t="t" l="l"/>
+            <a:rect l="l" t="t" r="r" b="b"/>
             <a:pathLst>
-              <a:path h="11814508" w="8807178">
+              <a:path w="8807178" h="11814508">
                 <a:moveTo>
                   <a:pt x="0" y="0"/>
                 </a:moveTo>
@@ -3197,7 +3204,7 @@
               </a:extLst>
             </a:blip>
             <a:stretch>
-              <a:fillRect l="0" t="0" r="0" b="0"/>
+              <a:fillRect/>
             </a:stretch>
           </a:blipFill>
           <a:ln cap="sq">
@@ -3206,15 +3213,22 @@
             <a:miter/>
           </a:ln>
         </p:spPr>
-      </p:sp>
-      <p:sp>
-        <p:nvSpPr>
-          <p:cNvPr name="Freeform 4" id="4"/>
+        <p:txBody>
+          <a:bodyPr/>
+          <a:lstStyle/>
+          <a:p>
+            <a:endParaRPr lang="en-CL"/>
+          </a:p>
+        </p:txBody>
+      </p:sp>
+      <p:sp>
+        <p:nvSpPr>
+          <p:cNvPr id="4" name="Freeform 4"/>
           <p:cNvSpPr/>
           <p:nvPr/>
         </p:nvSpPr>
         <p:spPr>
-          <a:xfrm flipH="false" flipV="false" rot="10571821">
+          <a:xfrm rot="10571821">
             <a:off x="10628437" y="8363453"/>
             <a:ext cx="5947318" cy="7978109"/>
           </a:xfrm>
@@ -3223,9 +3237,9 @@
             <a:gdLst/>
             <a:ahLst/>
             <a:cxnLst/>
-            <a:rect r="r" b="b" t="t" l="l"/>
+            <a:rect l="l" t="t" r="r" b="b"/>
             <a:pathLst>
-              <a:path h="7978109" w="5947318">
+              <a:path w="5947318" h="7978109">
                 <a:moveTo>
                   <a:pt x="0" y="0"/>
                 </a:moveTo>
@@ -3254,7 +3268,7 @@
               </a:extLst>
             </a:blip>
             <a:stretch>
-              <a:fillRect l="0" t="0" r="0" b="0"/>
+              <a:fillRect/>
             </a:stretch>
           </a:blipFill>
           <a:ln cap="sq">
@@ -3263,15 +3277,22 @@
             <a:miter/>
           </a:ln>
         </p:spPr>
-      </p:sp>
-      <p:sp>
-        <p:nvSpPr>
-          <p:cNvPr name="Freeform 5" id="5"/>
+        <p:txBody>
+          <a:bodyPr/>
+          <a:lstStyle/>
+          <a:p>
+            <a:endParaRPr lang="en-CL"/>
+          </a:p>
+        </p:txBody>
+      </p:sp>
+      <p:sp>
+        <p:nvSpPr>
+          <p:cNvPr id="5" name="Freeform 5"/>
           <p:cNvSpPr/>
           <p:nvPr/>
         </p:nvSpPr>
         <p:spPr>
-          <a:xfrm flipH="false" flipV="false" rot="-5114765">
+          <a:xfrm rot="-5114765">
             <a:off x="11561828" y="5146485"/>
             <a:ext cx="8542938" cy="7393525"/>
           </a:xfrm>
@@ -3280,9 +3301,9 @@
             <a:gdLst/>
             <a:ahLst/>
             <a:cxnLst/>
-            <a:rect r="r" b="b" t="t" l="l"/>
+            <a:rect l="l" t="t" r="r" b="b"/>
             <a:pathLst>
-              <a:path h="7393525" w="8542938">
+              <a:path w="8542938" h="7393525">
                 <a:moveTo>
                   <a:pt x="0" y="0"/>
                 </a:moveTo>
@@ -3311,7 +3332,7 @@
               </a:extLst>
             </a:blip>
             <a:stretch>
-              <a:fillRect l="0" t="0" r="0" b="0"/>
+              <a:fillRect/>
             </a:stretch>
           </a:blipFill>
           <a:ln cap="sq">
@@ -3320,15 +3341,22 @@
             <a:miter/>
           </a:ln>
         </p:spPr>
-      </p:sp>
-      <p:sp>
-        <p:nvSpPr>
-          <p:cNvPr name="Freeform 6" id="6"/>
+        <p:txBody>
+          <a:bodyPr/>
+          <a:lstStyle/>
+          <a:p>
+            <a:endParaRPr lang="en-CL"/>
+          </a:p>
+        </p:txBody>
+      </p:sp>
+      <p:sp>
+        <p:nvSpPr>
+          <p:cNvPr id="6" name="Freeform 6"/>
           <p:cNvSpPr/>
           <p:nvPr/>
         </p:nvSpPr>
         <p:spPr>
-          <a:xfrm flipH="false" flipV="false" rot="-5058328">
+          <a:xfrm rot="-5058328">
             <a:off x="13255544" y="-4131370"/>
             <a:ext cx="7156478" cy="6935278"/>
           </a:xfrm>
@@ -3337,9 +3365,9 @@
             <a:gdLst/>
             <a:ahLst/>
             <a:cxnLst/>
-            <a:rect r="r" b="b" t="t" l="l"/>
+            <a:rect l="l" t="t" r="r" b="b"/>
             <a:pathLst>
-              <a:path h="6935278" w="7156478">
+              <a:path w="7156478" h="6935278">
                 <a:moveTo>
                   <a:pt x="0" y="0"/>
                 </a:moveTo>
@@ -3368,7 +3396,7 @@
               </a:extLst>
             </a:blip>
             <a:stretch>
-              <a:fillRect l="0" t="0" r="0" b="0"/>
+              <a:fillRect/>
             </a:stretch>
           </a:blipFill>
           <a:ln cap="sq">
@@ -3377,15 +3405,22 @@
             <a:miter/>
           </a:ln>
         </p:spPr>
-      </p:sp>
-      <p:sp>
-        <p:nvSpPr>
-          <p:cNvPr name="Freeform 7" id="7"/>
+        <p:txBody>
+          <a:bodyPr/>
+          <a:lstStyle/>
+          <a:p>
+            <a:endParaRPr lang="en-CL"/>
+          </a:p>
+        </p:txBody>
+      </p:sp>
+      <p:sp>
+        <p:nvSpPr>
+          <p:cNvPr id="7" name="Freeform 7"/>
           <p:cNvSpPr/>
           <p:nvPr/>
         </p:nvSpPr>
         <p:spPr>
-          <a:xfrm flipH="false" flipV="false" rot="3318101">
+          <a:xfrm rot="3318101">
             <a:off x="-3880130" y="6803731"/>
             <a:ext cx="10117864" cy="10062676"/>
           </a:xfrm>
@@ -3394,9 +3429,9 @@
             <a:gdLst/>
             <a:ahLst/>
             <a:cxnLst/>
-            <a:rect r="r" b="b" t="t" l="l"/>
+            <a:rect l="l" t="t" r="r" b="b"/>
             <a:pathLst>
-              <a:path h="10062676" w="10117864">
+              <a:path w="10117864" h="10062676">
                 <a:moveTo>
                   <a:pt x="0" y="0"/>
                 </a:moveTo>
@@ -3425,7 +3460,7 @@
               </a:extLst>
             </a:blip>
             <a:stretch>
-              <a:fillRect l="0" t="0" r="0" b="0"/>
+              <a:fillRect/>
             </a:stretch>
           </a:blipFill>
           <a:ln cap="sq">
@@ -3434,15 +3469,22 @@
             <a:miter/>
           </a:ln>
         </p:spPr>
-      </p:sp>
-      <p:sp>
-        <p:nvSpPr>
-          <p:cNvPr name="Freeform 8" id="8"/>
+        <p:txBody>
+          <a:bodyPr/>
+          <a:lstStyle/>
+          <a:p>
+            <a:endParaRPr lang="en-CL"/>
+          </a:p>
+        </p:txBody>
+      </p:sp>
+      <p:sp>
+        <p:nvSpPr>
+          <p:cNvPr id="8" name="Freeform 8"/>
           <p:cNvSpPr/>
           <p:nvPr/>
         </p:nvSpPr>
         <p:spPr>
-          <a:xfrm flipH="false" flipV="false" rot="6800871">
+          <a:xfrm rot="6800871">
             <a:off x="-1846725" y="-2878373"/>
             <a:ext cx="8542938" cy="7393525"/>
           </a:xfrm>
@@ -3451,9 +3493,9 @@
             <a:gdLst/>
             <a:ahLst/>
             <a:cxnLst/>
-            <a:rect r="r" b="b" t="t" l="l"/>
+            <a:rect l="l" t="t" r="r" b="b"/>
             <a:pathLst>
-              <a:path h="7393525" w="8542938">
+              <a:path w="8542938" h="7393525">
                 <a:moveTo>
                   <a:pt x="0" y="0"/>
                 </a:moveTo>
@@ -3482,7 +3524,7 @@
               </a:extLst>
             </a:blip>
             <a:stretch>
-              <a:fillRect l="0" t="0" r="0" b="0"/>
+              <a:fillRect/>
             </a:stretch>
           </a:blipFill>
           <a:ln cap="sq">
@@ -3491,15 +3533,22 @@
             <a:miter/>
           </a:ln>
         </p:spPr>
-      </p:sp>
-      <p:sp>
-        <p:nvSpPr>
-          <p:cNvPr name="TextBox 9" id="9"/>
-          <p:cNvSpPr txBox="true"/>
-          <p:nvPr/>
-        </p:nvSpPr>
-        <p:spPr>
-          <a:xfrm rot="0">
+        <p:txBody>
+          <a:bodyPr/>
+          <a:lstStyle/>
+          <a:p>
+            <a:endParaRPr lang="en-CL"/>
+          </a:p>
+        </p:txBody>
+      </p:sp>
+      <p:sp>
+        <p:nvSpPr>
+          <p:cNvPr id="9" name="TextBox 9"/>
+          <p:cNvSpPr txBox="1"/>
+          <p:nvPr/>
+        </p:nvSpPr>
+        <p:spPr>
+          <a:xfrm>
             <a:off x="4837377" y="8602585"/>
             <a:ext cx="8005127" cy="598565"/>
           </a:xfrm>
@@ -3508,12 +3557,12 @@
           </a:prstGeom>
         </p:spPr>
         <p:txBody>
-          <a:bodyPr anchor="t" rtlCol="false" tIns="0" lIns="0" bIns="0" rIns="0">
+          <a:bodyPr lIns="0" tIns="0" rIns="0" bIns="0" rtlCol="0" anchor="t">
             <a:spAutoFit/>
           </a:bodyPr>
           <a:lstStyle/>
           <a:p>
-            <a:pPr algn="ctr" marL="0" indent="0" lvl="0">
+            <a:pPr marL="0" lvl="0" indent="0" algn="ctr">
               <a:lnSpc>
                 <a:spcPts val="4808"/>
               </a:lnSpc>
@@ -3538,12 +3587,12 @@
       </p:sp>
       <p:sp>
         <p:nvSpPr>
-          <p:cNvPr name="TextBox 10" id="10"/>
-          <p:cNvSpPr txBox="true"/>
-          <p:nvPr/>
-        </p:nvSpPr>
-        <p:spPr>
-          <a:xfrm rot="0">
+          <p:cNvPr id="10" name="TextBox 10"/>
+          <p:cNvSpPr txBox="1"/>
+          <p:nvPr/>
+        </p:nvSpPr>
+        <p:spPr>
+          <a:xfrm>
             <a:off x="809022" y="2951460"/>
             <a:ext cx="16450278" cy="4155479"/>
           </a:xfrm>
@@ -3552,7 +3601,7 @@
           </a:prstGeom>
         </p:spPr>
         <p:txBody>
-          <a:bodyPr anchor="t" rtlCol="false" tIns="0" lIns="0" bIns="0" rIns="0">
+          <a:bodyPr lIns="0" tIns="0" rIns="0" bIns="0" rtlCol="0" anchor="t">
             <a:spAutoFit/>
           </a:bodyPr>
           <a:lstStyle/>
@@ -3563,7 +3612,7 @@
               </a:lnSpc>
             </a:pPr>
             <a:r>
-              <a:rPr lang="en-US" b="true" sz="11898" spc="1118">
+              <a:rPr lang="en-US" sz="11898" b="1" spc="1118">
                 <a:solidFill>
                   <a:srgbClr val="152540"/>
                 </a:solidFill>
@@ -3579,12 +3628,12 @@
       </p:sp>
       <p:sp>
         <p:nvSpPr>
-          <p:cNvPr name="TextBox 11" id="11"/>
-          <p:cNvSpPr txBox="true"/>
-          <p:nvPr/>
-        </p:nvSpPr>
-        <p:spPr>
-          <a:xfrm rot="0">
+          <p:cNvPr id="11" name="TextBox 11"/>
+          <p:cNvSpPr txBox="1"/>
+          <p:nvPr/>
+        </p:nvSpPr>
+        <p:spPr>
+          <a:xfrm>
             <a:off x="5490215" y="2154333"/>
             <a:ext cx="7307570" cy="1086593"/>
           </a:xfrm>
@@ -3593,12 +3642,12 @@
           </a:prstGeom>
         </p:spPr>
         <p:txBody>
-          <a:bodyPr anchor="t" rtlCol="false" tIns="0" lIns="0" bIns="0" rIns="0">
+          <a:bodyPr lIns="0" tIns="0" rIns="0" bIns="0" rtlCol="0" anchor="t">
             <a:spAutoFit/>
           </a:bodyPr>
           <a:lstStyle/>
           <a:p>
-            <a:pPr algn="ctr" marL="0" indent="0" lvl="0">
+            <a:pPr marL="0" lvl="0" indent="0" algn="ctr">
               <a:lnSpc>
                 <a:spcPts val="8884"/>
               </a:lnSpc>
@@ -3607,7 +3656,7 @@
               </a:spcBef>
             </a:pPr>
             <a:r>
-              <a:rPr lang="en-US" sz="6345" spc="596">
+              <a:rPr lang="en-US" sz="6345" spc="596" dirty="0">
                 <a:solidFill>
                   <a:srgbClr val="152540"/>
                 </a:solidFill>
@@ -3623,12 +3672,12 @@
       </p:sp>
       <p:sp>
         <p:nvSpPr>
-          <p:cNvPr name="TextBox 12" id="12"/>
-          <p:cNvSpPr txBox="true"/>
-          <p:nvPr/>
-        </p:nvSpPr>
-        <p:spPr>
-          <a:xfrm rot="0">
+          <p:cNvPr id="12" name="TextBox 12"/>
+          <p:cNvSpPr txBox="1"/>
+          <p:nvPr/>
+        </p:nvSpPr>
+        <p:spPr>
+          <a:xfrm>
             <a:off x="6261059" y="7059315"/>
             <a:ext cx="5546203" cy="825386"/>
           </a:xfrm>
@@ -3637,12 +3686,12 @@
           </a:prstGeom>
         </p:spPr>
         <p:txBody>
-          <a:bodyPr anchor="t" rtlCol="false" tIns="0" lIns="0" bIns="0" rIns="0">
+          <a:bodyPr lIns="0" tIns="0" rIns="0" bIns="0" rtlCol="0" anchor="t">
             <a:spAutoFit/>
           </a:bodyPr>
           <a:lstStyle/>
           <a:p>
-            <a:pPr algn="ctr" marL="0" indent="0" lvl="0">
+            <a:pPr marL="0" lvl="0" indent="0" algn="ctr">
               <a:lnSpc>
                 <a:spcPts val="3331"/>
               </a:lnSpc>
@@ -3674,13 +3723,14 @@
 </file>
 
 <file path=ppt/slides/slide10.xml><?xml version="1.0" encoding="utf-8"?>
-<p:sld xmlns:p="http://schemas.openxmlformats.org/presentationml/2006/main" xmlns:a="http://schemas.openxmlformats.org/drawingml/2006/main" xmlns:r="http://schemas.openxmlformats.org/officeDocument/2006/relationships">
+<p:sld xmlns:a="http://schemas.openxmlformats.org/drawingml/2006/main" xmlns:r="http://schemas.openxmlformats.org/officeDocument/2006/relationships" xmlns:p="http://schemas.openxmlformats.org/presentationml/2006/main">
   <p:cSld>
     <p:bg>
       <p:bgPr>
         <a:solidFill>
           <a:srgbClr val="253754"/>
         </a:solidFill>
+        <a:effectLst/>
       </p:bgPr>
     </p:bg>
     <p:spTree>
@@ -3699,12 +3749,12 @@
       </p:grpSpPr>
       <p:sp>
         <p:nvSpPr>
-          <p:cNvPr name="Freeform 2" id="2"/>
+          <p:cNvPr id="2" name="Freeform 2"/>
           <p:cNvSpPr/>
           <p:nvPr/>
         </p:nvSpPr>
         <p:spPr>
-          <a:xfrm flipH="false" flipV="false" rot="-1370283">
+          <a:xfrm rot="-1370283">
             <a:off x="10771211" y="-3645091"/>
             <a:ext cx="18437794" cy="14783758"/>
           </a:xfrm>
@@ -3713,9 +3763,9 @@
             <a:gdLst/>
             <a:ahLst/>
             <a:cxnLst/>
-            <a:rect r="r" b="b" t="t" l="l"/>
+            <a:rect l="l" t="t" r="r" b="b"/>
             <a:pathLst>
-              <a:path h="14783758" w="18437794">
+              <a:path w="18437794" h="14783758">
                 <a:moveTo>
                   <a:pt x="0" y="0"/>
                 </a:moveTo>
@@ -3744,7 +3794,7 @@
               </a:extLst>
             </a:blip>
             <a:stretch>
-              <a:fillRect l="0" t="0" r="0" b="0"/>
+              <a:fillRect/>
             </a:stretch>
           </a:blipFill>
           <a:ln cap="sq">
@@ -3753,15 +3803,22 @@
             <a:miter/>
           </a:ln>
         </p:spPr>
-      </p:sp>
-      <p:sp>
-        <p:nvSpPr>
-          <p:cNvPr name="TextBox 3" id="3"/>
-          <p:cNvSpPr txBox="true"/>
-          <p:nvPr/>
-        </p:nvSpPr>
-        <p:spPr>
-          <a:xfrm rot="0">
+        <p:txBody>
+          <a:bodyPr/>
+          <a:lstStyle/>
+          <a:p>
+            <a:endParaRPr lang="en-CL"/>
+          </a:p>
+        </p:txBody>
+      </p:sp>
+      <p:sp>
+        <p:nvSpPr>
+          <p:cNvPr id="3" name="TextBox 3"/>
+          <p:cNvSpPr txBox="1"/>
+          <p:nvPr/>
+        </p:nvSpPr>
+        <p:spPr>
+          <a:xfrm>
             <a:off x="1954302" y="2932240"/>
             <a:ext cx="5127156" cy="2547564"/>
           </a:xfrm>
@@ -3770,7 +3827,7 @@
           </a:prstGeom>
         </p:spPr>
         <p:txBody>
-          <a:bodyPr anchor="t" rtlCol="false" tIns="0" lIns="0" bIns="0" rIns="0">
+          <a:bodyPr lIns="0" tIns="0" rIns="0" bIns="0" rtlCol="0" anchor="t">
             <a:spAutoFit/>
           </a:bodyPr>
           <a:lstStyle/>
@@ -3781,7 +3838,7 @@
               </a:lnSpc>
             </a:pPr>
             <a:r>
-              <a:rPr lang="en-US" b="true" sz="7327" spc="688">
+              <a:rPr lang="en-US" sz="7327" b="1" spc="688">
                 <a:solidFill>
                   <a:srgbClr val="EDE8E4"/>
                 </a:solidFill>
@@ -3797,47 +3854,55 @@
       </p:sp>
       <p:sp>
         <p:nvSpPr>
-          <p:cNvPr name="AutoShape 4" id="4"/>
+          <p:cNvPr id="4" name="AutoShape 4"/>
           <p:cNvSpPr/>
           <p:nvPr/>
         </p:nvSpPr>
         <p:spPr>
-          <a:xfrm flipV="true">
+          <a:xfrm flipV="1">
             <a:off x="1478627" y="1685723"/>
             <a:ext cx="0" cy="6915554"/>
           </a:xfrm>
           <a:prstGeom prst="line">
             <a:avLst/>
           </a:prstGeom>
-          <a:ln cap="flat" w="66675">
+          <a:ln w="66675" cap="flat">
             <a:solidFill>
               <a:srgbClr val="E3D8D4"/>
             </a:solidFill>
             <a:prstDash val="solid"/>
-            <a:headEnd type="none" len="sm" w="sm"/>
-            <a:tailEnd type="none" len="sm" w="sm"/>
+            <a:headEnd type="none" w="sm" len="sm"/>
+            <a:tailEnd type="none" w="sm" len="sm"/>
           </a:ln>
         </p:spPr>
+        <p:txBody>
+          <a:bodyPr/>
+          <a:lstStyle/>
+          <a:p>
+            <a:endParaRPr lang="en-CL"/>
+          </a:p>
+        </p:txBody>
       </p:sp>
     </p:spTree>
   </p:cSld>
   <p:clrMapOvr>
     <a:masterClrMapping/>
   </p:clrMapOvr>
-  <p:transition spd="fast">
+  <p:transition>
     <p:fade/>
   </p:transition>
 </p:sld>
 </file>
 
 <file path=ppt/slides/slide2.xml><?xml version="1.0" encoding="utf-8"?>
-<p:sld xmlns:p="http://schemas.openxmlformats.org/presentationml/2006/main" xmlns:a="http://schemas.openxmlformats.org/drawingml/2006/main" xmlns:r="http://schemas.openxmlformats.org/officeDocument/2006/relationships">
+<p:sld xmlns:a="http://schemas.openxmlformats.org/drawingml/2006/main" xmlns:r="http://schemas.openxmlformats.org/officeDocument/2006/relationships" xmlns:p="http://schemas.openxmlformats.org/presentationml/2006/main">
   <p:cSld>
     <p:bg>
       <p:bgPr>
         <a:solidFill>
           <a:srgbClr val="EDE8E4"/>
         </a:solidFill>
+        <a:effectLst/>
       </p:bgPr>
     </p:bg>
     <p:spTree>
@@ -3856,12 +3921,12 @@
       </p:grpSpPr>
       <p:sp>
         <p:nvSpPr>
-          <p:cNvPr name="Freeform 2" id="2"/>
+          <p:cNvPr id="2" name="Freeform 2"/>
           <p:cNvSpPr/>
           <p:nvPr/>
         </p:nvSpPr>
         <p:spPr>
-          <a:xfrm flipH="false" flipV="false" rot="-6501204">
+          <a:xfrm rot="-6501204">
             <a:off x="-4899086" y="-8147683"/>
             <a:ext cx="9798172" cy="13143890"/>
           </a:xfrm>
@@ -3870,9 +3935,9 @@
             <a:gdLst/>
             <a:ahLst/>
             <a:cxnLst/>
-            <a:rect r="r" b="b" t="t" l="l"/>
+            <a:rect l="l" t="t" r="r" b="b"/>
             <a:pathLst>
-              <a:path h="13143890" w="9798172">
+              <a:path w="9798172" h="13143890">
                 <a:moveTo>
                   <a:pt x="0" y="0"/>
                 </a:moveTo>
@@ -3901,7 +3966,7 @@
               </a:extLst>
             </a:blip>
             <a:stretch>
-              <a:fillRect l="0" t="0" r="0" b="0"/>
+              <a:fillRect/>
             </a:stretch>
           </a:blipFill>
           <a:ln cap="sq">
@@ -3910,15 +3975,22 @@
             <a:miter/>
           </a:ln>
         </p:spPr>
-      </p:sp>
-      <p:sp>
-        <p:nvSpPr>
-          <p:cNvPr name="Freeform 3" id="3"/>
+        <p:txBody>
+          <a:bodyPr/>
+          <a:lstStyle/>
+          <a:p>
+            <a:endParaRPr lang="en-CL"/>
+          </a:p>
+        </p:txBody>
+      </p:sp>
+      <p:sp>
+        <p:nvSpPr>
+          <p:cNvPr id="3" name="Freeform 3"/>
           <p:cNvSpPr/>
           <p:nvPr/>
         </p:nvSpPr>
         <p:spPr>
-          <a:xfrm flipH="false" flipV="false" rot="-8798399">
+          <a:xfrm rot="-8798399">
             <a:off x="11434890" y="2417332"/>
             <a:ext cx="9798172" cy="13143890"/>
           </a:xfrm>
@@ -3927,9 +3999,9 @@
             <a:gdLst/>
             <a:ahLst/>
             <a:cxnLst/>
-            <a:rect r="r" b="b" t="t" l="l"/>
+            <a:rect l="l" t="t" r="r" b="b"/>
             <a:pathLst>
-              <a:path h="13143890" w="9798172">
+              <a:path w="9798172" h="13143890">
                 <a:moveTo>
                   <a:pt x="0" y="0"/>
                 </a:moveTo>
@@ -3958,7 +4030,7 @@
               </a:extLst>
             </a:blip>
             <a:stretch>
-              <a:fillRect l="0" t="0" r="0" b="0"/>
+              <a:fillRect/>
             </a:stretch>
           </a:blipFill>
           <a:ln cap="sq">
@@ -3967,15 +4039,22 @@
             <a:miter/>
           </a:ln>
         </p:spPr>
-      </p:sp>
-      <p:sp>
-        <p:nvSpPr>
-          <p:cNvPr name="Freeform 4" id="4"/>
+        <p:txBody>
+          <a:bodyPr/>
+          <a:lstStyle/>
+          <a:p>
+            <a:endParaRPr lang="en-CL"/>
+          </a:p>
+        </p:txBody>
+      </p:sp>
+      <p:sp>
+        <p:nvSpPr>
+          <p:cNvPr id="4" name="Freeform 4"/>
           <p:cNvSpPr/>
           <p:nvPr/>
         </p:nvSpPr>
         <p:spPr>
-          <a:xfrm flipH="false" flipV="false" rot="-10301337">
+          <a:xfrm rot="-10301337">
             <a:off x="9883234" y="-2150579"/>
             <a:ext cx="12901483" cy="11165647"/>
           </a:xfrm>
@@ -3984,9 +4063,9 @@
             <a:gdLst/>
             <a:ahLst/>
             <a:cxnLst/>
-            <a:rect r="r" b="b" t="t" l="l"/>
+            <a:rect l="l" t="t" r="r" b="b"/>
             <a:pathLst>
-              <a:path h="11165647" w="12901483">
+              <a:path w="12901483" h="11165647">
                 <a:moveTo>
                   <a:pt x="0" y="0"/>
                 </a:moveTo>
@@ -4015,7 +4094,7 @@
               </a:extLst>
             </a:blip>
             <a:stretch>
-              <a:fillRect l="0" t="0" r="0" b="0"/>
+              <a:fillRect/>
             </a:stretch>
           </a:blipFill>
           <a:ln cap="sq">
@@ -4024,15 +4103,22 @@
             <a:miter/>
           </a:ln>
         </p:spPr>
-      </p:sp>
-      <p:sp>
-        <p:nvSpPr>
-          <p:cNvPr name="Freeform 5" id="5"/>
+        <p:txBody>
+          <a:bodyPr/>
+          <a:lstStyle/>
+          <a:p>
+            <a:endParaRPr lang="en-CL"/>
+          </a:p>
+        </p:txBody>
+      </p:sp>
+      <p:sp>
+        <p:nvSpPr>
+          <p:cNvPr id="5" name="Freeform 5"/>
           <p:cNvSpPr/>
           <p:nvPr/>
         </p:nvSpPr>
         <p:spPr>
-          <a:xfrm flipH="false" flipV="false" rot="458160">
+          <a:xfrm rot="458160">
             <a:off x="-3775194" y="6616870"/>
             <a:ext cx="8481393" cy="7340260"/>
           </a:xfrm>
@@ -4041,9 +4127,9 @@
             <a:gdLst/>
             <a:ahLst/>
             <a:cxnLst/>
-            <a:rect r="r" b="b" t="t" l="l"/>
+            <a:rect l="l" t="t" r="r" b="b"/>
             <a:pathLst>
-              <a:path h="7340260" w="8481393">
+              <a:path w="8481393" h="7340260">
                 <a:moveTo>
                   <a:pt x="0" y="0"/>
                 </a:moveTo>
@@ -4072,7 +4158,7 @@
               </a:extLst>
             </a:blip>
             <a:stretch>
-              <a:fillRect l="0" t="0" r="0" b="0"/>
+              <a:fillRect/>
             </a:stretch>
           </a:blipFill>
           <a:ln cap="sq">
@@ -4081,15 +4167,22 @@
             <a:miter/>
           </a:ln>
         </p:spPr>
-      </p:sp>
-      <p:sp>
-        <p:nvSpPr>
-          <p:cNvPr name="TextBox 6" id="6"/>
-          <p:cNvSpPr txBox="true"/>
-          <p:nvPr/>
-        </p:nvSpPr>
-        <p:spPr>
-          <a:xfrm rot="0">
+        <p:txBody>
+          <a:bodyPr/>
+          <a:lstStyle/>
+          <a:p>
+            <a:endParaRPr lang="en-CL"/>
+          </a:p>
+        </p:txBody>
+      </p:sp>
+      <p:sp>
+        <p:nvSpPr>
+          <p:cNvPr id="6" name="TextBox 6"/>
+          <p:cNvSpPr txBox="1"/>
+          <p:nvPr/>
+        </p:nvSpPr>
+        <p:spPr>
+          <a:xfrm>
             <a:off x="2344704" y="1943183"/>
             <a:ext cx="6411555" cy="1319860"/>
           </a:xfrm>
@@ -4098,7 +4191,7 @@
           </a:prstGeom>
         </p:spPr>
         <p:txBody>
-          <a:bodyPr anchor="t" rtlCol="false" tIns="0" lIns="0" bIns="0" rIns="0">
+          <a:bodyPr lIns="0" tIns="0" rIns="0" bIns="0" rtlCol="0" anchor="t">
             <a:spAutoFit/>
           </a:bodyPr>
           <a:lstStyle/>
@@ -4109,7 +4202,7 @@
               </a:lnSpc>
             </a:pPr>
             <a:r>
-              <a:rPr lang="en-US" b="true" sz="7662" spc="720">
+              <a:rPr lang="en-US" sz="7662" b="1" spc="720">
                 <a:solidFill>
                   <a:srgbClr val="152540"/>
                 </a:solidFill>
@@ -4125,12 +4218,12 @@
       </p:sp>
       <p:sp>
         <p:nvSpPr>
-          <p:cNvPr name="TextBox 7" id="7"/>
-          <p:cNvSpPr txBox="true"/>
-          <p:nvPr/>
-        </p:nvSpPr>
-        <p:spPr>
-          <a:xfrm rot="0">
+          <p:cNvPr id="7" name="TextBox 7"/>
+          <p:cNvSpPr txBox="1"/>
+          <p:nvPr/>
+        </p:nvSpPr>
+        <p:spPr>
+          <a:xfrm>
             <a:off x="2344704" y="1115260"/>
             <a:ext cx="4756100" cy="980324"/>
           </a:xfrm>
@@ -4139,7 +4232,7 @@
           </a:prstGeom>
         </p:spPr>
         <p:txBody>
-          <a:bodyPr anchor="t" rtlCol="false" tIns="0" lIns="0" bIns="0" rIns="0">
+          <a:bodyPr lIns="0" tIns="0" rIns="0" bIns="0" rtlCol="0" anchor="t">
             <a:spAutoFit/>
           </a:bodyPr>
           <a:lstStyle/>
@@ -4166,12 +4259,12 @@
       </p:sp>
       <p:sp>
         <p:nvSpPr>
-          <p:cNvPr name="TextBox 8" id="8"/>
-          <p:cNvSpPr txBox="true"/>
-          <p:nvPr/>
-        </p:nvSpPr>
-        <p:spPr>
-          <a:xfrm rot="0">
+          <p:cNvPr id="8" name="TextBox 8"/>
+          <p:cNvSpPr txBox="1"/>
+          <p:nvPr/>
+        </p:nvSpPr>
+        <p:spPr>
+          <a:xfrm>
             <a:off x="2306604" y="3590866"/>
             <a:ext cx="5985344" cy="4256165"/>
           </a:xfrm>
@@ -4180,12 +4273,12 @@
           </a:prstGeom>
         </p:spPr>
         <p:txBody>
-          <a:bodyPr anchor="t" rtlCol="false" tIns="0" lIns="0" bIns="0" rIns="0">
+          <a:bodyPr lIns="0" tIns="0" rIns="0" bIns="0" rtlCol="0" anchor="t">
             <a:spAutoFit/>
           </a:bodyPr>
           <a:lstStyle/>
           <a:p>
-            <a:pPr algn="l" marL="741495" indent="-370748" lvl="1">
+            <a:pPr marL="741495" lvl="1" indent="-370748" algn="l">
               <a:lnSpc>
                 <a:spcPts val="4808"/>
               </a:lnSpc>
@@ -4193,7 +4286,7 @@
               <a:buChar char="•"/>
             </a:pPr>
             <a:r>
-              <a:rPr lang="en-US" sz="3434" spc="75" strike="noStrike" u="none">
+              <a:rPr lang="en-US" sz="3434" u="none" strike="noStrike" spc="75">
                 <a:solidFill>
                   <a:srgbClr val="152540"/>
                 </a:solidFill>
@@ -4206,7 +4299,7 @@
             </a:r>
           </a:p>
           <a:p>
-            <a:pPr algn="l" marL="741495" indent="-370748" lvl="1">
+            <a:pPr marL="741495" lvl="1" indent="-370748" algn="l">
               <a:lnSpc>
                 <a:spcPts val="4808"/>
               </a:lnSpc>
@@ -4214,7 +4307,7 @@
               <a:buChar char="•"/>
             </a:pPr>
             <a:r>
-              <a:rPr lang="en-US" sz="3434" spc="75" strike="noStrike" u="none">
+              <a:rPr lang="en-US" sz="3434" u="none" strike="noStrike" spc="75">
                 <a:solidFill>
                   <a:srgbClr val="152540"/>
                 </a:solidFill>
@@ -4227,7 +4320,7 @@
             </a:r>
           </a:p>
           <a:p>
-            <a:pPr algn="l" marL="741495" indent="-370748" lvl="1">
+            <a:pPr marL="741495" lvl="1" indent="-370748" algn="l">
               <a:lnSpc>
                 <a:spcPts val="4808"/>
               </a:lnSpc>
@@ -4235,7 +4328,7 @@
               <a:buChar char="•"/>
             </a:pPr>
             <a:r>
-              <a:rPr lang="en-US" sz="3434" spc="75" strike="noStrike" u="none">
+              <a:rPr lang="en-US" sz="3434" u="none" strike="noStrike" spc="75">
                 <a:solidFill>
                   <a:srgbClr val="152540"/>
                 </a:solidFill>
@@ -4248,7 +4341,7 @@
             </a:r>
           </a:p>
           <a:p>
-            <a:pPr algn="l" marL="741495" indent="-370748" lvl="1">
+            <a:pPr marL="741495" lvl="1" indent="-370748" algn="l">
               <a:lnSpc>
                 <a:spcPts val="4808"/>
               </a:lnSpc>
@@ -4256,7 +4349,7 @@
               <a:buChar char="•"/>
             </a:pPr>
             <a:r>
-              <a:rPr lang="en-US" sz="3434" spc="75" strike="noStrike" u="none">
+              <a:rPr lang="en-US" sz="3434" u="none" strike="noStrike" spc="75">
                 <a:solidFill>
                   <a:srgbClr val="152540"/>
                 </a:solidFill>
@@ -4269,7 +4362,7 @@
             </a:r>
           </a:p>
           <a:p>
-            <a:pPr algn="l" marL="741495" indent="-370748" lvl="1">
+            <a:pPr marL="741495" lvl="1" indent="-370748" algn="l">
               <a:lnSpc>
                 <a:spcPts val="4808"/>
               </a:lnSpc>
@@ -4277,7 +4370,7 @@
               <a:buChar char="•"/>
             </a:pPr>
             <a:r>
-              <a:rPr lang="en-US" sz="3434" spc="75" strike="noStrike" u="none">
+              <a:rPr lang="en-US" sz="3434" u="none" strike="noStrike" spc="75">
                 <a:solidFill>
                   <a:srgbClr val="152540"/>
                 </a:solidFill>
@@ -4290,7 +4383,7 @@
             </a:r>
           </a:p>
           <a:p>
-            <a:pPr algn="l" marL="741495" indent="-370748" lvl="1">
+            <a:pPr marL="741495" lvl="1" indent="-370748" algn="l">
               <a:lnSpc>
                 <a:spcPts val="4808"/>
               </a:lnSpc>
@@ -4298,7 +4391,7 @@
               <a:buChar char="•"/>
             </a:pPr>
             <a:r>
-              <a:rPr lang="en-US" sz="3434" spc="75" strike="noStrike" u="none">
+              <a:rPr lang="en-US" sz="3434" u="none" strike="noStrike" spc="75">
                 <a:solidFill>
                   <a:srgbClr val="152540"/>
                 </a:solidFill>
@@ -4316,17 +4409,26 @@
                 <a:spcPts val="4808"/>
               </a:lnSpc>
             </a:pPr>
-          </a:p>
-        </p:txBody>
-      </p:sp>
-      <p:sp>
-        <p:nvSpPr>
-          <p:cNvPr name="TextBox 9" id="9"/>
-          <p:cNvSpPr txBox="true"/>
-          <p:nvPr/>
-        </p:nvSpPr>
-        <p:spPr>
-          <a:xfrm rot="0">
+            <a:endParaRPr lang="en-US" sz="3434" u="none" strike="noStrike" spc="75">
+              <a:solidFill>
+                <a:srgbClr val="152540"/>
+              </a:solidFill>
+              <a:latin typeface="Glacial Indifference"/>
+              <a:ea typeface="Glacial Indifference"/>
+              <a:cs typeface="Glacial Indifference"/>
+              <a:sym typeface="Glacial Indifference"/>
+            </a:endParaRPr>
+          </a:p>
+        </p:txBody>
+      </p:sp>
+      <p:sp>
+        <p:nvSpPr>
+          <p:cNvPr id="9" name="TextBox 9"/>
+          <p:cNvSpPr txBox="1"/>
+          <p:nvPr/>
+        </p:nvSpPr>
+        <p:spPr>
+          <a:xfrm>
             <a:off x="8330048" y="3590866"/>
             <a:ext cx="813952" cy="3646565"/>
           </a:xfrm>
@@ -4335,7 +4437,7 @@
           </a:prstGeom>
         </p:spPr>
         <p:txBody>
-          <a:bodyPr anchor="t" rtlCol="false" tIns="0" lIns="0" bIns="0" rIns="0">
+          <a:bodyPr lIns="0" tIns="0" rIns="0" bIns="0" rtlCol="0" anchor="t">
             <a:spAutoFit/>
           </a:bodyPr>
           <a:lstStyle/>
@@ -4346,7 +4448,7 @@
               </a:lnSpc>
             </a:pPr>
             <a:r>
-              <a:rPr lang="en-US" b="true" sz="3434" spc="75">
+              <a:rPr lang="en-US" sz="3434" b="1" spc="75">
                 <a:solidFill>
                   <a:srgbClr val="152540"/>
                 </a:solidFill>
@@ -4365,7 +4467,7 @@
               </a:lnSpc>
             </a:pPr>
             <a:r>
-              <a:rPr lang="en-US" b="true" sz="3434" spc="75">
+              <a:rPr lang="en-US" sz="3434" b="1" spc="75">
                 <a:solidFill>
                   <a:srgbClr val="152540"/>
                 </a:solidFill>
@@ -4384,7 +4486,7 @@
               </a:lnSpc>
             </a:pPr>
             <a:r>
-              <a:rPr lang="en-US" b="true" sz="3434" spc="75">
+              <a:rPr lang="en-US" sz="3434" b="1" spc="75">
                 <a:solidFill>
                   <a:srgbClr val="152540"/>
                 </a:solidFill>
@@ -4403,7 +4505,7 @@
               </a:lnSpc>
             </a:pPr>
             <a:r>
-              <a:rPr lang="en-US" b="true" sz="3434" spc="75">
+              <a:rPr lang="en-US" sz="3434" b="1" spc="75">
                 <a:solidFill>
                   <a:srgbClr val="152540"/>
                 </a:solidFill>
@@ -4422,7 +4524,7 @@
               </a:lnSpc>
             </a:pPr>
             <a:r>
-              <a:rPr lang="en-US" b="true" sz="3434" spc="75">
+              <a:rPr lang="en-US" sz="3434" b="1" spc="75">
                 <a:solidFill>
                   <a:srgbClr val="152540"/>
                 </a:solidFill>
@@ -4435,7 +4537,7 @@
             </a:r>
           </a:p>
           <a:p>
-            <a:pPr algn="ctr" marL="0" indent="0" lvl="0">
+            <a:pPr marL="0" lvl="0" indent="0" algn="ctr">
               <a:lnSpc>
                 <a:spcPts val="4808"/>
               </a:lnSpc>
@@ -4444,7 +4546,7 @@
               </a:spcBef>
             </a:pPr>
             <a:r>
-              <a:rPr lang="en-US" b="true" sz="3434" spc="75">
+              <a:rPr lang="en-US" sz="3434" b="1" spc="75">
                 <a:solidFill>
                   <a:srgbClr val="152540"/>
                 </a:solidFill>
@@ -4463,20 +4565,21 @@
   <p:clrMapOvr>
     <a:masterClrMapping/>
   </p:clrMapOvr>
-  <p:transition spd="fast">
+  <p:transition>
     <p:fade/>
   </p:transition>
 </p:sld>
 </file>
 
 <file path=ppt/slides/slide3.xml><?xml version="1.0" encoding="utf-8"?>
-<p:sld xmlns:p="http://schemas.openxmlformats.org/presentationml/2006/main" xmlns:a="http://schemas.openxmlformats.org/drawingml/2006/main" xmlns:r="http://schemas.openxmlformats.org/officeDocument/2006/relationships">
+<p:sld xmlns:a="http://schemas.openxmlformats.org/drawingml/2006/main" xmlns:r="http://schemas.openxmlformats.org/officeDocument/2006/relationships" xmlns:p="http://schemas.openxmlformats.org/presentationml/2006/main">
   <p:cSld>
     <p:bg>
       <p:bgPr>
         <a:solidFill>
           <a:srgbClr val="EDE8E4"/>
         </a:solidFill>
+        <a:effectLst/>
       </p:bgPr>
     </p:bg>
     <p:spTree>
@@ -4495,12 +4598,12 @@
       </p:grpSpPr>
       <p:sp>
         <p:nvSpPr>
-          <p:cNvPr name="Freeform 2" id="2"/>
+          <p:cNvPr id="2" name="Freeform 2"/>
           <p:cNvSpPr/>
           <p:nvPr/>
         </p:nvSpPr>
         <p:spPr>
-          <a:xfrm flipH="false" flipV="false" rot="-445925">
+          <a:xfrm rot="-445925">
             <a:off x="3142738" y="-769394"/>
             <a:ext cx="9798172" cy="13143890"/>
           </a:xfrm>
@@ -4509,9 +4612,9 @@
             <a:gdLst/>
             <a:ahLst/>
             <a:cxnLst/>
-            <a:rect r="r" b="b" t="t" l="l"/>
+            <a:rect l="l" t="t" r="r" b="b"/>
             <a:pathLst>
-              <a:path h="13143890" w="9798172">
+              <a:path w="9798172" h="13143890">
                 <a:moveTo>
                   <a:pt x="0" y="0"/>
                 </a:moveTo>
@@ -4540,7 +4643,7 @@
               </a:extLst>
             </a:blip>
             <a:stretch>
-              <a:fillRect l="0" t="0" r="0" b="0"/>
+              <a:fillRect/>
             </a:stretch>
           </a:blipFill>
           <a:ln cap="sq">
@@ -4549,15 +4652,22 @@
             <a:miter/>
           </a:ln>
         </p:spPr>
-      </p:sp>
-      <p:sp>
-        <p:nvSpPr>
-          <p:cNvPr name="Freeform 3" id="3"/>
+        <p:txBody>
+          <a:bodyPr/>
+          <a:lstStyle/>
+          <a:p>
+            <a:endParaRPr lang="en-CL"/>
+          </a:p>
+        </p:txBody>
+      </p:sp>
+      <p:sp>
+        <p:nvSpPr>
+          <p:cNvPr id="3" name="Freeform 3"/>
           <p:cNvSpPr/>
           <p:nvPr/>
         </p:nvSpPr>
         <p:spPr>
-          <a:xfrm flipH="false" flipV="false" rot="-8798399">
+          <a:xfrm rot="-8798399">
             <a:off x="8466276" y="-9590538"/>
             <a:ext cx="9798172" cy="13143890"/>
           </a:xfrm>
@@ -4566,9 +4676,9 @@
             <a:gdLst/>
             <a:ahLst/>
             <a:cxnLst/>
-            <a:rect r="r" b="b" t="t" l="l"/>
+            <a:rect l="l" t="t" r="r" b="b"/>
             <a:pathLst>
-              <a:path h="13143890" w="9798172">
+              <a:path w="9798172" h="13143890">
                 <a:moveTo>
                   <a:pt x="0" y="0"/>
                 </a:moveTo>
@@ -4597,7 +4707,7 @@
               </a:extLst>
             </a:blip>
             <a:stretch>
-              <a:fillRect l="0" t="0" r="0" b="0"/>
+              <a:fillRect/>
             </a:stretch>
           </a:blipFill>
           <a:ln cap="sq">
@@ -4606,15 +4716,22 @@
             <a:miter/>
           </a:ln>
         </p:spPr>
-      </p:sp>
-      <p:sp>
-        <p:nvSpPr>
-          <p:cNvPr name="Freeform 4" id="4"/>
+        <p:txBody>
+          <a:bodyPr/>
+          <a:lstStyle/>
+          <a:p>
+            <a:endParaRPr lang="en-CL"/>
+          </a:p>
+        </p:txBody>
+      </p:sp>
+      <p:sp>
+        <p:nvSpPr>
+          <p:cNvPr id="4" name="Freeform 4"/>
           <p:cNvSpPr/>
           <p:nvPr/>
         </p:nvSpPr>
         <p:spPr>
-          <a:xfrm flipH="false" flipV="false" rot="3283157">
+          <a:xfrm rot="3283157">
             <a:off x="-1501206" y="7329841"/>
             <a:ext cx="5624862" cy="7545546"/>
           </a:xfrm>
@@ -4623,9 +4740,9 @@
             <a:gdLst/>
             <a:ahLst/>
             <a:cxnLst/>
-            <a:rect r="r" b="b" t="t" l="l"/>
+            <a:rect l="l" t="t" r="r" b="b"/>
             <a:pathLst>
-              <a:path h="7545546" w="5624862">
+              <a:path w="5624862" h="7545546">
                 <a:moveTo>
                   <a:pt x="0" y="0"/>
                 </a:moveTo>
@@ -4654,7 +4771,7 @@
               </a:extLst>
             </a:blip>
             <a:stretch>
-              <a:fillRect l="0" t="0" r="0" b="0"/>
+              <a:fillRect/>
             </a:stretch>
           </a:blipFill>
           <a:ln cap="sq">
@@ -4663,15 +4780,22 @@
             <a:miter/>
           </a:ln>
         </p:spPr>
-      </p:sp>
-      <p:sp>
-        <p:nvSpPr>
-          <p:cNvPr name="TextBox 5" id="5"/>
-          <p:cNvSpPr txBox="true"/>
-          <p:nvPr/>
-        </p:nvSpPr>
-        <p:spPr>
-          <a:xfrm rot="0">
+        <p:txBody>
+          <a:bodyPr/>
+          <a:lstStyle/>
+          <a:p>
+            <a:endParaRPr lang="en-CL"/>
+          </a:p>
+        </p:txBody>
+      </p:sp>
+      <p:sp>
+        <p:nvSpPr>
+          <p:cNvPr id="5" name="TextBox 5"/>
+          <p:cNvSpPr txBox="1"/>
+          <p:nvPr/>
+        </p:nvSpPr>
+        <p:spPr>
+          <a:xfrm>
             <a:off x="1904222" y="1615133"/>
             <a:ext cx="6460548" cy="966389"/>
           </a:xfrm>
@@ -4680,7 +4804,7 @@
           </a:prstGeom>
         </p:spPr>
         <p:txBody>
-          <a:bodyPr anchor="t" rtlCol="false" tIns="0" lIns="0" bIns="0" rIns="0">
+          <a:bodyPr lIns="0" tIns="0" rIns="0" bIns="0" rtlCol="0" anchor="t">
             <a:spAutoFit/>
           </a:bodyPr>
           <a:lstStyle/>
@@ -4707,12 +4831,12 @@
       </p:sp>
       <p:sp>
         <p:nvSpPr>
-          <p:cNvPr name="Freeform 6" id="6"/>
+          <p:cNvPr id="6" name="Freeform 6"/>
           <p:cNvSpPr/>
           <p:nvPr/>
         </p:nvSpPr>
         <p:spPr>
-          <a:xfrm flipH="false" flipV="false" rot="2770156">
+          <a:xfrm rot="2770156">
             <a:off x="-2577184" y="-2165857"/>
             <a:ext cx="5154368" cy="4995052"/>
           </a:xfrm>
@@ -4721,9 +4845,9 @@
             <a:gdLst/>
             <a:ahLst/>
             <a:cxnLst/>
-            <a:rect r="r" b="b" t="t" l="l"/>
+            <a:rect l="l" t="t" r="r" b="b"/>
             <a:pathLst>
-              <a:path h="4995052" w="5154368">
+              <a:path w="5154368" h="4995052">
                 <a:moveTo>
                   <a:pt x="0" y="0"/>
                 </a:moveTo>
@@ -4752,7 +4876,7 @@
               </a:extLst>
             </a:blip>
             <a:stretch>
-              <a:fillRect l="0" t="0" r="0" b="0"/>
+              <a:fillRect/>
             </a:stretch>
           </a:blipFill>
           <a:ln cap="sq">
@@ -4761,15 +4885,22 @@
             <a:miter/>
           </a:ln>
         </p:spPr>
-      </p:sp>
-      <p:sp>
-        <p:nvSpPr>
-          <p:cNvPr name="Freeform 7" id="7"/>
+        <p:txBody>
+          <a:bodyPr/>
+          <a:lstStyle/>
+          <a:p>
+            <a:endParaRPr lang="en-CL"/>
+          </a:p>
+        </p:txBody>
+      </p:sp>
+      <p:sp>
+        <p:nvSpPr>
+          <p:cNvPr id="7" name="Freeform 7"/>
           <p:cNvSpPr/>
           <p:nvPr/>
         </p:nvSpPr>
         <p:spPr>
-          <a:xfrm flipH="false" flipV="false" rot="2770156">
+          <a:xfrm rot="2770156">
             <a:off x="15710816" y="8522875"/>
             <a:ext cx="5154368" cy="4995052"/>
           </a:xfrm>
@@ -4778,9 +4909,9 @@
             <a:gdLst/>
             <a:ahLst/>
             <a:cxnLst/>
-            <a:rect r="r" b="b" t="t" l="l"/>
+            <a:rect l="l" t="t" r="r" b="b"/>
             <a:pathLst>
-              <a:path h="4995052" w="5154368">
+              <a:path w="5154368" h="4995052">
                 <a:moveTo>
                   <a:pt x="0" y="0"/>
                 </a:moveTo>
@@ -4809,7 +4940,7 @@
               </a:extLst>
             </a:blip>
             <a:stretch>
-              <a:fillRect l="0" t="0" r="0" b="0"/>
+              <a:fillRect/>
             </a:stretch>
           </a:blipFill>
           <a:ln cap="sq">
@@ -4818,15 +4949,22 @@
             <a:miter/>
           </a:ln>
         </p:spPr>
-      </p:sp>
-      <p:sp>
-        <p:nvSpPr>
-          <p:cNvPr name="Freeform 8" id="8"/>
+        <p:txBody>
+          <a:bodyPr/>
+          <a:lstStyle/>
+          <a:p>
+            <a:endParaRPr lang="en-CL"/>
+          </a:p>
+        </p:txBody>
+      </p:sp>
+      <p:sp>
+        <p:nvSpPr>
+          <p:cNvPr id="8" name="Freeform 8"/>
           <p:cNvSpPr/>
           <p:nvPr/>
         </p:nvSpPr>
         <p:spPr>
-          <a:xfrm flipH="false" flipV="false" rot="0">
+          <a:xfrm>
             <a:off x="11994430" y="3086100"/>
             <a:ext cx="5414211" cy="4114800"/>
           </a:xfrm>
@@ -4835,9 +4973,9 @@
             <a:gdLst/>
             <a:ahLst/>
             <a:cxnLst/>
-            <a:rect r="r" b="b" t="t" l="l"/>
+            <a:rect l="l" t="t" r="r" b="b"/>
             <a:pathLst>
-              <a:path h="4114800" w="5414211">
+              <a:path w="5414211" h="4114800">
                 <a:moveTo>
                   <a:pt x="0" y="0"/>
                 </a:moveTo>
@@ -4866,19 +5004,26 @@
               </a:extLst>
             </a:blip>
             <a:stretch>
-              <a:fillRect l="0" t="0" r="0" b="0"/>
+              <a:fillRect/>
             </a:stretch>
           </a:blipFill>
         </p:spPr>
-      </p:sp>
-      <p:sp>
-        <p:nvSpPr>
-          <p:cNvPr name="TextBox 9" id="9"/>
-          <p:cNvSpPr txBox="true"/>
-          <p:nvPr/>
-        </p:nvSpPr>
-        <p:spPr>
-          <a:xfrm rot="0">
+        <p:txBody>
+          <a:bodyPr/>
+          <a:lstStyle/>
+          <a:p>
+            <a:endParaRPr lang="en-CL"/>
+          </a:p>
+        </p:txBody>
+      </p:sp>
+      <p:sp>
+        <p:nvSpPr>
+          <p:cNvPr id="9" name="TextBox 9"/>
+          <p:cNvSpPr txBox="1"/>
+          <p:nvPr/>
+        </p:nvSpPr>
+        <p:spPr>
+          <a:xfrm>
             <a:off x="1904222" y="3521913"/>
             <a:ext cx="8822272" cy="3678987"/>
           </a:xfrm>
@@ -4887,7 +5032,7 @@
           </a:prstGeom>
         </p:spPr>
         <p:txBody>
-          <a:bodyPr anchor="t" rtlCol="false" tIns="0" lIns="0" bIns="0" rIns="0">
+          <a:bodyPr lIns="0" tIns="0" rIns="0" bIns="0" rtlCol="0" anchor="t">
             <a:spAutoFit/>
           </a:bodyPr>
           <a:lstStyle/>
@@ -4898,7 +5043,7 @@
               </a:lnSpc>
             </a:pPr>
             <a:r>
-              <a:rPr lang="en-US" b="true" sz="3517" spc="77">
+              <a:rPr lang="en-US" sz="3517" b="1" spc="77">
                 <a:solidFill>
                   <a:srgbClr val="152540"/>
                 </a:solidFill>
@@ -4914,12 +5059,12 @@
       </p:sp>
       <p:sp>
         <p:nvSpPr>
-          <p:cNvPr name="TextBox 10" id="10"/>
-          <p:cNvSpPr txBox="true"/>
-          <p:nvPr/>
-        </p:nvSpPr>
-        <p:spPr>
-          <a:xfrm rot="0">
+          <p:cNvPr id="10" name="TextBox 10"/>
+          <p:cNvSpPr txBox="1"/>
+          <p:nvPr/>
+        </p:nvSpPr>
+        <p:spPr>
+          <a:xfrm>
             <a:off x="17485454" y="9662274"/>
             <a:ext cx="802546" cy="1182777"/>
           </a:xfrm>
@@ -4928,7 +5073,7 @@
           </a:prstGeom>
         </p:spPr>
         <p:txBody>
-          <a:bodyPr anchor="t" rtlCol="false" tIns="0" lIns="0" bIns="0" rIns="0">
+          <a:bodyPr lIns="0" tIns="0" rIns="0" bIns="0" rtlCol="0" anchor="t">
             <a:spAutoFit/>
           </a:bodyPr>
           <a:lstStyle/>
@@ -4939,7 +5084,7 @@
               </a:lnSpc>
             </a:pPr>
             <a:r>
-              <a:rPr lang="en-US" b="true" sz="3386" spc="74">
+              <a:rPr lang="en-US" sz="3386" b="1" spc="74">
                 <a:solidFill>
                   <a:srgbClr val="D89C6C"/>
                 </a:solidFill>
@@ -4952,7 +5097,7 @@
             </a:r>
           </a:p>
           <a:p>
-            <a:pPr algn="ctr" marL="0" indent="0" lvl="0">
+            <a:pPr marL="0" lvl="0" indent="0" algn="ctr">
               <a:lnSpc>
                 <a:spcPts val="4740"/>
               </a:lnSpc>
@@ -4960,6 +5105,15 @@
                 <a:spcPct val="0"/>
               </a:spcBef>
             </a:pPr>
+            <a:endParaRPr lang="en-US" sz="3386" b="1" spc="74">
+              <a:solidFill>
+                <a:srgbClr val="D89C6C"/>
+              </a:solidFill>
+              <a:latin typeface="Glacial Indifference Bold"/>
+              <a:ea typeface="Glacial Indifference Bold"/>
+              <a:cs typeface="Glacial Indifference Bold"/>
+              <a:sym typeface="Glacial Indifference Bold"/>
+            </a:endParaRPr>
           </a:p>
         </p:txBody>
       </p:sp>
@@ -4968,20 +5122,21 @@
   <p:clrMapOvr>
     <a:masterClrMapping/>
   </p:clrMapOvr>
-  <p:transition spd="fast">
+  <p:transition>
     <p:fade/>
   </p:transition>
 </p:sld>
 </file>
 
 <file path=ppt/slides/slide4.xml><?xml version="1.0" encoding="utf-8"?>
-<p:sld xmlns:p="http://schemas.openxmlformats.org/presentationml/2006/main" xmlns:a="http://schemas.openxmlformats.org/drawingml/2006/main" xmlns:r="http://schemas.openxmlformats.org/officeDocument/2006/relationships">
+<p:sld xmlns:a="http://schemas.openxmlformats.org/drawingml/2006/main" xmlns:r="http://schemas.openxmlformats.org/officeDocument/2006/relationships" xmlns:p="http://schemas.openxmlformats.org/presentationml/2006/main">
   <p:cSld>
     <p:bg>
       <p:bgPr>
         <a:solidFill>
           <a:srgbClr val="EDE8E4"/>
         </a:solidFill>
+        <a:effectLst/>
       </p:bgPr>
     </p:bg>
     <p:spTree>
@@ -5000,12 +5155,12 @@
       </p:grpSpPr>
       <p:sp>
         <p:nvSpPr>
-          <p:cNvPr name="Freeform 2" id="2"/>
+          <p:cNvPr id="2" name="Freeform 2"/>
           <p:cNvSpPr/>
           <p:nvPr/>
         </p:nvSpPr>
         <p:spPr>
-          <a:xfrm flipH="false" flipV="false" rot="-445925">
+          <a:xfrm rot="-445925">
             <a:off x="3142738" y="-769394"/>
             <a:ext cx="9798172" cy="13143890"/>
           </a:xfrm>
@@ -5014,9 +5169,9 @@
             <a:gdLst/>
             <a:ahLst/>
             <a:cxnLst/>
-            <a:rect r="r" b="b" t="t" l="l"/>
+            <a:rect l="l" t="t" r="r" b="b"/>
             <a:pathLst>
-              <a:path h="13143890" w="9798172">
+              <a:path w="9798172" h="13143890">
                 <a:moveTo>
                   <a:pt x="0" y="0"/>
                 </a:moveTo>
@@ -5045,7 +5200,7 @@
               </a:extLst>
             </a:blip>
             <a:stretch>
-              <a:fillRect l="0" t="0" r="0" b="0"/>
+              <a:fillRect/>
             </a:stretch>
           </a:blipFill>
           <a:ln cap="sq">
@@ -5054,15 +5209,22 @@
             <a:miter/>
           </a:ln>
         </p:spPr>
-      </p:sp>
-      <p:sp>
-        <p:nvSpPr>
-          <p:cNvPr name="Freeform 3" id="3"/>
+        <p:txBody>
+          <a:bodyPr/>
+          <a:lstStyle/>
+          <a:p>
+            <a:endParaRPr lang="en-CL"/>
+          </a:p>
+        </p:txBody>
+      </p:sp>
+      <p:sp>
+        <p:nvSpPr>
+          <p:cNvPr id="3" name="Freeform 3"/>
           <p:cNvSpPr/>
           <p:nvPr/>
         </p:nvSpPr>
         <p:spPr>
-          <a:xfrm flipH="false" flipV="false" rot="-8798399">
+          <a:xfrm rot="-8798399">
             <a:off x="8466276" y="-9590538"/>
             <a:ext cx="9798172" cy="13143890"/>
           </a:xfrm>
@@ -5071,9 +5233,9 @@
             <a:gdLst/>
             <a:ahLst/>
             <a:cxnLst/>
-            <a:rect r="r" b="b" t="t" l="l"/>
+            <a:rect l="l" t="t" r="r" b="b"/>
             <a:pathLst>
-              <a:path h="13143890" w="9798172">
+              <a:path w="9798172" h="13143890">
                 <a:moveTo>
                   <a:pt x="0" y="0"/>
                 </a:moveTo>
@@ -5102,7 +5264,7 @@
               </a:extLst>
             </a:blip>
             <a:stretch>
-              <a:fillRect l="0" t="0" r="0" b="0"/>
+              <a:fillRect/>
             </a:stretch>
           </a:blipFill>
           <a:ln cap="sq">
@@ -5111,15 +5273,22 @@
             <a:miter/>
           </a:ln>
         </p:spPr>
-      </p:sp>
-      <p:sp>
-        <p:nvSpPr>
-          <p:cNvPr name="Freeform 4" id="4"/>
+        <p:txBody>
+          <a:bodyPr/>
+          <a:lstStyle/>
+          <a:p>
+            <a:endParaRPr lang="en-CL"/>
+          </a:p>
+        </p:txBody>
+      </p:sp>
+      <p:sp>
+        <p:nvSpPr>
+          <p:cNvPr id="4" name="Freeform 4"/>
           <p:cNvSpPr/>
           <p:nvPr/>
         </p:nvSpPr>
         <p:spPr>
-          <a:xfrm flipH="false" flipV="false" rot="3283157">
+          <a:xfrm rot="3283157">
             <a:off x="-1501206" y="7329841"/>
             <a:ext cx="5624862" cy="7545546"/>
           </a:xfrm>
@@ -5128,9 +5297,9 @@
             <a:gdLst/>
             <a:ahLst/>
             <a:cxnLst/>
-            <a:rect r="r" b="b" t="t" l="l"/>
+            <a:rect l="l" t="t" r="r" b="b"/>
             <a:pathLst>
-              <a:path h="7545546" w="5624862">
+              <a:path w="5624862" h="7545546">
                 <a:moveTo>
                   <a:pt x="0" y="0"/>
                 </a:moveTo>
@@ -5159,7 +5328,7 @@
               </a:extLst>
             </a:blip>
             <a:stretch>
-              <a:fillRect l="0" t="0" r="0" b="0"/>
+              <a:fillRect/>
             </a:stretch>
           </a:blipFill>
           <a:ln cap="sq">
@@ -5168,15 +5337,22 @@
             <a:miter/>
           </a:ln>
         </p:spPr>
-      </p:sp>
-      <p:sp>
-        <p:nvSpPr>
-          <p:cNvPr name="TextBox 5" id="5"/>
-          <p:cNvSpPr txBox="true"/>
-          <p:nvPr/>
-        </p:nvSpPr>
-        <p:spPr>
-          <a:xfrm rot="0">
+        <p:txBody>
+          <a:bodyPr/>
+          <a:lstStyle/>
+          <a:p>
+            <a:endParaRPr lang="en-CL"/>
+          </a:p>
+        </p:txBody>
+      </p:sp>
+      <p:sp>
+        <p:nvSpPr>
+          <p:cNvPr id="5" name="TextBox 5"/>
+          <p:cNvSpPr txBox="1"/>
+          <p:nvPr/>
+        </p:nvSpPr>
+        <p:spPr>
+          <a:xfrm>
             <a:off x="1904222" y="1243926"/>
             <a:ext cx="7946750" cy="1193938"/>
           </a:xfrm>
@@ -5185,7 +5361,7 @@
           </a:prstGeom>
         </p:spPr>
         <p:txBody>
-          <a:bodyPr anchor="t" rtlCol="false" tIns="0" lIns="0" bIns="0" rIns="0">
+          <a:bodyPr lIns="0" tIns="0" rIns="0" bIns="0" rtlCol="0" anchor="t">
             <a:spAutoFit/>
           </a:bodyPr>
           <a:lstStyle/>
@@ -5212,12 +5388,12 @@
       </p:sp>
       <p:sp>
         <p:nvSpPr>
-          <p:cNvPr name="Freeform 6" id="6"/>
+          <p:cNvPr id="6" name="Freeform 6"/>
           <p:cNvSpPr/>
           <p:nvPr/>
         </p:nvSpPr>
         <p:spPr>
-          <a:xfrm flipH="false" flipV="false" rot="2770156">
+          <a:xfrm rot="2770156">
             <a:off x="-2577184" y="-2165857"/>
             <a:ext cx="5154368" cy="4995052"/>
           </a:xfrm>
@@ -5226,9 +5402,9 @@
             <a:gdLst/>
             <a:ahLst/>
             <a:cxnLst/>
-            <a:rect r="r" b="b" t="t" l="l"/>
+            <a:rect l="l" t="t" r="r" b="b"/>
             <a:pathLst>
-              <a:path h="4995052" w="5154368">
+              <a:path w="5154368" h="4995052">
                 <a:moveTo>
                   <a:pt x="0" y="0"/>
                 </a:moveTo>
@@ -5257,7 +5433,7 @@
               </a:extLst>
             </a:blip>
             <a:stretch>
-              <a:fillRect l="0" t="0" r="0" b="0"/>
+              <a:fillRect/>
             </a:stretch>
           </a:blipFill>
           <a:ln cap="sq">
@@ -5266,15 +5442,22 @@
             <a:miter/>
           </a:ln>
         </p:spPr>
-      </p:sp>
-      <p:sp>
-        <p:nvSpPr>
-          <p:cNvPr name="Freeform 7" id="7"/>
+        <p:txBody>
+          <a:bodyPr/>
+          <a:lstStyle/>
+          <a:p>
+            <a:endParaRPr lang="en-CL"/>
+          </a:p>
+        </p:txBody>
+      </p:sp>
+      <p:sp>
+        <p:nvSpPr>
+          <p:cNvPr id="7" name="Freeform 7"/>
           <p:cNvSpPr/>
           <p:nvPr/>
         </p:nvSpPr>
         <p:spPr>
-          <a:xfrm flipH="false" flipV="false" rot="2770156">
+          <a:xfrm rot="2770156">
             <a:off x="15710816" y="8522875"/>
             <a:ext cx="5154368" cy="4995052"/>
           </a:xfrm>
@@ -5283,9 +5466,9 @@
             <a:gdLst/>
             <a:ahLst/>
             <a:cxnLst/>
-            <a:rect r="r" b="b" t="t" l="l"/>
+            <a:rect l="l" t="t" r="r" b="b"/>
             <a:pathLst>
-              <a:path h="4995052" w="5154368">
+              <a:path w="5154368" h="4995052">
                 <a:moveTo>
                   <a:pt x="0" y="0"/>
                 </a:moveTo>
@@ -5314,7 +5497,7 @@
               </a:extLst>
             </a:blip>
             <a:stretch>
-              <a:fillRect l="0" t="0" r="0" b="0"/>
+              <a:fillRect/>
             </a:stretch>
           </a:blipFill>
           <a:ln cap="sq">
@@ -5323,15 +5506,22 @@
             <a:miter/>
           </a:ln>
         </p:spPr>
-      </p:sp>
-      <p:sp>
-        <p:nvSpPr>
-          <p:cNvPr name="TextBox 8" id="8"/>
-          <p:cNvSpPr txBox="true"/>
-          <p:nvPr/>
-        </p:nvSpPr>
-        <p:spPr>
-          <a:xfrm rot="0">
+        <p:txBody>
+          <a:bodyPr/>
+          <a:lstStyle/>
+          <a:p>
+            <a:endParaRPr lang="en-CL"/>
+          </a:p>
+        </p:txBody>
+      </p:sp>
+      <p:sp>
+        <p:nvSpPr>
+          <p:cNvPr id="8" name="TextBox 8"/>
+          <p:cNvSpPr txBox="1"/>
+          <p:nvPr/>
+        </p:nvSpPr>
+        <p:spPr>
+          <a:xfrm>
             <a:off x="1466461" y="3309603"/>
             <a:ext cx="8822272" cy="5525051"/>
           </a:xfrm>
@@ -5340,12 +5530,12 @@
           </a:prstGeom>
         </p:spPr>
         <p:txBody>
-          <a:bodyPr anchor="t" rtlCol="false" tIns="0" lIns="0" bIns="0" rIns="0">
+          <a:bodyPr lIns="0" tIns="0" rIns="0" bIns="0" rtlCol="0" anchor="t">
             <a:spAutoFit/>
           </a:bodyPr>
           <a:lstStyle/>
           <a:p>
-            <a:pPr algn="l" marL="759406" indent="-379703" lvl="1">
+            <a:pPr marL="759406" lvl="1" indent="-379703" algn="l">
               <a:lnSpc>
                 <a:spcPts val="4924"/>
               </a:lnSpc>
@@ -5353,7 +5543,7 @@
               <a:buChar char="•"/>
             </a:pPr>
             <a:r>
-              <a:rPr lang="en-US" b="true" sz="3517" spc="77">
+              <a:rPr lang="en-US" sz="3517" b="1" spc="77">
                 <a:solidFill>
                   <a:srgbClr val="152540"/>
                 </a:solidFill>
@@ -5371,9 +5561,18 @@
                 <a:spcPts val="4924"/>
               </a:lnSpc>
             </a:pPr>
-          </a:p>
-          <a:p>
-            <a:pPr algn="l" marL="759406" indent="-379703" lvl="1">
+            <a:endParaRPr lang="en-US" sz="3517" b="1" spc="77">
+              <a:solidFill>
+                <a:srgbClr val="152540"/>
+              </a:solidFill>
+              <a:latin typeface="Glacial Indifference Bold"/>
+              <a:ea typeface="Glacial Indifference Bold"/>
+              <a:cs typeface="Glacial Indifference Bold"/>
+              <a:sym typeface="Glacial Indifference Bold"/>
+            </a:endParaRPr>
+          </a:p>
+          <a:p>
+            <a:pPr marL="759406" lvl="1" indent="-379703" algn="l">
               <a:lnSpc>
                 <a:spcPts val="4924"/>
               </a:lnSpc>
@@ -5381,7 +5580,7 @@
               <a:buChar char="•"/>
             </a:pPr>
             <a:r>
-              <a:rPr lang="en-US" b="true" sz="3517" spc="77">
+              <a:rPr lang="en-US" sz="3517" b="1" spc="77">
                 <a:solidFill>
                   <a:srgbClr val="152540"/>
                 </a:solidFill>
@@ -5399,9 +5598,18 @@
                 <a:spcPts val="4924"/>
               </a:lnSpc>
             </a:pPr>
-          </a:p>
-          <a:p>
-            <a:pPr algn="l" marL="759406" indent="-379703" lvl="1">
+            <a:endParaRPr lang="en-US" sz="3517" b="1" spc="77">
+              <a:solidFill>
+                <a:srgbClr val="152540"/>
+              </a:solidFill>
+              <a:latin typeface="Glacial Indifference Bold"/>
+              <a:ea typeface="Glacial Indifference Bold"/>
+              <a:cs typeface="Glacial Indifference Bold"/>
+              <a:sym typeface="Glacial Indifference Bold"/>
+            </a:endParaRPr>
+          </a:p>
+          <a:p>
+            <a:pPr marL="759406" lvl="1" indent="-379703" algn="l">
               <a:lnSpc>
                 <a:spcPts val="4924"/>
               </a:lnSpc>
@@ -5409,7 +5617,7 @@
               <a:buChar char="•"/>
             </a:pPr>
             <a:r>
-              <a:rPr lang="en-US" b="true" sz="3517" spc="77">
+              <a:rPr lang="en-US" sz="3517" b="1" spc="77">
                 <a:solidFill>
                   <a:srgbClr val="152540"/>
                 </a:solidFill>
@@ -5425,12 +5633,12 @@
       </p:sp>
       <p:sp>
         <p:nvSpPr>
-          <p:cNvPr name="TextBox 9" id="9"/>
-          <p:cNvSpPr txBox="true"/>
-          <p:nvPr/>
-        </p:nvSpPr>
-        <p:spPr>
-          <a:xfrm rot="0">
+          <p:cNvPr id="9" name="TextBox 9"/>
+          <p:cNvSpPr txBox="1"/>
+          <p:nvPr/>
+        </p:nvSpPr>
+        <p:spPr>
+          <a:xfrm>
             <a:off x="17485454" y="9662274"/>
             <a:ext cx="802546" cy="1182777"/>
           </a:xfrm>
@@ -5439,7 +5647,7 @@
           </a:prstGeom>
         </p:spPr>
         <p:txBody>
-          <a:bodyPr anchor="t" rtlCol="false" tIns="0" lIns="0" bIns="0" rIns="0">
+          <a:bodyPr lIns="0" tIns="0" rIns="0" bIns="0" rtlCol="0" anchor="t">
             <a:spAutoFit/>
           </a:bodyPr>
           <a:lstStyle/>
@@ -5450,7 +5658,7 @@
               </a:lnSpc>
             </a:pPr>
             <a:r>
-              <a:rPr lang="en-US" b="true" sz="3386" spc="74">
+              <a:rPr lang="en-US" sz="3386" b="1" spc="74">
                 <a:solidFill>
                   <a:srgbClr val="D89C6C"/>
                 </a:solidFill>
@@ -5463,7 +5671,7 @@
             </a:r>
           </a:p>
           <a:p>
-            <a:pPr algn="ctr" marL="0" indent="0" lvl="0">
+            <a:pPr marL="0" lvl="0" indent="0" algn="ctr">
               <a:lnSpc>
                 <a:spcPts val="4740"/>
               </a:lnSpc>
@@ -5471,17 +5679,26 @@
                 <a:spcPct val="0"/>
               </a:spcBef>
             </a:pPr>
-          </a:p>
-        </p:txBody>
-      </p:sp>
-      <p:sp>
-        <p:nvSpPr>
-          <p:cNvPr name="Freeform 10" id="10"/>
+            <a:endParaRPr lang="en-US" sz="3386" b="1" spc="74">
+              <a:solidFill>
+                <a:srgbClr val="D89C6C"/>
+              </a:solidFill>
+              <a:latin typeface="Glacial Indifference Bold"/>
+              <a:ea typeface="Glacial Indifference Bold"/>
+              <a:cs typeface="Glacial Indifference Bold"/>
+              <a:sym typeface="Glacial Indifference Bold"/>
+            </a:endParaRPr>
+          </a:p>
+        </p:txBody>
+      </p:sp>
+      <p:sp>
+        <p:nvSpPr>
+          <p:cNvPr id="10" name="Freeform 10"/>
           <p:cNvSpPr/>
           <p:nvPr/>
         </p:nvSpPr>
         <p:spPr>
-          <a:xfrm flipH="false" flipV="false" rot="0">
+          <a:xfrm>
             <a:off x="12695096" y="3148005"/>
             <a:ext cx="4012878" cy="3990989"/>
           </a:xfrm>
@@ -5490,9 +5707,9 @@
             <a:gdLst/>
             <a:ahLst/>
             <a:cxnLst/>
-            <a:rect r="r" b="b" t="t" l="l"/>
+            <a:rect l="l" t="t" r="r" b="b"/>
             <a:pathLst>
-              <a:path h="3990989" w="4012878">
+              <a:path w="4012878" h="3990989">
                 <a:moveTo>
                   <a:pt x="0" y="0"/>
                 </a:moveTo>
@@ -5521,30 +5738,38 @@
               </a:extLst>
             </a:blip>
             <a:stretch>
-              <a:fillRect l="0" t="0" r="0" b="0"/>
+              <a:fillRect/>
             </a:stretch>
           </a:blipFill>
         </p:spPr>
+        <p:txBody>
+          <a:bodyPr/>
+          <a:lstStyle/>
+          <a:p>
+            <a:endParaRPr lang="en-CL"/>
+          </a:p>
+        </p:txBody>
       </p:sp>
     </p:spTree>
   </p:cSld>
   <p:clrMapOvr>
     <a:masterClrMapping/>
   </p:clrMapOvr>
-  <p:transition spd="fast">
+  <p:transition>
     <p:fade/>
   </p:transition>
 </p:sld>
 </file>
 
 <file path=ppt/slides/slide5.xml><?xml version="1.0" encoding="utf-8"?>
-<p:sld xmlns:p="http://schemas.openxmlformats.org/presentationml/2006/main" xmlns:a="http://schemas.openxmlformats.org/drawingml/2006/main" xmlns:r="http://schemas.openxmlformats.org/officeDocument/2006/relationships">
+<p:sld xmlns:a="http://schemas.openxmlformats.org/drawingml/2006/main" xmlns:r="http://schemas.openxmlformats.org/officeDocument/2006/relationships" xmlns:p="http://schemas.openxmlformats.org/presentationml/2006/main">
   <p:cSld>
     <p:bg>
       <p:bgPr>
         <a:solidFill>
           <a:srgbClr val="EDE8E4"/>
         </a:solidFill>
+        <a:effectLst/>
       </p:bgPr>
     </p:bg>
     <p:spTree>
@@ -5563,12 +5788,12 @@
       </p:grpSpPr>
       <p:sp>
         <p:nvSpPr>
-          <p:cNvPr name="Freeform 2" id="2"/>
+          <p:cNvPr id="2" name="Freeform 2"/>
           <p:cNvSpPr/>
           <p:nvPr/>
         </p:nvSpPr>
         <p:spPr>
-          <a:xfrm flipH="false" flipV="false" rot="0">
+          <a:xfrm>
             <a:off x="11978150" y="1783422"/>
             <a:ext cx="5908577" cy="2799931"/>
           </a:xfrm>
@@ -5577,9 +5802,9 @@
             <a:gdLst/>
             <a:ahLst/>
             <a:cxnLst/>
-            <a:rect r="r" b="b" t="t" l="l"/>
+            <a:rect l="l" t="t" r="r" b="b"/>
             <a:pathLst>
-              <a:path h="2799931" w="5908577">
+              <a:path w="5908577" h="2799931">
                 <a:moveTo>
                   <a:pt x="0" y="0"/>
                 </a:moveTo>
@@ -5602,7 +5827,7 @@
           <a:blipFill>
             <a:blip r:embed="rId2"/>
             <a:stretch>
-              <a:fillRect l="0" t="0" r="0" b="-764"/>
+              <a:fillRect b="-764"/>
             </a:stretch>
           </a:blipFill>
           <a:ln w="19050" cap="sq">
@@ -5613,15 +5838,22 @@
             <a:miter/>
           </a:ln>
         </p:spPr>
-      </p:sp>
-      <p:sp>
-        <p:nvSpPr>
-          <p:cNvPr name="Freeform 3" id="3"/>
+        <p:txBody>
+          <a:bodyPr/>
+          <a:lstStyle/>
+          <a:p>
+            <a:endParaRPr lang="en-CL"/>
+          </a:p>
+        </p:txBody>
+      </p:sp>
+      <p:sp>
+        <p:nvSpPr>
+          <p:cNvPr id="3" name="Freeform 3"/>
           <p:cNvSpPr/>
           <p:nvPr/>
         </p:nvSpPr>
         <p:spPr>
-          <a:xfrm flipH="false" flipV="false" rot="-445925">
+          <a:xfrm rot="-445925">
             <a:off x="3142738" y="-769394"/>
             <a:ext cx="9798172" cy="13143890"/>
           </a:xfrm>
@@ -5630,9 +5862,9 @@
             <a:gdLst/>
             <a:ahLst/>
             <a:cxnLst/>
-            <a:rect r="r" b="b" t="t" l="l"/>
+            <a:rect l="l" t="t" r="r" b="b"/>
             <a:pathLst>
-              <a:path h="13143890" w="9798172">
+              <a:path w="9798172" h="13143890">
                 <a:moveTo>
                   <a:pt x="0" y="0"/>
                 </a:moveTo>
@@ -5661,7 +5893,7 @@
               </a:extLst>
             </a:blip>
             <a:stretch>
-              <a:fillRect l="0" t="0" r="0" b="0"/>
+              <a:fillRect/>
             </a:stretch>
           </a:blipFill>
           <a:ln cap="sq">
@@ -5670,15 +5902,22 @@
             <a:miter/>
           </a:ln>
         </p:spPr>
-      </p:sp>
-      <p:sp>
-        <p:nvSpPr>
-          <p:cNvPr name="Freeform 4" id="4"/>
+        <p:txBody>
+          <a:bodyPr/>
+          <a:lstStyle/>
+          <a:p>
+            <a:endParaRPr lang="en-CL"/>
+          </a:p>
+        </p:txBody>
+      </p:sp>
+      <p:sp>
+        <p:nvSpPr>
+          <p:cNvPr id="4" name="Freeform 4"/>
           <p:cNvSpPr/>
           <p:nvPr/>
         </p:nvSpPr>
         <p:spPr>
-          <a:xfrm flipH="false" flipV="false" rot="-8798399">
+          <a:xfrm rot="-8798399">
             <a:off x="8466276" y="-9590538"/>
             <a:ext cx="9798172" cy="13143890"/>
           </a:xfrm>
@@ -5687,9 +5926,9 @@
             <a:gdLst/>
             <a:ahLst/>
             <a:cxnLst/>
-            <a:rect r="r" b="b" t="t" l="l"/>
+            <a:rect l="l" t="t" r="r" b="b"/>
             <a:pathLst>
-              <a:path h="13143890" w="9798172">
+              <a:path w="9798172" h="13143890">
                 <a:moveTo>
                   <a:pt x="0" y="0"/>
                 </a:moveTo>
@@ -5718,7 +5957,7 @@
               </a:extLst>
             </a:blip>
             <a:stretch>
-              <a:fillRect l="0" t="0" r="0" b="0"/>
+              <a:fillRect/>
             </a:stretch>
           </a:blipFill>
           <a:ln cap="sq">
@@ -5727,15 +5966,22 @@
             <a:miter/>
           </a:ln>
         </p:spPr>
-      </p:sp>
-      <p:sp>
-        <p:nvSpPr>
-          <p:cNvPr name="Freeform 5" id="5"/>
+        <p:txBody>
+          <a:bodyPr/>
+          <a:lstStyle/>
+          <a:p>
+            <a:endParaRPr lang="en-CL"/>
+          </a:p>
+        </p:txBody>
+      </p:sp>
+      <p:sp>
+        <p:nvSpPr>
+          <p:cNvPr id="5" name="Freeform 5"/>
           <p:cNvSpPr/>
           <p:nvPr/>
         </p:nvSpPr>
         <p:spPr>
-          <a:xfrm flipH="false" flipV="false" rot="3283157">
+          <a:xfrm rot="3283157">
             <a:off x="-1501206" y="7329841"/>
             <a:ext cx="5624862" cy="7545546"/>
           </a:xfrm>
@@ -5744,9 +5990,9 @@
             <a:gdLst/>
             <a:ahLst/>
             <a:cxnLst/>
-            <a:rect r="r" b="b" t="t" l="l"/>
+            <a:rect l="l" t="t" r="r" b="b"/>
             <a:pathLst>
-              <a:path h="7545546" w="5624862">
+              <a:path w="5624862" h="7545546">
                 <a:moveTo>
                   <a:pt x="0" y="0"/>
                 </a:moveTo>
@@ -5775,7 +6021,7 @@
               </a:extLst>
             </a:blip>
             <a:stretch>
-              <a:fillRect l="0" t="0" r="0" b="0"/>
+              <a:fillRect/>
             </a:stretch>
           </a:blipFill>
           <a:ln cap="sq">
@@ -5784,15 +6030,22 @@
             <a:miter/>
           </a:ln>
         </p:spPr>
-      </p:sp>
-      <p:sp>
-        <p:nvSpPr>
-          <p:cNvPr name="TextBox 6" id="6"/>
-          <p:cNvSpPr txBox="true"/>
-          <p:nvPr/>
-        </p:nvSpPr>
-        <p:spPr>
-          <a:xfrm rot="0">
+        <p:txBody>
+          <a:bodyPr/>
+          <a:lstStyle/>
+          <a:p>
+            <a:endParaRPr lang="en-CL"/>
+          </a:p>
+        </p:txBody>
+      </p:sp>
+      <p:sp>
+        <p:nvSpPr>
+          <p:cNvPr id="6" name="TextBox 6"/>
+          <p:cNvSpPr txBox="1"/>
+          <p:nvPr/>
+        </p:nvSpPr>
+        <p:spPr>
+          <a:xfrm>
             <a:off x="1904222" y="1286755"/>
             <a:ext cx="7946750" cy="1193938"/>
           </a:xfrm>
@@ -5801,7 +6054,7 @@
           </a:prstGeom>
         </p:spPr>
         <p:txBody>
-          <a:bodyPr anchor="t" rtlCol="false" tIns="0" lIns="0" bIns="0" rIns="0">
+          <a:bodyPr lIns="0" tIns="0" rIns="0" bIns="0" rtlCol="0" anchor="t">
             <a:spAutoFit/>
           </a:bodyPr>
           <a:lstStyle/>
@@ -5828,12 +6081,12 @@
       </p:sp>
       <p:sp>
         <p:nvSpPr>
-          <p:cNvPr name="Freeform 7" id="7"/>
+          <p:cNvPr id="7" name="Freeform 7"/>
           <p:cNvSpPr/>
           <p:nvPr/>
         </p:nvSpPr>
         <p:spPr>
-          <a:xfrm flipH="false" flipV="false" rot="2770156">
+          <a:xfrm rot="2770156">
             <a:off x="-2577184" y="-2165857"/>
             <a:ext cx="5154368" cy="4995052"/>
           </a:xfrm>
@@ -5842,9 +6095,9 @@
             <a:gdLst/>
             <a:ahLst/>
             <a:cxnLst/>
-            <a:rect r="r" b="b" t="t" l="l"/>
+            <a:rect l="l" t="t" r="r" b="b"/>
             <a:pathLst>
-              <a:path h="4995052" w="5154368">
+              <a:path w="5154368" h="4995052">
                 <a:moveTo>
                   <a:pt x="0" y="0"/>
                 </a:moveTo>
@@ -5873,7 +6126,7 @@
               </a:extLst>
             </a:blip>
             <a:stretch>
-              <a:fillRect l="0" t="0" r="0" b="0"/>
+              <a:fillRect/>
             </a:stretch>
           </a:blipFill>
           <a:ln cap="sq">
@@ -5882,15 +6135,22 @@
             <a:miter/>
           </a:ln>
         </p:spPr>
-      </p:sp>
-      <p:sp>
-        <p:nvSpPr>
-          <p:cNvPr name="Freeform 8" id="8"/>
+        <p:txBody>
+          <a:bodyPr/>
+          <a:lstStyle/>
+          <a:p>
+            <a:endParaRPr lang="en-CL"/>
+          </a:p>
+        </p:txBody>
+      </p:sp>
+      <p:sp>
+        <p:nvSpPr>
+          <p:cNvPr id="8" name="Freeform 8"/>
           <p:cNvSpPr/>
           <p:nvPr/>
         </p:nvSpPr>
         <p:spPr>
-          <a:xfrm flipH="false" flipV="false" rot="2770156">
+          <a:xfrm rot="2770156">
             <a:off x="15710816" y="8522875"/>
             <a:ext cx="5154368" cy="4995052"/>
           </a:xfrm>
@@ -5899,9 +6159,9 @@
             <a:gdLst/>
             <a:ahLst/>
             <a:cxnLst/>
-            <a:rect r="r" b="b" t="t" l="l"/>
+            <a:rect l="l" t="t" r="r" b="b"/>
             <a:pathLst>
-              <a:path h="4995052" w="5154368">
+              <a:path w="5154368" h="4995052">
                 <a:moveTo>
                   <a:pt x="0" y="0"/>
                 </a:moveTo>
@@ -5930,7 +6190,7 @@
               </a:extLst>
             </a:blip>
             <a:stretch>
-              <a:fillRect l="0" t="0" r="0" b="0"/>
+              <a:fillRect/>
             </a:stretch>
           </a:blipFill>
           <a:ln cap="sq">
@@ -5939,15 +6199,22 @@
             <a:miter/>
           </a:ln>
         </p:spPr>
-      </p:sp>
-      <p:sp>
-        <p:nvSpPr>
-          <p:cNvPr name="Freeform 9" id="9"/>
+        <p:txBody>
+          <a:bodyPr/>
+          <a:lstStyle/>
+          <a:p>
+            <a:endParaRPr lang="en-CL"/>
+          </a:p>
+        </p:txBody>
+      </p:sp>
+      <p:sp>
+        <p:nvSpPr>
+          <p:cNvPr id="9" name="Freeform 9"/>
           <p:cNvSpPr/>
           <p:nvPr/>
         </p:nvSpPr>
         <p:spPr>
-          <a:xfrm flipH="false" flipV="false" rot="0">
+          <a:xfrm>
             <a:off x="10795553" y="3813687"/>
             <a:ext cx="5908577" cy="2813960"/>
           </a:xfrm>
@@ -5956,9 +6223,9 @@
             <a:gdLst/>
             <a:ahLst/>
             <a:cxnLst/>
-            <a:rect r="r" b="b" t="t" l="l"/>
+            <a:rect l="l" t="t" r="r" b="b"/>
             <a:pathLst>
-              <a:path h="2813960" w="5908577">
+              <a:path w="5908577" h="2813960">
                 <a:moveTo>
                   <a:pt x="0" y="0"/>
                 </a:moveTo>
@@ -5981,7 +6248,7 @@
           <a:blipFill>
             <a:blip r:embed="rId9"/>
             <a:stretch>
-              <a:fillRect l="0" t="0" r="0" b="0"/>
+              <a:fillRect/>
             </a:stretch>
           </a:blipFill>
           <a:ln w="19050" cap="sq">
@@ -5992,15 +6259,22 @@
             <a:miter/>
           </a:ln>
         </p:spPr>
-      </p:sp>
-      <p:sp>
-        <p:nvSpPr>
-          <p:cNvPr name="TextBox 10" id="10"/>
-          <p:cNvSpPr txBox="true"/>
-          <p:nvPr/>
-        </p:nvSpPr>
-        <p:spPr>
-          <a:xfrm rot="0">
+        <p:txBody>
+          <a:bodyPr/>
+          <a:lstStyle/>
+          <a:p>
+            <a:endParaRPr lang="en-CL"/>
+          </a:p>
+        </p:txBody>
+      </p:sp>
+      <p:sp>
+        <p:nvSpPr>
+          <p:cNvPr id="10" name="TextBox 10"/>
+          <p:cNvSpPr txBox="1"/>
+          <p:nvPr/>
+        </p:nvSpPr>
+        <p:spPr>
+          <a:xfrm>
             <a:off x="1254075" y="3117894"/>
             <a:ext cx="8822272" cy="6140406"/>
           </a:xfrm>
@@ -6009,12 +6283,12 @@
           </a:prstGeom>
         </p:spPr>
         <p:txBody>
-          <a:bodyPr anchor="t" rtlCol="false" tIns="0" lIns="0" bIns="0" rIns="0">
+          <a:bodyPr lIns="0" tIns="0" rIns="0" bIns="0" rtlCol="0" anchor="t">
             <a:spAutoFit/>
           </a:bodyPr>
           <a:lstStyle/>
           <a:p>
-            <a:pPr algn="l" marL="759406" indent="-379703" lvl="1">
+            <a:pPr marL="759406" lvl="1" indent="-379703" algn="l">
               <a:lnSpc>
                 <a:spcPts val="4924"/>
               </a:lnSpc>
@@ -6022,7 +6296,7 @@
               <a:buChar char="•"/>
             </a:pPr>
             <a:r>
-              <a:rPr lang="en-US" b="true" sz="3517" spc="77">
+              <a:rPr lang="en-US" sz="3517" b="1" spc="77">
                 <a:solidFill>
                   <a:srgbClr val="152540"/>
                 </a:solidFill>
@@ -6040,9 +6314,18 @@
                 <a:spcPts val="4924"/>
               </a:lnSpc>
             </a:pPr>
-          </a:p>
-          <a:p>
-            <a:pPr algn="l" marL="759406" indent="-379703" lvl="1">
+            <a:endParaRPr lang="en-US" sz="3517" b="1" spc="77">
+              <a:solidFill>
+                <a:srgbClr val="152540"/>
+              </a:solidFill>
+              <a:latin typeface="Glacial Indifference Bold"/>
+              <a:ea typeface="Glacial Indifference Bold"/>
+              <a:cs typeface="Glacial Indifference Bold"/>
+              <a:sym typeface="Glacial Indifference Bold"/>
+            </a:endParaRPr>
+          </a:p>
+          <a:p>
+            <a:pPr marL="759406" lvl="1" indent="-379703" algn="l">
               <a:lnSpc>
                 <a:spcPts val="4924"/>
               </a:lnSpc>
@@ -6050,7 +6333,7 @@
               <a:buChar char="•"/>
             </a:pPr>
             <a:r>
-              <a:rPr lang="en-US" b="true" sz="3517" spc="77">
+              <a:rPr lang="en-US" sz="3517" b="1" spc="77">
                 <a:solidFill>
                   <a:srgbClr val="152540"/>
                 </a:solidFill>
@@ -6068,9 +6351,18 @@
                 <a:spcPts val="4924"/>
               </a:lnSpc>
             </a:pPr>
-          </a:p>
-          <a:p>
-            <a:pPr algn="l" marL="759406" indent="-379703" lvl="1">
+            <a:endParaRPr lang="en-US" sz="3517" b="1" spc="77">
+              <a:solidFill>
+                <a:srgbClr val="152540"/>
+              </a:solidFill>
+              <a:latin typeface="Glacial Indifference Bold"/>
+              <a:ea typeface="Glacial Indifference Bold"/>
+              <a:cs typeface="Glacial Indifference Bold"/>
+              <a:sym typeface="Glacial Indifference Bold"/>
+            </a:endParaRPr>
+          </a:p>
+          <a:p>
+            <a:pPr marL="759406" lvl="1" indent="-379703" algn="l">
               <a:lnSpc>
                 <a:spcPts val="4924"/>
               </a:lnSpc>
@@ -6078,7 +6370,7 @@
               <a:buChar char="•"/>
             </a:pPr>
             <a:r>
-              <a:rPr lang="en-US" b="true" sz="3517" spc="77">
+              <a:rPr lang="en-US" sz="3517" b="1" spc="77">
                 <a:solidFill>
                   <a:srgbClr val="152540"/>
                 </a:solidFill>
@@ -6096,9 +6388,18 @@
                 <a:spcPts val="4924"/>
               </a:lnSpc>
             </a:pPr>
-          </a:p>
-          <a:p>
-            <a:pPr algn="l" marL="759406" indent="-379703" lvl="1">
+            <a:endParaRPr lang="en-US" sz="3517" b="1" spc="77">
+              <a:solidFill>
+                <a:srgbClr val="152540"/>
+              </a:solidFill>
+              <a:latin typeface="Glacial Indifference Bold"/>
+              <a:ea typeface="Glacial Indifference Bold"/>
+              <a:cs typeface="Glacial Indifference Bold"/>
+              <a:sym typeface="Glacial Indifference Bold"/>
+            </a:endParaRPr>
+          </a:p>
+          <a:p>
+            <a:pPr marL="759406" lvl="1" indent="-379703" algn="l">
               <a:lnSpc>
                 <a:spcPts val="4924"/>
               </a:lnSpc>
@@ -6106,7 +6407,7 @@
               <a:buChar char="•"/>
             </a:pPr>
             <a:r>
-              <a:rPr lang="en-US" b="true" sz="3517" spc="77">
+              <a:rPr lang="en-US" sz="3517" b="1" spc="77">
                 <a:solidFill>
                   <a:srgbClr val="152540"/>
                 </a:solidFill>
@@ -6122,12 +6423,12 @@
       </p:sp>
       <p:sp>
         <p:nvSpPr>
-          <p:cNvPr name="TextBox 11" id="11"/>
-          <p:cNvSpPr txBox="true"/>
-          <p:nvPr/>
-        </p:nvSpPr>
-        <p:spPr>
-          <a:xfrm rot="0">
+          <p:cNvPr id="11" name="TextBox 11"/>
+          <p:cNvSpPr txBox="1"/>
+          <p:nvPr/>
+        </p:nvSpPr>
+        <p:spPr>
+          <a:xfrm>
             <a:off x="17485454" y="9662274"/>
             <a:ext cx="802546" cy="581720"/>
           </a:xfrm>
@@ -6136,12 +6437,12 @@
           </a:prstGeom>
         </p:spPr>
         <p:txBody>
-          <a:bodyPr anchor="t" rtlCol="false" tIns="0" lIns="0" bIns="0" rIns="0">
+          <a:bodyPr lIns="0" tIns="0" rIns="0" bIns="0" rtlCol="0" anchor="t">
             <a:spAutoFit/>
           </a:bodyPr>
           <a:lstStyle/>
           <a:p>
-            <a:pPr algn="ctr" marL="0" indent="0" lvl="0">
+            <a:pPr marL="0" lvl="0" indent="0" algn="ctr">
               <a:lnSpc>
                 <a:spcPts val="4740"/>
               </a:lnSpc>
@@ -6150,7 +6451,7 @@
               </a:spcBef>
             </a:pPr>
             <a:r>
-              <a:rPr lang="en-US" b="true" sz="3386" spc="74">
+              <a:rPr lang="en-US" sz="3386" b="1" spc="74">
                 <a:solidFill>
                   <a:srgbClr val="D89C6C"/>
                 </a:solidFill>
@@ -6169,20 +6470,21 @@
   <p:clrMapOvr>
     <a:masterClrMapping/>
   </p:clrMapOvr>
-  <p:transition spd="fast">
+  <p:transition>
     <p:fade/>
   </p:transition>
 </p:sld>
 </file>
 
 <file path=ppt/slides/slide6.xml><?xml version="1.0" encoding="utf-8"?>
-<p:sld xmlns:p="http://schemas.openxmlformats.org/presentationml/2006/main" xmlns:a="http://schemas.openxmlformats.org/drawingml/2006/main" xmlns:r="http://schemas.openxmlformats.org/officeDocument/2006/relationships">
+<p:sld xmlns:a="http://schemas.openxmlformats.org/drawingml/2006/main" xmlns:r="http://schemas.openxmlformats.org/officeDocument/2006/relationships" xmlns:p="http://schemas.openxmlformats.org/presentationml/2006/main">
   <p:cSld>
     <p:bg>
       <p:bgPr>
         <a:solidFill>
           <a:srgbClr val="EDE8E4"/>
         </a:solidFill>
+        <a:effectLst/>
       </p:bgPr>
     </p:bg>
     <p:spTree>
@@ -6201,12 +6503,12 @@
       </p:grpSpPr>
       <p:sp>
         <p:nvSpPr>
-          <p:cNvPr name="Freeform 2" id="2"/>
+          <p:cNvPr id="2" name="Freeform 2"/>
           <p:cNvSpPr/>
           <p:nvPr/>
         </p:nvSpPr>
         <p:spPr>
-          <a:xfrm flipH="false" flipV="false" rot="0">
+          <a:xfrm>
             <a:off x="438131" y="7173582"/>
             <a:ext cx="7641686" cy="6808048"/>
           </a:xfrm>
@@ -6215,9 +6517,9 @@
             <a:gdLst/>
             <a:ahLst/>
             <a:cxnLst/>
-            <a:rect r="r" b="b" t="t" l="l"/>
+            <a:rect l="l" t="t" r="r" b="b"/>
             <a:pathLst>
-              <a:path h="6808048" w="7641686">
+              <a:path w="7641686" h="6808048">
                 <a:moveTo>
                   <a:pt x="0" y="0"/>
                 </a:moveTo>
@@ -6246,7 +6548,7 @@
               </a:extLst>
             </a:blip>
             <a:stretch>
-              <a:fillRect l="0" t="0" r="0" b="0"/>
+              <a:fillRect/>
             </a:stretch>
           </a:blipFill>
           <a:ln cap="sq">
@@ -6255,15 +6557,22 @@
             <a:miter/>
           </a:ln>
         </p:spPr>
-      </p:sp>
-      <p:sp>
-        <p:nvSpPr>
-          <p:cNvPr name="Freeform 3" id="3"/>
+        <p:txBody>
+          <a:bodyPr/>
+          <a:lstStyle/>
+          <a:p>
+            <a:endParaRPr lang="en-CL"/>
+          </a:p>
+        </p:txBody>
+      </p:sp>
+      <p:sp>
+        <p:nvSpPr>
+          <p:cNvPr id="3" name="Freeform 3"/>
           <p:cNvSpPr/>
           <p:nvPr/>
         </p:nvSpPr>
         <p:spPr>
-          <a:xfrm flipH="false" flipV="false" rot="0">
+          <a:xfrm>
             <a:off x="11849738" y="-4940726"/>
             <a:ext cx="7641686" cy="6808048"/>
           </a:xfrm>
@@ -6272,9 +6581,9 @@
             <a:gdLst/>
             <a:ahLst/>
             <a:cxnLst/>
-            <a:rect r="r" b="b" t="t" l="l"/>
+            <a:rect l="l" t="t" r="r" b="b"/>
             <a:pathLst>
-              <a:path h="6808048" w="7641686">
+              <a:path w="7641686" h="6808048">
                 <a:moveTo>
                   <a:pt x="0" y="0"/>
                 </a:moveTo>
@@ -6303,7 +6612,7 @@
               </a:extLst>
             </a:blip>
             <a:stretch>
-              <a:fillRect l="0" t="0" r="0" b="0"/>
+              <a:fillRect/>
             </a:stretch>
           </a:blipFill>
           <a:ln cap="sq">
@@ -6312,15 +6621,22 @@
             <a:miter/>
           </a:ln>
         </p:spPr>
-      </p:sp>
-      <p:sp>
-        <p:nvSpPr>
-          <p:cNvPr name="Freeform 4" id="4"/>
+        <p:txBody>
+          <a:bodyPr/>
+          <a:lstStyle/>
+          <a:p>
+            <a:endParaRPr lang="en-CL"/>
+          </a:p>
+        </p:txBody>
+      </p:sp>
+      <p:sp>
+        <p:nvSpPr>
+          <p:cNvPr id="4" name="Freeform 4"/>
           <p:cNvSpPr/>
           <p:nvPr/>
         </p:nvSpPr>
         <p:spPr>
-          <a:xfrm flipH="false" flipV="false" rot="-8798399">
+          <a:xfrm rot="-8798399">
             <a:off x="13156923" y="1016610"/>
             <a:ext cx="9798172" cy="13143890"/>
           </a:xfrm>
@@ -6329,9 +6645,9 @@
             <a:gdLst/>
             <a:ahLst/>
             <a:cxnLst/>
-            <a:rect r="r" b="b" t="t" l="l"/>
+            <a:rect l="l" t="t" r="r" b="b"/>
             <a:pathLst>
-              <a:path h="13143890" w="9798172">
+              <a:path w="9798172" h="13143890">
                 <a:moveTo>
                   <a:pt x="0" y="0"/>
                 </a:moveTo>
@@ -6360,7 +6676,7 @@
               </a:extLst>
             </a:blip>
             <a:stretch>
-              <a:fillRect l="0" t="0" r="0" b="0"/>
+              <a:fillRect/>
             </a:stretch>
           </a:blipFill>
           <a:ln cap="sq">
@@ -6369,15 +6685,22 @@
             <a:miter/>
           </a:ln>
         </p:spPr>
-      </p:sp>
-      <p:sp>
-        <p:nvSpPr>
-          <p:cNvPr name="Freeform 5" id="5"/>
+        <p:txBody>
+          <a:bodyPr/>
+          <a:lstStyle/>
+          <a:p>
+            <a:endParaRPr lang="en-CL"/>
+          </a:p>
+        </p:txBody>
+      </p:sp>
+      <p:sp>
+        <p:nvSpPr>
+          <p:cNvPr id="5" name="Freeform 5"/>
           <p:cNvSpPr/>
           <p:nvPr/>
         </p:nvSpPr>
         <p:spPr>
-          <a:xfrm flipH="false" flipV="false" rot="-8798399">
+          <a:xfrm rot="-8798399">
             <a:off x="-2994864" y="-8645988"/>
             <a:ext cx="9798172" cy="13143890"/>
           </a:xfrm>
@@ -6386,9 +6709,9 @@
             <a:gdLst/>
             <a:ahLst/>
             <a:cxnLst/>
-            <a:rect r="r" b="b" t="t" l="l"/>
+            <a:rect l="l" t="t" r="r" b="b"/>
             <a:pathLst>
-              <a:path h="13143890" w="9798172">
+              <a:path w="9798172" h="13143890">
                 <a:moveTo>
                   <a:pt x="0" y="0"/>
                 </a:moveTo>
@@ -6417,7 +6740,7 @@
               </a:extLst>
             </a:blip>
             <a:stretch>
-              <a:fillRect l="0" t="0" r="0" b="0"/>
+              <a:fillRect/>
             </a:stretch>
           </a:blipFill>
           <a:ln cap="sq">
@@ -6426,15 +6749,22 @@
             <a:miter/>
           </a:ln>
         </p:spPr>
+        <p:txBody>
+          <a:bodyPr/>
+          <a:lstStyle/>
+          <a:p>
+            <a:endParaRPr lang="en-CL"/>
+          </a:p>
+        </p:txBody>
       </p:sp>
       <p:grpSp>
         <p:nvGrpSpPr>
-          <p:cNvPr name="Group 6" id="6"/>
+          <p:cNvPr id="6" name="Group 6"/>
           <p:cNvGrpSpPr/>
           <p:nvPr/>
         </p:nvGrpSpPr>
         <p:grpSpPr>
-          <a:xfrm rot="0">
+          <a:xfrm>
             <a:off x="1114066" y="3936511"/>
             <a:ext cx="6232665" cy="4786426"/>
             <a:chOff x="0" y="0"/>
@@ -6443,12 +6773,12 @@
         </p:grpSpPr>
         <p:sp>
           <p:nvSpPr>
-            <p:cNvPr name="Freeform 7" id="7"/>
+            <p:cNvPr id="7" name="Freeform 7"/>
             <p:cNvSpPr/>
             <p:nvPr/>
           </p:nvSpPr>
           <p:spPr>
-            <a:xfrm flipH="false" flipV="false" rot="0">
+            <a:xfrm>
               <a:off x="0" y="0"/>
               <a:ext cx="2019680" cy="1551030"/>
             </a:xfrm>
@@ -6457,9 +6787,9 @@
               <a:gdLst/>
               <a:ahLst/>
               <a:cxnLst/>
-              <a:rect r="r" b="b" t="t" l="l"/>
+              <a:rect l="l" t="t" r="r" b="b"/>
               <a:pathLst>
-                <a:path h="1551030" w="2019680">
+                <a:path w="2019680" h="1551030">
                   <a:moveTo>
                     <a:pt x="48444" y="0"/>
                   </a:moveTo>
@@ -6513,11 +6843,18 @@
               <a:round/>
             </a:ln>
           </p:spPr>
+          <p:txBody>
+            <a:bodyPr/>
+            <a:lstStyle/>
+            <a:p>
+              <a:endParaRPr lang="en-CL"/>
+            </a:p>
+          </p:txBody>
         </p:sp>
         <p:sp>
           <p:nvSpPr>
-            <p:cNvPr name="TextBox 8" id="8"/>
-            <p:cNvSpPr txBox="true"/>
+            <p:cNvPr id="8" name="TextBox 8"/>
+            <p:cNvSpPr txBox="1"/>
             <p:nvPr/>
           </p:nvSpPr>
           <p:spPr>
@@ -6530,7 +6867,7 @@
             </a:prstGeom>
           </p:spPr>
           <p:txBody>
-            <a:bodyPr anchor="ctr" rtlCol="false" tIns="50800" lIns="50800" bIns="50800" rIns="50800"/>
+            <a:bodyPr lIns="50800" tIns="50800" rIns="50800" bIns="50800" rtlCol="0" anchor="ctr"/>
             <a:lstStyle/>
             <a:p>
               <a:pPr algn="ctr">
@@ -6538,18 +6875,19 @@
                   <a:spcPts val="2121"/>
                 </a:lnSpc>
               </a:pPr>
+              <a:endParaRPr/>
             </a:p>
           </p:txBody>
         </p:sp>
       </p:grpSp>
       <p:sp>
         <p:nvSpPr>
-          <p:cNvPr name="Freeform 9" id="9"/>
+          <p:cNvPr id="9" name="Freeform 9"/>
           <p:cNvSpPr/>
           <p:nvPr/>
         </p:nvSpPr>
         <p:spPr>
-          <a:xfrm flipH="false" flipV="false" rot="9961243">
+          <a:xfrm rot="9961243">
             <a:off x="12217193" y="-3026777"/>
             <a:ext cx="10084214" cy="8727429"/>
           </a:xfrm>
@@ -6558,9 +6896,9 @@
             <a:gdLst/>
             <a:ahLst/>
             <a:cxnLst/>
-            <a:rect r="r" b="b" t="t" l="l"/>
+            <a:rect l="l" t="t" r="r" b="b"/>
             <a:pathLst>
-              <a:path h="8727429" w="10084214">
+              <a:path w="10084214" h="8727429">
                 <a:moveTo>
                   <a:pt x="0" y="0"/>
                 </a:moveTo>
@@ -6589,7 +6927,7 @@
               </a:extLst>
             </a:blip>
             <a:stretch>
-              <a:fillRect l="0" t="0" r="0" b="0"/>
+              <a:fillRect/>
             </a:stretch>
           </a:blipFill>
           <a:ln cap="sq">
@@ -6598,15 +6936,22 @@
             <a:miter/>
           </a:ln>
         </p:spPr>
-      </p:sp>
-      <p:sp>
-        <p:nvSpPr>
-          <p:cNvPr name="Freeform 10" id="10"/>
+        <p:txBody>
+          <a:bodyPr/>
+          <a:lstStyle/>
+          <a:p>
+            <a:endParaRPr lang="en-CL"/>
+          </a:p>
+        </p:txBody>
+      </p:sp>
+      <p:sp>
+        <p:nvSpPr>
+          <p:cNvPr id="10" name="Freeform 10"/>
           <p:cNvSpPr/>
           <p:nvPr/>
         </p:nvSpPr>
         <p:spPr>
-          <a:xfrm flipH="false" flipV="false" rot="-976001">
+          <a:xfrm rot="-976001">
             <a:off x="-4614341" y="5979010"/>
             <a:ext cx="9228681" cy="7987004"/>
           </a:xfrm>
@@ -6615,9 +6960,9 @@
             <a:gdLst/>
             <a:ahLst/>
             <a:cxnLst/>
-            <a:rect r="r" b="b" t="t" l="l"/>
+            <a:rect l="l" t="t" r="r" b="b"/>
             <a:pathLst>
-              <a:path h="7987004" w="9228681">
+              <a:path w="9228681" h="7987004">
                 <a:moveTo>
                   <a:pt x="0" y="0"/>
                 </a:moveTo>
@@ -6646,7 +6991,7 @@
               </a:extLst>
             </a:blip>
             <a:stretch>
-              <a:fillRect l="0" t="0" r="0" b="0"/>
+              <a:fillRect/>
             </a:stretch>
           </a:blipFill>
           <a:ln cap="sq">
@@ -6655,15 +7000,22 @@
             <a:miter/>
           </a:ln>
         </p:spPr>
-      </p:sp>
-      <p:sp>
-        <p:nvSpPr>
-          <p:cNvPr name="Freeform 11" id="11"/>
+        <p:txBody>
+          <a:bodyPr/>
+          <a:lstStyle/>
+          <a:p>
+            <a:endParaRPr lang="en-CL"/>
+          </a:p>
+        </p:txBody>
+      </p:sp>
+      <p:sp>
+        <p:nvSpPr>
+          <p:cNvPr id="11" name="Freeform 11"/>
           <p:cNvSpPr/>
           <p:nvPr/>
         </p:nvSpPr>
         <p:spPr>
-          <a:xfrm flipH="false" flipV="false" rot="0">
+          <a:xfrm>
             <a:off x="10176817" y="2804122"/>
             <a:ext cx="5493764" cy="5918815"/>
           </a:xfrm>
@@ -6672,9 +7024,9 @@
             <a:gdLst/>
             <a:ahLst/>
             <a:cxnLst/>
-            <a:rect r="r" b="b" t="t" l="l"/>
+            <a:rect l="l" t="t" r="r" b="b"/>
             <a:pathLst>
-              <a:path h="5918815" w="5493764">
+              <a:path w="5493764" h="5918815">
                 <a:moveTo>
                   <a:pt x="0" y="0"/>
                 </a:moveTo>
@@ -6697,7 +7049,7 @@
           <a:blipFill>
             <a:blip r:embed="rId8"/>
             <a:stretch>
-              <a:fillRect l="0" t="0" r="0" b="-13366"/>
+              <a:fillRect b="-13366"/>
             </a:stretch>
           </a:blipFill>
           <a:ln w="19050" cap="sq">
@@ -6708,15 +7060,22 @@
             <a:miter/>
           </a:ln>
         </p:spPr>
-      </p:sp>
-      <p:sp>
-        <p:nvSpPr>
-          <p:cNvPr name="TextBox 12" id="12"/>
-          <p:cNvSpPr txBox="true"/>
-          <p:nvPr/>
-        </p:nvSpPr>
-        <p:spPr>
-          <a:xfrm rot="0">
+        <p:txBody>
+          <a:bodyPr/>
+          <a:lstStyle/>
+          <a:p>
+            <a:endParaRPr lang="en-CL"/>
+          </a:p>
+        </p:txBody>
+      </p:sp>
+      <p:sp>
+        <p:nvSpPr>
+          <p:cNvPr id="12" name="TextBox 12"/>
+          <p:cNvSpPr txBox="1"/>
+          <p:nvPr/>
+        </p:nvSpPr>
+        <p:spPr>
+          <a:xfrm>
             <a:off x="1028700" y="2161477"/>
             <a:ext cx="8324690" cy="1259324"/>
           </a:xfrm>
@@ -6725,7 +7084,7 @@
           </a:prstGeom>
         </p:spPr>
         <p:txBody>
-          <a:bodyPr anchor="t" rtlCol="false" tIns="0" lIns="0" bIns="0" rIns="0">
+          <a:bodyPr lIns="0" tIns="0" rIns="0" bIns="0" rtlCol="0" anchor="t">
             <a:spAutoFit/>
           </a:bodyPr>
           <a:lstStyle/>
@@ -6736,7 +7095,7 @@
               </a:lnSpc>
             </a:pPr>
             <a:r>
-              <a:rPr lang="en-US" b="true" sz="7327" spc="688">
+              <a:rPr lang="en-US" sz="7327" b="1" spc="688">
                 <a:solidFill>
                   <a:srgbClr val="152540"/>
                 </a:solidFill>
@@ -6752,12 +7111,12 @@
       </p:sp>
       <p:sp>
         <p:nvSpPr>
-          <p:cNvPr name="TextBox 13" id="13"/>
-          <p:cNvSpPr txBox="true"/>
-          <p:nvPr/>
-        </p:nvSpPr>
-        <p:spPr>
-          <a:xfrm rot="0">
+          <p:cNvPr id="13" name="TextBox 13"/>
+          <p:cNvSpPr txBox="1"/>
+          <p:nvPr/>
+        </p:nvSpPr>
+        <p:spPr>
+          <a:xfrm>
             <a:off x="1028700" y="1331740"/>
             <a:ext cx="7531274" cy="966389"/>
           </a:xfrm>
@@ -6766,7 +7125,7 @@
           </a:prstGeom>
         </p:spPr>
         <p:txBody>
-          <a:bodyPr anchor="t" rtlCol="false" tIns="0" lIns="0" bIns="0" rIns="0">
+          <a:bodyPr lIns="0" tIns="0" rIns="0" bIns="0" rtlCol="0" anchor="t">
             <a:spAutoFit/>
           </a:bodyPr>
           <a:lstStyle/>
@@ -6793,12 +7152,12 @@
       </p:sp>
       <p:sp>
         <p:nvSpPr>
-          <p:cNvPr name="TextBox 14" id="14"/>
-          <p:cNvSpPr txBox="true"/>
-          <p:nvPr/>
-        </p:nvSpPr>
-        <p:spPr>
-          <a:xfrm rot="0">
+          <p:cNvPr id="14" name="TextBox 14"/>
+          <p:cNvSpPr txBox="1"/>
+          <p:nvPr/>
+        </p:nvSpPr>
+        <p:spPr>
+          <a:xfrm>
             <a:off x="1404870" y="4176537"/>
             <a:ext cx="5651059" cy="4187561"/>
           </a:xfrm>
@@ -6807,7 +7166,7 @@
           </a:prstGeom>
         </p:spPr>
         <p:txBody>
-          <a:bodyPr anchor="t" rtlCol="false" tIns="0" lIns="0" bIns="0" rIns="0">
+          <a:bodyPr lIns="0" tIns="0" rIns="0" bIns="0" rtlCol="0" anchor="t">
             <a:spAutoFit/>
           </a:bodyPr>
           <a:lstStyle/>
@@ -6818,7 +7177,7 @@
               </a:lnSpc>
             </a:pPr>
             <a:r>
-              <a:rPr lang="en-US" b="true" sz="2385" spc="52">
+              <a:rPr lang="en-US" sz="2385" b="1" spc="52">
                 <a:solidFill>
                   <a:srgbClr val="EDE8E4"/>
                 </a:solidFill>
@@ -6836,6 +7195,15 @@
                 <a:spcPts val="3339"/>
               </a:lnSpc>
             </a:pPr>
+            <a:endParaRPr lang="en-US" sz="2385" b="1" spc="52">
+              <a:solidFill>
+                <a:srgbClr val="EDE8E4"/>
+              </a:solidFill>
+              <a:latin typeface="Glacial Indifference Bold"/>
+              <a:ea typeface="Glacial Indifference Bold"/>
+              <a:cs typeface="Glacial Indifference Bold"/>
+              <a:sym typeface="Glacial Indifference Bold"/>
+            </a:endParaRPr>
           </a:p>
           <a:p>
             <a:pPr algn="ctr">
@@ -6862,9 +7230,18 @@
                 <a:spcPts val="3339"/>
               </a:lnSpc>
             </a:pPr>
-          </a:p>
-          <a:p>
-            <a:pPr algn="ctr" marL="515009" indent="-257504" lvl="1">
+            <a:endParaRPr lang="en-US" sz="2385" spc="52">
+              <a:solidFill>
+                <a:srgbClr val="EDE8E4"/>
+              </a:solidFill>
+              <a:latin typeface="Glacial Indifference"/>
+              <a:ea typeface="Glacial Indifference"/>
+              <a:cs typeface="Glacial Indifference"/>
+              <a:sym typeface="Glacial Indifference"/>
+            </a:endParaRPr>
+          </a:p>
+          <a:p>
+            <a:pPr marL="515009" lvl="1" indent="-257504" algn="ctr">
               <a:lnSpc>
                 <a:spcPts val="3339"/>
               </a:lnSpc>
@@ -6888,12 +7265,12 @@
       </p:sp>
       <p:sp>
         <p:nvSpPr>
-          <p:cNvPr name="TextBox 15" id="15"/>
-          <p:cNvSpPr txBox="true"/>
-          <p:nvPr/>
-        </p:nvSpPr>
-        <p:spPr>
-          <a:xfrm rot="0">
+          <p:cNvPr id="15" name="TextBox 15"/>
+          <p:cNvSpPr txBox="1"/>
+          <p:nvPr/>
+        </p:nvSpPr>
+        <p:spPr>
+          <a:xfrm>
             <a:off x="17485454" y="9662274"/>
             <a:ext cx="802546" cy="1182777"/>
           </a:xfrm>
@@ -6902,7 +7279,7 @@
           </a:prstGeom>
         </p:spPr>
         <p:txBody>
-          <a:bodyPr anchor="t" rtlCol="false" tIns="0" lIns="0" bIns="0" rIns="0">
+          <a:bodyPr lIns="0" tIns="0" rIns="0" bIns="0" rtlCol="0" anchor="t">
             <a:spAutoFit/>
           </a:bodyPr>
           <a:lstStyle/>
@@ -6913,7 +7290,7 @@
               </a:lnSpc>
             </a:pPr>
             <a:r>
-              <a:rPr lang="en-US" b="true" sz="3386" spc="74">
+              <a:rPr lang="en-US" sz="3386" b="1" spc="74">
                 <a:solidFill>
                   <a:srgbClr val="000000"/>
                 </a:solidFill>
@@ -6926,7 +7303,7 @@
             </a:r>
           </a:p>
           <a:p>
-            <a:pPr algn="ctr" marL="0" indent="0" lvl="0">
+            <a:pPr marL="0" lvl="0" indent="0" algn="ctr">
               <a:lnSpc>
                 <a:spcPts val="4740"/>
               </a:lnSpc>
@@ -6934,6 +7311,15 @@
                 <a:spcPct val="0"/>
               </a:spcBef>
             </a:pPr>
+            <a:endParaRPr lang="en-US" sz="3386" b="1" spc="74">
+              <a:solidFill>
+                <a:srgbClr val="000000"/>
+              </a:solidFill>
+              <a:latin typeface="Glacial Indifference Bold"/>
+              <a:ea typeface="Glacial Indifference Bold"/>
+              <a:cs typeface="Glacial Indifference Bold"/>
+              <a:sym typeface="Glacial Indifference Bold"/>
+            </a:endParaRPr>
           </a:p>
         </p:txBody>
       </p:sp>
@@ -6942,20 +7328,21 @@
   <p:clrMapOvr>
     <a:masterClrMapping/>
   </p:clrMapOvr>
-  <p:transition spd="fast">
+  <p:transition>
     <p:fade/>
   </p:transition>
 </p:sld>
 </file>
 
 <file path=ppt/slides/slide7.xml><?xml version="1.0" encoding="utf-8"?>
-<p:sld xmlns:p="http://schemas.openxmlformats.org/presentationml/2006/main" xmlns:a="http://schemas.openxmlformats.org/drawingml/2006/main" xmlns:r="http://schemas.openxmlformats.org/officeDocument/2006/relationships">
+<p:sld xmlns:a="http://schemas.openxmlformats.org/drawingml/2006/main" xmlns:r="http://schemas.openxmlformats.org/officeDocument/2006/relationships" xmlns:p="http://schemas.openxmlformats.org/presentationml/2006/main">
   <p:cSld>
     <p:bg>
       <p:bgPr>
         <a:solidFill>
           <a:srgbClr val="EDE8E4"/>
         </a:solidFill>
+        <a:effectLst/>
       </p:bgPr>
     </p:bg>
     <p:spTree>
@@ -6974,12 +7361,12 @@
       </p:grpSpPr>
       <p:sp>
         <p:nvSpPr>
-          <p:cNvPr name="Freeform 2" id="2"/>
+          <p:cNvPr id="2" name="Freeform 2"/>
           <p:cNvSpPr/>
           <p:nvPr/>
         </p:nvSpPr>
         <p:spPr>
-          <a:xfrm flipH="false" flipV="false" rot="0">
+          <a:xfrm>
             <a:off x="438131" y="7173582"/>
             <a:ext cx="7641686" cy="6808048"/>
           </a:xfrm>
@@ -6988,9 +7375,9 @@
             <a:gdLst/>
             <a:ahLst/>
             <a:cxnLst/>
-            <a:rect r="r" b="b" t="t" l="l"/>
+            <a:rect l="l" t="t" r="r" b="b"/>
             <a:pathLst>
-              <a:path h="6808048" w="7641686">
+              <a:path w="7641686" h="6808048">
                 <a:moveTo>
                   <a:pt x="0" y="0"/>
                 </a:moveTo>
@@ -7019,7 +7406,7 @@
               </a:extLst>
             </a:blip>
             <a:stretch>
-              <a:fillRect l="0" t="0" r="0" b="0"/>
+              <a:fillRect/>
             </a:stretch>
           </a:blipFill>
           <a:ln cap="sq">
@@ -7028,15 +7415,22 @@
             <a:miter/>
           </a:ln>
         </p:spPr>
-      </p:sp>
-      <p:sp>
-        <p:nvSpPr>
-          <p:cNvPr name="Freeform 3" id="3"/>
+        <p:txBody>
+          <a:bodyPr/>
+          <a:lstStyle/>
+          <a:p>
+            <a:endParaRPr lang="en-CL"/>
+          </a:p>
+        </p:txBody>
+      </p:sp>
+      <p:sp>
+        <p:nvSpPr>
+          <p:cNvPr id="3" name="Freeform 3"/>
           <p:cNvSpPr/>
           <p:nvPr/>
         </p:nvSpPr>
         <p:spPr>
-          <a:xfrm flipH="false" flipV="false" rot="0">
+          <a:xfrm>
             <a:off x="11849738" y="-4940726"/>
             <a:ext cx="7641686" cy="6808048"/>
           </a:xfrm>
@@ -7045,9 +7439,9 @@
             <a:gdLst/>
             <a:ahLst/>
             <a:cxnLst/>
-            <a:rect r="r" b="b" t="t" l="l"/>
+            <a:rect l="l" t="t" r="r" b="b"/>
             <a:pathLst>
-              <a:path h="6808048" w="7641686">
+              <a:path w="7641686" h="6808048">
                 <a:moveTo>
                   <a:pt x="0" y="0"/>
                 </a:moveTo>
@@ -7076,7 +7470,7 @@
               </a:extLst>
             </a:blip>
             <a:stretch>
-              <a:fillRect l="0" t="0" r="0" b="0"/>
+              <a:fillRect/>
             </a:stretch>
           </a:blipFill>
           <a:ln cap="sq">
@@ -7085,15 +7479,22 @@
             <a:miter/>
           </a:ln>
         </p:spPr>
-      </p:sp>
-      <p:sp>
-        <p:nvSpPr>
-          <p:cNvPr name="Freeform 4" id="4"/>
+        <p:txBody>
+          <a:bodyPr/>
+          <a:lstStyle/>
+          <a:p>
+            <a:endParaRPr lang="en-CL"/>
+          </a:p>
+        </p:txBody>
+      </p:sp>
+      <p:sp>
+        <p:nvSpPr>
+          <p:cNvPr id="4" name="Freeform 4"/>
           <p:cNvSpPr/>
           <p:nvPr/>
         </p:nvSpPr>
         <p:spPr>
-          <a:xfrm flipH="false" flipV="false" rot="-8798399">
+          <a:xfrm rot="-8798399">
             <a:off x="13156923" y="1016610"/>
             <a:ext cx="9798172" cy="13143890"/>
           </a:xfrm>
@@ -7102,9 +7503,9 @@
             <a:gdLst/>
             <a:ahLst/>
             <a:cxnLst/>
-            <a:rect r="r" b="b" t="t" l="l"/>
+            <a:rect l="l" t="t" r="r" b="b"/>
             <a:pathLst>
-              <a:path h="13143890" w="9798172">
+              <a:path w="9798172" h="13143890">
                 <a:moveTo>
                   <a:pt x="0" y="0"/>
                 </a:moveTo>
@@ -7133,7 +7534,7 @@
               </a:extLst>
             </a:blip>
             <a:stretch>
-              <a:fillRect l="0" t="0" r="0" b="0"/>
+              <a:fillRect/>
             </a:stretch>
           </a:blipFill>
           <a:ln cap="sq">
@@ -7142,15 +7543,22 @@
             <a:miter/>
           </a:ln>
         </p:spPr>
-      </p:sp>
-      <p:sp>
-        <p:nvSpPr>
-          <p:cNvPr name="Freeform 5" id="5"/>
+        <p:txBody>
+          <a:bodyPr/>
+          <a:lstStyle/>
+          <a:p>
+            <a:endParaRPr lang="en-CL"/>
+          </a:p>
+        </p:txBody>
+      </p:sp>
+      <p:sp>
+        <p:nvSpPr>
+          <p:cNvPr id="5" name="Freeform 5"/>
           <p:cNvSpPr/>
           <p:nvPr/>
         </p:nvSpPr>
         <p:spPr>
-          <a:xfrm flipH="false" flipV="false" rot="-8798399">
+          <a:xfrm rot="-8798399">
             <a:off x="-2994864" y="-8645988"/>
             <a:ext cx="9798172" cy="13143890"/>
           </a:xfrm>
@@ -7159,9 +7567,9 @@
             <a:gdLst/>
             <a:ahLst/>
             <a:cxnLst/>
-            <a:rect r="r" b="b" t="t" l="l"/>
+            <a:rect l="l" t="t" r="r" b="b"/>
             <a:pathLst>
-              <a:path h="13143890" w="9798172">
+              <a:path w="9798172" h="13143890">
                 <a:moveTo>
                   <a:pt x="0" y="0"/>
                 </a:moveTo>
@@ -7190,7 +7598,7 @@
               </a:extLst>
             </a:blip>
             <a:stretch>
-              <a:fillRect l="0" t="0" r="0" b="0"/>
+              <a:fillRect/>
             </a:stretch>
           </a:blipFill>
           <a:ln cap="sq">
@@ -7199,15 +7607,22 @@
             <a:miter/>
           </a:ln>
         </p:spPr>
+        <p:txBody>
+          <a:bodyPr/>
+          <a:lstStyle/>
+          <a:p>
+            <a:endParaRPr lang="en-CL"/>
+          </a:p>
+        </p:txBody>
       </p:sp>
       <p:grpSp>
         <p:nvGrpSpPr>
-          <p:cNvPr name="Group 6" id="6"/>
+          <p:cNvPr id="6" name="Group 6"/>
           <p:cNvGrpSpPr/>
           <p:nvPr/>
         </p:nvGrpSpPr>
         <p:grpSpPr>
-          <a:xfrm rot="0">
+          <a:xfrm>
             <a:off x="1611236" y="3808024"/>
             <a:ext cx="6232665" cy="5545526"/>
             <a:chOff x="0" y="0"/>
@@ -7216,12 +7631,12 @@
         </p:grpSpPr>
         <p:sp>
           <p:nvSpPr>
-            <p:cNvPr name="Freeform 7" id="7"/>
+            <p:cNvPr id="7" name="Freeform 7"/>
             <p:cNvSpPr/>
             <p:nvPr/>
           </p:nvSpPr>
           <p:spPr>
-            <a:xfrm flipH="false" flipV="false" rot="0">
+            <a:xfrm>
               <a:off x="0" y="0"/>
               <a:ext cx="2019680" cy="1797014"/>
             </a:xfrm>
@@ -7230,9 +7645,9 @@
               <a:gdLst/>
               <a:ahLst/>
               <a:cxnLst/>
-              <a:rect r="r" b="b" t="t" l="l"/>
+              <a:rect l="l" t="t" r="r" b="b"/>
               <a:pathLst>
-                <a:path h="1797014" w="2019680">
+                <a:path w="2019680" h="1797014">
                   <a:moveTo>
                     <a:pt x="48444" y="0"/>
                   </a:moveTo>
@@ -7286,11 +7701,18 @@
               <a:round/>
             </a:ln>
           </p:spPr>
+          <p:txBody>
+            <a:bodyPr/>
+            <a:lstStyle/>
+            <a:p>
+              <a:endParaRPr lang="en-CL"/>
+            </a:p>
+          </p:txBody>
         </p:sp>
         <p:sp>
           <p:nvSpPr>
-            <p:cNvPr name="TextBox 8" id="8"/>
-            <p:cNvSpPr txBox="true"/>
+            <p:cNvPr id="8" name="TextBox 8"/>
+            <p:cNvSpPr txBox="1"/>
             <p:nvPr/>
           </p:nvSpPr>
           <p:spPr>
@@ -7303,7 +7725,7 @@
             </a:prstGeom>
           </p:spPr>
           <p:txBody>
-            <a:bodyPr anchor="ctr" rtlCol="false" tIns="50800" lIns="50800" bIns="50800" rIns="50800"/>
+            <a:bodyPr lIns="50800" tIns="50800" rIns="50800" bIns="50800" rtlCol="0" anchor="ctr"/>
             <a:lstStyle/>
             <a:p>
               <a:pPr algn="ctr">
@@ -7311,18 +7733,19 @@
                   <a:spcPts val="2121"/>
                 </a:lnSpc>
               </a:pPr>
+              <a:endParaRPr/>
             </a:p>
           </p:txBody>
         </p:sp>
       </p:grpSp>
       <p:sp>
         <p:nvSpPr>
-          <p:cNvPr name="Freeform 9" id="9"/>
+          <p:cNvPr id="9" name="Freeform 9"/>
           <p:cNvSpPr/>
           <p:nvPr/>
         </p:nvSpPr>
         <p:spPr>
-          <a:xfrm flipH="false" flipV="false" rot="9961243">
+          <a:xfrm rot="9961243">
             <a:off x="12217193" y="-3026777"/>
             <a:ext cx="10084214" cy="8727429"/>
           </a:xfrm>
@@ -7331,9 +7754,9 @@
             <a:gdLst/>
             <a:ahLst/>
             <a:cxnLst/>
-            <a:rect r="r" b="b" t="t" l="l"/>
+            <a:rect l="l" t="t" r="r" b="b"/>
             <a:pathLst>
-              <a:path h="8727429" w="10084214">
+              <a:path w="10084214" h="8727429">
                 <a:moveTo>
                   <a:pt x="0" y="0"/>
                 </a:moveTo>
@@ -7362,7 +7785,7 @@
               </a:extLst>
             </a:blip>
             <a:stretch>
-              <a:fillRect l="0" t="0" r="0" b="0"/>
+              <a:fillRect/>
             </a:stretch>
           </a:blipFill>
           <a:ln cap="sq">
@@ -7371,15 +7794,22 @@
             <a:miter/>
           </a:ln>
         </p:spPr>
-      </p:sp>
-      <p:sp>
-        <p:nvSpPr>
-          <p:cNvPr name="Freeform 10" id="10"/>
+        <p:txBody>
+          <a:bodyPr/>
+          <a:lstStyle/>
+          <a:p>
+            <a:endParaRPr lang="en-CL"/>
+          </a:p>
+        </p:txBody>
+      </p:sp>
+      <p:sp>
+        <p:nvSpPr>
+          <p:cNvPr id="10" name="Freeform 10"/>
           <p:cNvSpPr/>
           <p:nvPr/>
         </p:nvSpPr>
         <p:spPr>
-          <a:xfrm flipH="false" flipV="false" rot="-976001">
+          <a:xfrm rot="-976001">
             <a:off x="-4614341" y="5979010"/>
             <a:ext cx="9228681" cy="7987004"/>
           </a:xfrm>
@@ -7388,9 +7818,9 @@
             <a:gdLst/>
             <a:ahLst/>
             <a:cxnLst/>
-            <a:rect r="r" b="b" t="t" l="l"/>
+            <a:rect l="l" t="t" r="r" b="b"/>
             <a:pathLst>
-              <a:path h="7987004" w="9228681">
+              <a:path w="9228681" h="7987004">
                 <a:moveTo>
                   <a:pt x="0" y="0"/>
                 </a:moveTo>
@@ -7419,7 +7849,7 @@
               </a:extLst>
             </a:blip>
             <a:stretch>
-              <a:fillRect l="0" t="0" r="0" b="0"/>
+              <a:fillRect/>
             </a:stretch>
           </a:blipFill>
           <a:ln cap="sq">
@@ -7428,15 +7858,22 @@
             <a:miter/>
           </a:ln>
         </p:spPr>
-      </p:sp>
-      <p:sp>
-        <p:nvSpPr>
-          <p:cNvPr name="Freeform 11" id="11"/>
+        <p:txBody>
+          <a:bodyPr/>
+          <a:lstStyle/>
+          <a:p>
+            <a:endParaRPr lang="en-CL"/>
+          </a:p>
+        </p:txBody>
+      </p:sp>
+      <p:sp>
+        <p:nvSpPr>
+          <p:cNvPr id="11" name="Freeform 11"/>
           <p:cNvSpPr/>
           <p:nvPr/>
         </p:nvSpPr>
         <p:spPr>
-          <a:xfrm flipH="false" flipV="false" rot="0">
+          <a:xfrm>
             <a:off x="9144000" y="3892726"/>
             <a:ext cx="7474104" cy="2216326"/>
           </a:xfrm>
@@ -7445,9 +7882,9 @@
             <a:gdLst/>
             <a:ahLst/>
             <a:cxnLst/>
-            <a:rect r="r" b="b" t="t" l="l"/>
+            <a:rect l="l" t="t" r="r" b="b"/>
             <a:pathLst>
-              <a:path h="2216326" w="7474104">
+              <a:path w="7474104" h="2216326">
                 <a:moveTo>
                   <a:pt x="0" y="0"/>
                 </a:moveTo>
@@ -7470,7 +7907,7 @@
           <a:blipFill>
             <a:blip r:embed="rId8"/>
             <a:stretch>
-              <a:fillRect l="0" t="0" r="0" b="0"/>
+              <a:fillRect/>
             </a:stretch>
           </a:blipFill>
           <a:ln w="19050" cap="sq">
@@ -7481,15 +7918,22 @@
             <a:miter/>
           </a:ln>
         </p:spPr>
-      </p:sp>
-      <p:sp>
-        <p:nvSpPr>
-          <p:cNvPr name="Freeform 12" id="12"/>
+        <p:txBody>
+          <a:bodyPr/>
+          <a:lstStyle/>
+          <a:p>
+            <a:endParaRPr lang="en-CL"/>
+          </a:p>
+        </p:txBody>
+      </p:sp>
+      <p:sp>
+        <p:nvSpPr>
+          <p:cNvPr id="12" name="Freeform 12"/>
           <p:cNvSpPr/>
           <p:nvPr/>
         </p:nvSpPr>
         <p:spPr>
-          <a:xfrm flipH="false" flipV="false" rot="0">
+          <a:xfrm>
             <a:off x="9144000" y="6585302"/>
             <a:ext cx="7442990" cy="2158467"/>
           </a:xfrm>
@@ -7498,9 +7942,9 @@
             <a:gdLst/>
             <a:ahLst/>
             <a:cxnLst/>
-            <a:rect r="r" b="b" t="t" l="l"/>
+            <a:rect l="l" t="t" r="r" b="b"/>
             <a:pathLst>
-              <a:path h="2158467" w="7442990">
+              <a:path w="7442990" h="2158467">
                 <a:moveTo>
                   <a:pt x="0" y="0"/>
                 </a:moveTo>
@@ -7523,7 +7967,7 @@
           <a:blipFill>
             <a:blip r:embed="rId9"/>
             <a:stretch>
-              <a:fillRect l="0" t="0" r="0" b="0"/>
+              <a:fillRect/>
             </a:stretch>
           </a:blipFill>
           <a:ln w="19050" cap="sq">
@@ -7534,15 +7978,22 @@
             <a:miter/>
           </a:ln>
         </p:spPr>
-      </p:sp>
-      <p:sp>
-        <p:nvSpPr>
-          <p:cNvPr name="TextBox 13" id="13"/>
-          <p:cNvSpPr txBox="true"/>
-          <p:nvPr/>
-        </p:nvSpPr>
-        <p:spPr>
-          <a:xfrm rot="0">
+        <p:txBody>
+          <a:bodyPr/>
+          <a:lstStyle/>
+          <a:p>
+            <a:endParaRPr lang="en-CL"/>
+          </a:p>
+        </p:txBody>
+      </p:sp>
+      <p:sp>
+        <p:nvSpPr>
+          <p:cNvPr id="13" name="TextBox 13"/>
+          <p:cNvSpPr txBox="1"/>
+          <p:nvPr/>
+        </p:nvSpPr>
+        <p:spPr>
+          <a:xfrm>
             <a:off x="1028700" y="2161477"/>
             <a:ext cx="8324690" cy="1259324"/>
           </a:xfrm>
@@ -7551,7 +8002,7 @@
           </a:prstGeom>
         </p:spPr>
         <p:txBody>
-          <a:bodyPr anchor="t" rtlCol="false" tIns="0" lIns="0" bIns="0" rIns="0">
+          <a:bodyPr lIns="0" tIns="0" rIns="0" bIns="0" rtlCol="0" anchor="t">
             <a:spAutoFit/>
           </a:bodyPr>
           <a:lstStyle/>
@@ -7562,7 +8013,7 @@
               </a:lnSpc>
             </a:pPr>
             <a:r>
-              <a:rPr lang="en-US" b="true" sz="7327" spc="688">
+              <a:rPr lang="en-US" sz="7327" b="1" spc="688">
                 <a:solidFill>
                   <a:srgbClr val="152540"/>
                 </a:solidFill>
@@ -7578,12 +8029,12 @@
       </p:sp>
       <p:sp>
         <p:nvSpPr>
-          <p:cNvPr name="TextBox 14" id="14"/>
-          <p:cNvSpPr txBox="true"/>
-          <p:nvPr/>
-        </p:nvSpPr>
-        <p:spPr>
-          <a:xfrm rot="0">
+          <p:cNvPr id="14" name="TextBox 14"/>
+          <p:cNvSpPr txBox="1"/>
+          <p:nvPr/>
+        </p:nvSpPr>
+        <p:spPr>
+          <a:xfrm>
             <a:off x="1028700" y="1331740"/>
             <a:ext cx="7531274" cy="966389"/>
           </a:xfrm>
@@ -7592,7 +8043,7 @@
           </a:prstGeom>
         </p:spPr>
         <p:txBody>
-          <a:bodyPr anchor="t" rtlCol="false" tIns="0" lIns="0" bIns="0" rIns="0">
+          <a:bodyPr lIns="0" tIns="0" rIns="0" bIns="0" rtlCol="0" anchor="t">
             <a:spAutoFit/>
           </a:bodyPr>
           <a:lstStyle/>
@@ -7619,12 +8070,12 @@
       </p:sp>
       <p:sp>
         <p:nvSpPr>
-          <p:cNvPr name="TextBox 15" id="15"/>
-          <p:cNvSpPr txBox="true"/>
-          <p:nvPr/>
-        </p:nvSpPr>
-        <p:spPr>
-          <a:xfrm rot="0">
+          <p:cNvPr id="15" name="TextBox 15"/>
+          <p:cNvSpPr txBox="1"/>
+          <p:nvPr/>
+        </p:nvSpPr>
+        <p:spPr>
+          <a:xfrm>
             <a:off x="1902039" y="4132786"/>
             <a:ext cx="5651059" cy="4606661"/>
           </a:xfrm>
@@ -7633,7 +8084,7 @@
           </a:prstGeom>
         </p:spPr>
         <p:txBody>
-          <a:bodyPr anchor="t" rtlCol="false" tIns="0" lIns="0" bIns="0" rIns="0">
+          <a:bodyPr lIns="0" tIns="0" rIns="0" bIns="0" rtlCol="0" anchor="t">
             <a:spAutoFit/>
           </a:bodyPr>
           <a:lstStyle/>
@@ -7644,7 +8095,7 @@
               </a:lnSpc>
             </a:pPr>
             <a:r>
-              <a:rPr lang="en-US" b="true" sz="2385" i="true" spc="52">
+              <a:rPr lang="en-US" sz="2385" b="1" i="1" spc="52">
                 <a:solidFill>
                   <a:srgbClr val="EDE8E4"/>
                 </a:solidFill>
@@ -7662,9 +8113,18 @@
                 <a:spcPts val="3339"/>
               </a:lnSpc>
             </a:pPr>
-          </a:p>
-          <a:p>
-            <a:pPr algn="ctr" marL="515009" indent="-257504" lvl="1">
+            <a:endParaRPr lang="en-US" sz="2385" b="1" i="1" spc="52">
+              <a:solidFill>
+                <a:srgbClr val="EDE8E4"/>
+              </a:solidFill>
+              <a:latin typeface="Glacial Indifference Bold Italics"/>
+              <a:ea typeface="Glacial Indifference Bold Italics"/>
+              <a:cs typeface="Glacial Indifference Bold Italics"/>
+              <a:sym typeface="Glacial Indifference Bold Italics"/>
+            </a:endParaRPr>
+          </a:p>
+          <a:p>
+            <a:pPr marL="515009" lvl="1" indent="-257504" algn="ctr">
               <a:lnSpc>
                 <a:spcPts val="3339"/>
               </a:lnSpc>
@@ -7690,9 +8150,18 @@
                 <a:spcPts val="3339"/>
               </a:lnSpc>
             </a:pPr>
-          </a:p>
-          <a:p>
-            <a:pPr algn="ctr" marL="515009" indent="-257504" lvl="1">
+            <a:endParaRPr lang="en-US" sz="2385" spc="52">
+              <a:solidFill>
+                <a:srgbClr val="EDE8E4"/>
+              </a:solidFill>
+              <a:latin typeface="Glacial Indifference"/>
+              <a:ea typeface="Glacial Indifference"/>
+              <a:cs typeface="Glacial Indifference"/>
+              <a:sym typeface="Glacial Indifference"/>
+            </a:endParaRPr>
+          </a:p>
+          <a:p>
+            <a:pPr marL="515009" lvl="1" indent="-257504" algn="ctr">
               <a:lnSpc>
                 <a:spcPts val="3339"/>
               </a:lnSpc>
@@ -7716,12 +8185,12 @@
       </p:sp>
       <p:sp>
         <p:nvSpPr>
-          <p:cNvPr name="TextBox 16" id="16"/>
-          <p:cNvSpPr txBox="true"/>
-          <p:nvPr/>
-        </p:nvSpPr>
-        <p:spPr>
-          <a:xfrm rot="0">
+          <p:cNvPr id="16" name="TextBox 16"/>
+          <p:cNvSpPr txBox="1"/>
+          <p:nvPr/>
+        </p:nvSpPr>
+        <p:spPr>
+          <a:xfrm>
             <a:off x="17485454" y="9662274"/>
             <a:ext cx="802546" cy="1182777"/>
           </a:xfrm>
@@ -7730,7 +8199,7 @@
           </a:prstGeom>
         </p:spPr>
         <p:txBody>
-          <a:bodyPr anchor="t" rtlCol="false" tIns="0" lIns="0" bIns="0" rIns="0">
+          <a:bodyPr lIns="0" tIns="0" rIns="0" bIns="0" rtlCol="0" anchor="t">
             <a:spAutoFit/>
           </a:bodyPr>
           <a:lstStyle/>
@@ -7741,7 +8210,7 @@
               </a:lnSpc>
             </a:pPr>
             <a:r>
-              <a:rPr lang="en-US" b="true" sz="3386" spc="74">
+              <a:rPr lang="en-US" sz="3386" b="1" spc="74">
                 <a:solidFill>
                   <a:srgbClr val="000000"/>
                 </a:solidFill>
@@ -7754,7 +8223,7 @@
             </a:r>
           </a:p>
           <a:p>
-            <a:pPr algn="ctr" marL="0" indent="0" lvl="0">
+            <a:pPr marL="0" lvl="0" indent="0" algn="ctr">
               <a:lnSpc>
                 <a:spcPts val="4740"/>
               </a:lnSpc>
@@ -7762,6 +8231,15 @@
                 <a:spcPct val="0"/>
               </a:spcBef>
             </a:pPr>
+            <a:endParaRPr lang="en-US" sz="3386" b="1" spc="74">
+              <a:solidFill>
+                <a:srgbClr val="000000"/>
+              </a:solidFill>
+              <a:latin typeface="Glacial Indifference Bold"/>
+              <a:ea typeface="Glacial Indifference Bold"/>
+              <a:cs typeface="Glacial Indifference Bold"/>
+              <a:sym typeface="Glacial Indifference Bold"/>
+            </a:endParaRPr>
           </a:p>
         </p:txBody>
       </p:sp>
@@ -7770,20 +8248,21 @@
   <p:clrMapOvr>
     <a:masterClrMapping/>
   </p:clrMapOvr>
-  <p:transition spd="fast">
+  <p:transition>
     <p:fade/>
   </p:transition>
 </p:sld>
 </file>
 
 <file path=ppt/slides/slide8.xml><?xml version="1.0" encoding="utf-8"?>
-<p:sld xmlns:p="http://schemas.openxmlformats.org/presentationml/2006/main" xmlns:a="http://schemas.openxmlformats.org/drawingml/2006/main" xmlns:r="http://schemas.openxmlformats.org/officeDocument/2006/relationships">
+<p:sld xmlns:a="http://schemas.openxmlformats.org/drawingml/2006/main" xmlns:r="http://schemas.openxmlformats.org/officeDocument/2006/relationships" xmlns:p="http://schemas.openxmlformats.org/presentationml/2006/main">
   <p:cSld>
     <p:bg>
       <p:bgPr>
         <a:solidFill>
           <a:srgbClr val="EDE8E4"/>
         </a:solidFill>
+        <a:effectLst/>
       </p:bgPr>
     </p:bg>
     <p:spTree>
@@ -7802,12 +8281,12 @@
       </p:grpSpPr>
       <p:sp>
         <p:nvSpPr>
-          <p:cNvPr name="TextBox 2" id="2"/>
-          <p:cNvSpPr txBox="true"/>
-          <p:nvPr/>
-        </p:nvSpPr>
-        <p:spPr>
-          <a:xfrm rot="0">
+          <p:cNvPr id="2" name="TextBox 2"/>
+          <p:cNvSpPr txBox="1"/>
+          <p:nvPr/>
+        </p:nvSpPr>
+        <p:spPr>
+          <a:xfrm>
             <a:off x="8836862" y="1162968"/>
             <a:ext cx="8324690" cy="1259324"/>
           </a:xfrm>
@@ -7816,7 +8295,7 @@
           </a:prstGeom>
         </p:spPr>
         <p:txBody>
-          <a:bodyPr anchor="t" rtlCol="false" tIns="0" lIns="0" bIns="0" rIns="0">
+          <a:bodyPr lIns="0" tIns="0" rIns="0" bIns="0" rtlCol="0" anchor="t">
             <a:spAutoFit/>
           </a:bodyPr>
           <a:lstStyle/>
@@ -7827,7 +8306,7 @@
               </a:lnSpc>
             </a:pPr>
             <a:r>
-              <a:rPr lang="en-US" b="true" sz="7327" spc="688">
+              <a:rPr lang="en-US" sz="7327" b="1" spc="688">
                 <a:solidFill>
                   <a:srgbClr val="152540"/>
                 </a:solidFill>
@@ -7843,12 +8322,12 @@
       </p:sp>
       <p:sp>
         <p:nvSpPr>
-          <p:cNvPr name="TextBox 3" id="3"/>
-          <p:cNvSpPr txBox="true"/>
-          <p:nvPr/>
-        </p:nvSpPr>
-        <p:spPr>
-          <a:xfrm rot="0">
+          <p:cNvPr id="3" name="TextBox 3"/>
+          <p:cNvSpPr txBox="1"/>
+          <p:nvPr/>
+        </p:nvSpPr>
+        <p:spPr>
+          <a:xfrm>
             <a:off x="8836862" y="339454"/>
             <a:ext cx="6460548" cy="966389"/>
           </a:xfrm>
@@ -7857,7 +8336,7 @@
           </a:prstGeom>
         </p:spPr>
         <p:txBody>
-          <a:bodyPr anchor="t" rtlCol="false" tIns="0" lIns="0" bIns="0" rIns="0">
+          <a:bodyPr lIns="0" tIns="0" rIns="0" bIns="0" rtlCol="0" anchor="t">
             <a:spAutoFit/>
           </a:bodyPr>
           <a:lstStyle/>
@@ -7868,7 +8347,7 @@
               </a:lnSpc>
             </a:pPr>
             <a:r>
-              <a:rPr lang="en-US" b="true" sz="5686" spc="534">
+              <a:rPr lang="en-US" sz="5686" b="1" spc="534">
                 <a:solidFill>
                   <a:srgbClr val="152540"/>
                 </a:solidFill>
@@ -7884,12 +8363,12 @@
       </p:sp>
       <p:sp>
         <p:nvSpPr>
-          <p:cNvPr name="Freeform 4" id="4"/>
+          <p:cNvPr id="4" name="Freeform 4"/>
           <p:cNvSpPr/>
           <p:nvPr/>
         </p:nvSpPr>
         <p:spPr>
-          <a:xfrm flipH="false" flipV="false" rot="-1370283">
+          <a:xfrm rot="-1370283">
             <a:off x="-5763726" y="-5323858"/>
             <a:ext cx="9401016" cy="7537905"/>
           </a:xfrm>
@@ -7898,9 +8377,9 @@
             <a:gdLst/>
             <a:ahLst/>
             <a:cxnLst/>
-            <a:rect r="r" b="b" t="t" l="l"/>
+            <a:rect l="l" t="t" r="r" b="b"/>
             <a:pathLst>
-              <a:path h="7537905" w="9401016">
+              <a:path w="9401016" h="7537905">
                 <a:moveTo>
                   <a:pt x="0" y="0"/>
                 </a:moveTo>
@@ -7929,7 +8408,7 @@
               </a:extLst>
             </a:blip>
             <a:stretch>
-              <a:fillRect l="0" t="0" r="0" b="0"/>
+              <a:fillRect/>
             </a:stretch>
           </a:blipFill>
           <a:ln cap="sq">
@@ -7938,15 +8417,22 @@
             <a:miter/>
           </a:ln>
         </p:spPr>
-      </p:sp>
-      <p:sp>
-        <p:nvSpPr>
-          <p:cNvPr name="Freeform 5" id="5"/>
+        <p:txBody>
+          <a:bodyPr/>
+          <a:lstStyle/>
+          <a:p>
+            <a:endParaRPr lang="en-CL"/>
+          </a:p>
+        </p:txBody>
+      </p:sp>
+      <p:sp>
+        <p:nvSpPr>
+          <p:cNvPr id="5" name="Freeform 5"/>
           <p:cNvSpPr/>
           <p:nvPr/>
         </p:nvSpPr>
         <p:spPr>
-          <a:xfrm flipH="false" flipV="false" rot="0">
+          <a:xfrm>
             <a:off x="-6008157" y="8925520"/>
             <a:ext cx="7719111" cy="6189324"/>
           </a:xfrm>
@@ -7955,9 +8441,9 @@
             <a:gdLst/>
             <a:ahLst/>
             <a:cxnLst/>
-            <a:rect r="r" b="b" t="t" l="l"/>
+            <a:rect l="l" t="t" r="r" b="b"/>
             <a:pathLst>
-              <a:path h="6189324" w="7719111">
+              <a:path w="7719111" h="6189324">
                 <a:moveTo>
                   <a:pt x="0" y="0"/>
                 </a:moveTo>
@@ -7986,7 +8472,7 @@
               </a:extLst>
             </a:blip>
             <a:stretch>
-              <a:fillRect l="0" t="0" r="0" b="0"/>
+              <a:fillRect/>
             </a:stretch>
           </a:blipFill>
           <a:ln cap="sq">
@@ -7995,15 +8481,22 @@
             <a:miter/>
           </a:ln>
         </p:spPr>
-      </p:sp>
-      <p:sp>
-        <p:nvSpPr>
-          <p:cNvPr name="Freeform 6" id="6"/>
+        <p:txBody>
+          <a:bodyPr/>
+          <a:lstStyle/>
+          <a:p>
+            <a:endParaRPr lang="en-CL"/>
+          </a:p>
+        </p:txBody>
+      </p:sp>
+      <p:sp>
+        <p:nvSpPr>
+          <p:cNvPr id="6" name="Freeform 6"/>
           <p:cNvSpPr/>
           <p:nvPr/>
         </p:nvSpPr>
         <p:spPr>
-          <a:xfrm flipH="false" flipV="false" rot="-6399961">
+          <a:xfrm rot="-6399961">
             <a:off x="9807312" y="1606961"/>
             <a:ext cx="13805122" cy="17698875"/>
           </a:xfrm>
@@ -8012,9 +8505,9 @@
             <a:gdLst/>
             <a:ahLst/>
             <a:cxnLst/>
-            <a:rect r="r" b="b" t="t" l="l"/>
+            <a:rect l="l" t="t" r="r" b="b"/>
             <a:pathLst>
-              <a:path h="17698875" w="13805122">
+              <a:path w="13805122" h="17698875">
                 <a:moveTo>
                   <a:pt x="0" y="0"/>
                 </a:moveTo>
@@ -8043,7 +8536,7 @@
               </a:extLst>
             </a:blip>
             <a:stretch>
-              <a:fillRect l="0" t="0" r="0" b="0"/>
+              <a:fillRect/>
             </a:stretch>
           </a:blipFill>
           <a:ln cap="sq">
@@ -8052,15 +8545,22 @@
             <a:miter/>
           </a:ln>
         </p:spPr>
-      </p:sp>
-      <p:sp>
-        <p:nvSpPr>
-          <p:cNvPr name="Freeform 7" id="7"/>
+        <p:txBody>
+          <a:bodyPr/>
+          <a:lstStyle/>
+          <a:p>
+            <a:endParaRPr lang="en-CL"/>
+          </a:p>
+        </p:txBody>
+      </p:sp>
+      <p:sp>
+        <p:nvSpPr>
+          <p:cNvPr id="7" name="Freeform 7"/>
           <p:cNvSpPr/>
           <p:nvPr/>
         </p:nvSpPr>
         <p:spPr>
-          <a:xfrm flipH="false" flipV="false" rot="937035">
+          <a:xfrm rot="937035">
             <a:off x="15051354" y="-2631688"/>
             <a:ext cx="5638870" cy="3660139"/>
           </a:xfrm>
@@ -8069,9 +8569,9 @@
             <a:gdLst/>
             <a:ahLst/>
             <a:cxnLst/>
-            <a:rect r="r" b="b" t="t" l="l"/>
+            <a:rect l="l" t="t" r="r" b="b"/>
             <a:pathLst>
-              <a:path h="3660139" w="5638870">
+              <a:path w="5638870" h="3660139">
                 <a:moveTo>
                   <a:pt x="0" y="0"/>
                 </a:moveTo>
@@ -8100,7 +8600,7 @@
               </a:extLst>
             </a:blip>
             <a:stretch>
-              <a:fillRect l="0" t="0" r="0" b="0"/>
+              <a:fillRect/>
             </a:stretch>
           </a:blipFill>
           <a:ln cap="sq">
@@ -8109,15 +8609,22 @@
             <a:miter/>
           </a:ln>
         </p:spPr>
-      </p:sp>
-      <p:sp>
-        <p:nvSpPr>
-          <p:cNvPr name="Freeform 8" id="8"/>
+        <p:txBody>
+          <a:bodyPr/>
+          <a:lstStyle/>
+          <a:p>
+            <a:endParaRPr lang="en-CL"/>
+          </a:p>
+        </p:txBody>
+      </p:sp>
+      <p:sp>
+        <p:nvSpPr>
+          <p:cNvPr id="8" name="Freeform 8"/>
           <p:cNvSpPr/>
           <p:nvPr/>
         </p:nvSpPr>
         <p:spPr>
-          <a:xfrm flipH="false" flipV="false" rot="0">
+          <a:xfrm>
             <a:off x="16321534" y="8572166"/>
             <a:ext cx="1966466" cy="1884231"/>
           </a:xfrm>
@@ -8126,9 +8633,9 @@
             <a:gdLst/>
             <a:ahLst/>
             <a:cxnLst/>
-            <a:rect r="r" b="b" t="t" l="l"/>
+            <a:rect l="l" t="t" r="r" b="b"/>
             <a:pathLst>
-              <a:path h="1884231" w="1966466">
+              <a:path w="1966466" h="1884231">
                 <a:moveTo>
                   <a:pt x="0" y="0"/>
                 </a:moveTo>
@@ -8157,7 +8664,7 @@
               </a:extLst>
             </a:blip>
             <a:stretch>
-              <a:fillRect l="0" t="0" r="0" b="0"/>
+              <a:fillRect/>
             </a:stretch>
           </a:blipFill>
           <a:ln cap="sq">
@@ -8166,15 +8673,22 @@
             <a:miter/>
           </a:ln>
         </p:spPr>
+        <p:txBody>
+          <a:bodyPr/>
+          <a:lstStyle/>
+          <a:p>
+            <a:endParaRPr lang="en-CL"/>
+          </a:p>
+        </p:txBody>
       </p:sp>
       <p:grpSp>
         <p:nvGrpSpPr>
-          <p:cNvPr name="Group 9" id="9"/>
+          <p:cNvPr id="9" name="Group 9"/>
           <p:cNvGrpSpPr/>
           <p:nvPr/>
         </p:nvGrpSpPr>
         <p:grpSpPr>
-          <a:xfrm rot="0">
+          <a:xfrm>
             <a:off x="8836862" y="3067172"/>
             <a:ext cx="5191976" cy="2739643"/>
             <a:chOff x="0" y="0"/>
@@ -8183,12 +8697,12 @@
         </p:grpSpPr>
         <p:sp>
           <p:nvSpPr>
-            <p:cNvPr name="Freeform 10" id="10"/>
+            <p:cNvPr id="10" name="Freeform 10"/>
             <p:cNvSpPr/>
             <p:nvPr/>
           </p:nvSpPr>
           <p:spPr>
-            <a:xfrm flipH="false" flipV="false" rot="0">
+            <a:xfrm>
               <a:off x="0" y="0"/>
               <a:ext cx="1682447" cy="887775"/>
             </a:xfrm>
@@ -8197,9 +8711,9 @@
               <a:gdLst/>
               <a:ahLst/>
               <a:cxnLst/>
-              <a:rect r="r" b="b" t="t" l="l"/>
+              <a:rect l="l" t="t" r="r" b="b"/>
               <a:pathLst>
-                <a:path h="887775" w="1682447">
+                <a:path w="1682447" h="887775">
                   <a:moveTo>
                     <a:pt x="58154" y="0"/>
                   </a:moveTo>
@@ -8248,11 +8762,18 @@
               <a:round/>
             </a:ln>
           </p:spPr>
+          <p:txBody>
+            <a:bodyPr/>
+            <a:lstStyle/>
+            <a:p>
+              <a:endParaRPr lang="en-CL"/>
+            </a:p>
+          </p:txBody>
         </p:sp>
         <p:sp>
           <p:nvSpPr>
-            <p:cNvPr name="TextBox 11" id="11"/>
-            <p:cNvSpPr txBox="true"/>
+            <p:cNvPr id="11" name="TextBox 11"/>
+            <p:cNvSpPr txBox="1"/>
             <p:nvPr/>
           </p:nvSpPr>
           <p:spPr>
@@ -8265,7 +8786,7 @@
             </a:prstGeom>
           </p:spPr>
           <p:txBody>
-            <a:bodyPr anchor="ctr" rtlCol="false" tIns="50800" lIns="50800" bIns="50800" rIns="50800"/>
+            <a:bodyPr lIns="50800" tIns="50800" rIns="50800" bIns="50800" rtlCol="0" anchor="ctr"/>
             <a:lstStyle/>
             <a:p>
               <a:pPr algn="ctr">
@@ -8273,18 +8794,19 @@
                   <a:spcPts val="2121"/>
                 </a:lnSpc>
               </a:pPr>
+              <a:endParaRPr/>
             </a:p>
           </p:txBody>
         </p:sp>
       </p:grpSp>
       <p:sp>
         <p:nvSpPr>
-          <p:cNvPr name="Freeform 12" id="12"/>
+          <p:cNvPr id="12" name="Freeform 12"/>
           <p:cNvSpPr/>
           <p:nvPr/>
         </p:nvSpPr>
         <p:spPr>
-          <a:xfrm flipH="false" flipV="false" rot="0">
+          <a:xfrm>
             <a:off x="2694806" y="1028700"/>
             <a:ext cx="4073652" cy="8229600"/>
           </a:xfrm>
@@ -8293,9 +8815,9 @@
             <a:gdLst/>
             <a:ahLst/>
             <a:cxnLst/>
-            <a:rect r="r" b="b" t="t" l="l"/>
+            <a:rect l="l" t="t" r="r" b="b"/>
             <a:pathLst>
-              <a:path h="8229600" w="4073652">
+              <a:path w="4073652" h="8229600">
                 <a:moveTo>
                   <a:pt x="0" y="0"/>
                 </a:moveTo>
@@ -8318,19 +8840,26 @@
           <a:blipFill>
             <a:blip r:embed="rId10"/>
             <a:stretch>
-              <a:fillRect l="0" t="0" r="0" b="0"/>
+              <a:fillRect/>
             </a:stretch>
           </a:blipFill>
         </p:spPr>
-      </p:sp>
-      <p:sp>
-        <p:nvSpPr>
-          <p:cNvPr name="TextBox 13" id="13"/>
-          <p:cNvSpPr txBox="true"/>
-          <p:nvPr/>
-        </p:nvSpPr>
-        <p:spPr>
-          <a:xfrm rot="0">
+        <p:txBody>
+          <a:bodyPr/>
+          <a:lstStyle/>
+          <a:p>
+            <a:endParaRPr lang="en-CL"/>
+          </a:p>
+        </p:txBody>
+      </p:sp>
+      <p:sp>
+        <p:nvSpPr>
+          <p:cNvPr id="13" name="TextBox 13"/>
+          <p:cNvSpPr txBox="1"/>
+          <p:nvPr/>
+        </p:nvSpPr>
+        <p:spPr>
+          <a:xfrm>
             <a:off x="17485454" y="9662274"/>
             <a:ext cx="802546" cy="1182777"/>
           </a:xfrm>
@@ -8339,7 +8868,7 @@
           </a:prstGeom>
         </p:spPr>
         <p:txBody>
-          <a:bodyPr anchor="t" rtlCol="false" tIns="0" lIns="0" bIns="0" rIns="0">
+          <a:bodyPr lIns="0" tIns="0" rIns="0" bIns="0" rtlCol="0" anchor="t">
             <a:spAutoFit/>
           </a:bodyPr>
           <a:lstStyle/>
@@ -8350,7 +8879,7 @@
               </a:lnSpc>
             </a:pPr>
             <a:r>
-              <a:rPr lang="en-US" b="true" sz="3386" spc="74">
+              <a:rPr lang="en-US" sz="3386" b="1" spc="74">
                 <a:solidFill>
                   <a:srgbClr val="D89C6C"/>
                 </a:solidFill>
@@ -8363,7 +8892,7 @@
             </a:r>
           </a:p>
           <a:p>
-            <a:pPr algn="ctr" marL="0" indent="0" lvl="0">
+            <a:pPr marL="0" lvl="0" indent="0" algn="ctr">
               <a:lnSpc>
                 <a:spcPts val="4740"/>
               </a:lnSpc>
@@ -8371,17 +8900,26 @@
                 <a:spcPct val="0"/>
               </a:spcBef>
             </a:pPr>
-          </a:p>
-        </p:txBody>
-      </p:sp>
-      <p:sp>
-        <p:nvSpPr>
-          <p:cNvPr name="TextBox 14" id="14"/>
-          <p:cNvSpPr txBox="true"/>
-          <p:nvPr/>
-        </p:nvSpPr>
-        <p:spPr>
-          <a:xfrm rot="0">
+            <a:endParaRPr lang="en-US" sz="3386" b="1" spc="74">
+              <a:solidFill>
+                <a:srgbClr val="D89C6C"/>
+              </a:solidFill>
+              <a:latin typeface="Glacial Indifference Bold"/>
+              <a:ea typeface="Glacial Indifference Bold"/>
+              <a:cs typeface="Glacial Indifference Bold"/>
+              <a:sym typeface="Glacial Indifference Bold"/>
+            </a:endParaRPr>
+          </a:p>
+        </p:txBody>
+      </p:sp>
+      <p:sp>
+        <p:nvSpPr>
+          <p:cNvPr id="14" name="TextBox 14"/>
+          <p:cNvSpPr txBox="1"/>
+          <p:nvPr/>
+        </p:nvSpPr>
+        <p:spPr>
+          <a:xfrm>
             <a:off x="9086871" y="3029072"/>
             <a:ext cx="4691959" cy="2449431"/>
           </a:xfrm>
@@ -8390,7 +8928,7 @@
           </a:prstGeom>
         </p:spPr>
         <p:txBody>
-          <a:bodyPr anchor="t" rtlCol="false" tIns="0" lIns="0" bIns="0" rIns="0">
+          <a:bodyPr lIns="0" tIns="0" rIns="0" bIns="0" rtlCol="0" anchor="t">
             <a:spAutoFit/>
           </a:bodyPr>
           <a:lstStyle/>
@@ -8400,9 +8938,10 @@
                 <a:spcPts val="2446"/>
               </a:lnSpc>
             </a:pPr>
-          </a:p>
-          <a:p>
-            <a:pPr algn="ctr" marL="377211" indent="-188605" lvl="1">
+            <a:endParaRPr/>
+          </a:p>
+          <a:p>
+            <a:pPr marL="377211" lvl="1" indent="-188605" algn="ctr">
               <a:lnSpc>
                 <a:spcPts val="2446"/>
               </a:lnSpc>
@@ -8428,9 +8967,18 @@
                 <a:spcPts val="2446"/>
               </a:lnSpc>
             </a:pPr>
-          </a:p>
-          <a:p>
-            <a:pPr algn="ctr" marL="377211" indent="-188605" lvl="1">
+            <a:endParaRPr lang="en-US" sz="1747" spc="38">
+              <a:solidFill>
+                <a:srgbClr val="EDE8E4"/>
+              </a:solidFill>
+              <a:latin typeface="Glacial Indifference"/>
+              <a:ea typeface="Glacial Indifference"/>
+              <a:cs typeface="Glacial Indifference"/>
+              <a:sym typeface="Glacial Indifference"/>
+            </a:endParaRPr>
+          </a:p>
+          <a:p>
+            <a:pPr marL="377211" lvl="1" indent="-188605" algn="ctr">
               <a:lnSpc>
                 <a:spcPts val="2446"/>
               </a:lnSpc>
@@ -8456,9 +9004,18 @@
                 <a:spcPts val="2446"/>
               </a:lnSpc>
             </a:pPr>
-          </a:p>
-          <a:p>
-            <a:pPr algn="ctr" marL="377211" indent="-188605" lvl="1">
+            <a:endParaRPr lang="en-US" sz="1747" spc="38">
+              <a:solidFill>
+                <a:srgbClr val="EDE8E4"/>
+              </a:solidFill>
+              <a:latin typeface="Glacial Indifference"/>
+              <a:ea typeface="Glacial Indifference"/>
+              <a:cs typeface="Glacial Indifference"/>
+              <a:sym typeface="Glacial Indifference"/>
+            </a:endParaRPr>
+          </a:p>
+          <a:p>
+            <a:pPr marL="377211" lvl="1" indent="-188605" algn="ctr">
               <a:lnSpc>
                 <a:spcPts val="2446"/>
               </a:lnSpc>
@@ -8485,20 +9042,21 @@
   <p:clrMapOvr>
     <a:masterClrMapping/>
   </p:clrMapOvr>
-  <p:transition spd="fast">
+  <p:transition>
     <p:fade/>
   </p:transition>
 </p:sld>
 </file>
 
 <file path=ppt/slides/slide9.xml><?xml version="1.0" encoding="utf-8"?>
-<p:sld xmlns:p="http://schemas.openxmlformats.org/presentationml/2006/main" xmlns:a="http://schemas.openxmlformats.org/drawingml/2006/main" xmlns:r="http://schemas.openxmlformats.org/officeDocument/2006/relationships">
+<p:sld xmlns:a="http://schemas.openxmlformats.org/drawingml/2006/main" xmlns:r="http://schemas.openxmlformats.org/officeDocument/2006/relationships" xmlns:p="http://schemas.openxmlformats.org/presentationml/2006/main">
   <p:cSld>
     <p:bg>
       <p:bgPr>
         <a:solidFill>
           <a:srgbClr val="EDE8E4"/>
         </a:solidFill>
+        <a:effectLst/>
       </p:bgPr>
     </p:bg>
     <p:spTree>
@@ -8517,12 +9075,12 @@
       </p:grpSpPr>
       <p:grpSp>
         <p:nvGrpSpPr>
-          <p:cNvPr name="Group 2" id="2"/>
+          <p:cNvPr id="2" name="Group 2"/>
           <p:cNvGrpSpPr/>
           <p:nvPr/>
         </p:nvGrpSpPr>
         <p:grpSpPr>
-          <a:xfrm rot="0">
+          <a:xfrm>
             <a:off x="-514350" y="-4664721"/>
             <a:ext cx="19050326" cy="5975359"/>
             <a:chOff x="0" y="0"/>
@@ -8531,12 +9089,12 @@
         </p:grpSpPr>
         <p:sp>
           <p:nvSpPr>
-            <p:cNvPr name="Freeform 3" id="3"/>
+            <p:cNvPr id="3" name="Freeform 3"/>
             <p:cNvSpPr/>
             <p:nvPr/>
           </p:nvSpPr>
           <p:spPr>
-            <a:xfrm flipH="false" flipV="false" rot="0">
+            <a:xfrm>
               <a:off x="0" y="0"/>
               <a:ext cx="5017370" cy="1573757"/>
             </a:xfrm>
@@ -8545,9 +9103,9 @@
               <a:gdLst/>
               <a:ahLst/>
               <a:cxnLst/>
-              <a:rect r="r" b="b" t="t" l="l"/>
+              <a:rect l="l" t="t" r="r" b="b"/>
               <a:pathLst>
-                <a:path h="1573757" w="5017370">
+                <a:path w="5017370" h="1573757">
                   <a:moveTo>
                     <a:pt x="0" y="0"/>
                   </a:moveTo>
@@ -8573,11 +9131,18 @@
               <a:miter/>
             </a:ln>
           </p:spPr>
+          <p:txBody>
+            <a:bodyPr/>
+            <a:lstStyle/>
+            <a:p>
+              <a:endParaRPr lang="en-CL"/>
+            </a:p>
+          </p:txBody>
         </p:sp>
         <p:sp>
           <p:nvSpPr>
-            <p:cNvPr name="TextBox 4" id="4"/>
-            <p:cNvSpPr txBox="true"/>
+            <p:cNvPr id="4" name="TextBox 4"/>
+            <p:cNvSpPr txBox="1"/>
             <p:nvPr/>
           </p:nvSpPr>
           <p:spPr>
@@ -8590,7 +9155,7 @@
             </a:prstGeom>
           </p:spPr>
           <p:txBody>
-            <a:bodyPr anchor="ctr" rtlCol="false" tIns="50800" lIns="50800" bIns="50800" rIns="50800"/>
+            <a:bodyPr lIns="50800" tIns="50800" rIns="50800" bIns="50800" rtlCol="0" anchor="ctr"/>
             <a:lstStyle/>
             <a:p>
               <a:pPr algn="ctr">
@@ -8598,18 +9163,19 @@
                   <a:spcPts val="2121"/>
                 </a:lnSpc>
               </a:pPr>
+              <a:endParaRPr/>
             </a:p>
           </p:txBody>
         </p:sp>
       </p:grpSp>
       <p:sp>
         <p:nvSpPr>
-          <p:cNvPr name="TextBox 5" id="5"/>
-          <p:cNvSpPr txBox="true"/>
-          <p:nvPr/>
-        </p:nvSpPr>
-        <p:spPr>
-          <a:xfrm rot="0">
+          <p:cNvPr id="5" name="TextBox 5"/>
+          <p:cNvSpPr txBox="1"/>
+          <p:nvPr/>
+        </p:nvSpPr>
+        <p:spPr>
+          <a:xfrm>
             <a:off x="789773" y="92367"/>
             <a:ext cx="15868398" cy="1252164"/>
           </a:xfrm>
@@ -8618,7 +9184,7 @@
           </a:prstGeom>
         </p:spPr>
         <p:txBody>
-          <a:bodyPr anchor="t" rtlCol="false" tIns="0" lIns="0" bIns="0" rIns="0">
+          <a:bodyPr lIns="0" tIns="0" rIns="0" bIns="0" rtlCol="0" anchor="t">
             <a:spAutoFit/>
           </a:bodyPr>
           <a:lstStyle/>
@@ -8629,7 +9195,7 @@
               </a:lnSpc>
             </a:pPr>
             <a:r>
-              <a:rPr lang="en-US" b="true" sz="7327" spc="688">
+              <a:rPr lang="en-US" sz="7327" b="1" spc="688">
                 <a:solidFill>
                   <a:srgbClr val="EDE8E4"/>
                 </a:solidFill>
@@ -8645,12 +9211,12 @@
       </p:sp>
       <p:sp>
         <p:nvSpPr>
-          <p:cNvPr name="Freeform 6" id="6"/>
+          <p:cNvPr id="6" name="Freeform 6"/>
           <p:cNvSpPr/>
           <p:nvPr/>
         </p:nvSpPr>
         <p:spPr>
-          <a:xfrm flipH="false" flipV="false" rot="0">
+          <a:xfrm>
             <a:off x="16519364" y="-2547518"/>
             <a:ext cx="5428901" cy="4392475"/>
           </a:xfrm>
@@ -8659,9 +9225,9 @@
             <a:gdLst/>
             <a:ahLst/>
             <a:cxnLst/>
-            <a:rect r="r" b="b" t="t" l="l"/>
+            <a:rect l="l" t="t" r="r" b="b"/>
             <a:pathLst>
-              <a:path h="4392475" w="5428901">
+              <a:path w="5428901" h="4392475">
                 <a:moveTo>
                   <a:pt x="0" y="0"/>
                 </a:moveTo>
@@ -8690,7 +9256,7 @@
               </a:extLst>
             </a:blip>
             <a:stretch>
-              <a:fillRect l="0" t="0" r="0" b="0"/>
+              <a:fillRect/>
             </a:stretch>
           </a:blipFill>
           <a:ln cap="sq">
@@ -8699,15 +9265,22 @@
             <a:miter/>
           </a:ln>
         </p:spPr>
-      </p:sp>
-      <p:sp>
-        <p:nvSpPr>
-          <p:cNvPr name="Freeform 7" id="7"/>
+        <p:txBody>
+          <a:bodyPr/>
+          <a:lstStyle/>
+          <a:p>
+            <a:endParaRPr lang="en-CL"/>
+          </a:p>
+        </p:txBody>
+      </p:sp>
+      <p:sp>
+        <p:nvSpPr>
+          <p:cNvPr id="7" name="Freeform 7"/>
           <p:cNvSpPr/>
           <p:nvPr/>
         </p:nvSpPr>
         <p:spPr>
-          <a:xfrm flipH="false" flipV="false" rot="0">
+          <a:xfrm>
             <a:off x="-160316" y="-1141475"/>
             <a:ext cx="1488904" cy="1931362"/>
           </a:xfrm>
@@ -8716,9 +9289,9 @@
             <a:gdLst/>
             <a:ahLst/>
             <a:cxnLst/>
-            <a:rect r="r" b="b" t="t" l="l"/>
+            <a:rect l="l" t="t" r="r" b="b"/>
             <a:pathLst>
-              <a:path h="1931362" w="1488904">
+              <a:path w="1488904" h="1931362">
                 <a:moveTo>
                   <a:pt x="0" y="0"/>
                 </a:moveTo>
@@ -8747,19 +9320,26 @@
               </a:extLst>
             </a:blip>
             <a:stretch>
-              <a:fillRect l="0" t="0" r="0" b="0"/>
+              <a:fillRect/>
             </a:stretch>
           </a:blipFill>
         </p:spPr>
-      </p:sp>
-      <p:sp>
-        <p:nvSpPr>
-          <p:cNvPr name="Freeform 8" id="8"/>
+        <p:txBody>
+          <a:bodyPr/>
+          <a:lstStyle/>
+          <a:p>
+            <a:endParaRPr lang="en-CL"/>
+          </a:p>
+        </p:txBody>
+      </p:sp>
+      <p:sp>
+        <p:nvSpPr>
+          <p:cNvPr id="8" name="Freeform 8"/>
           <p:cNvSpPr/>
           <p:nvPr/>
         </p:nvSpPr>
         <p:spPr>
-          <a:xfrm flipH="false" flipV="false" rot="0">
+          <a:xfrm>
             <a:off x="-886993" y="-175794"/>
             <a:ext cx="1488904" cy="1931362"/>
           </a:xfrm>
@@ -8768,9 +9348,9 @@
             <a:gdLst/>
             <a:ahLst/>
             <a:cxnLst/>
-            <a:rect r="r" b="b" t="t" l="l"/>
+            <a:rect l="l" t="t" r="r" b="b"/>
             <a:pathLst>
-              <a:path h="1931362" w="1488904">
+              <a:path w="1488904" h="1931362">
                 <a:moveTo>
                   <a:pt x="0" y="0"/>
                 </a:moveTo>
@@ -8799,19 +9379,26 @@
               </a:extLst>
             </a:blip>
             <a:stretch>
-              <a:fillRect l="0" t="0" r="0" b="0"/>
+              <a:fillRect/>
             </a:stretch>
           </a:blipFill>
         </p:spPr>
-      </p:sp>
-      <p:sp>
-        <p:nvSpPr>
-          <p:cNvPr name="TextBox 9" id="9"/>
-          <p:cNvSpPr txBox="true"/>
-          <p:nvPr/>
-        </p:nvSpPr>
-        <p:spPr>
-          <a:xfrm rot="0">
+        <p:txBody>
+          <a:bodyPr/>
+          <a:lstStyle/>
+          <a:p>
+            <a:endParaRPr lang="en-CL"/>
+          </a:p>
+        </p:txBody>
+      </p:sp>
+      <p:sp>
+        <p:nvSpPr>
+          <p:cNvPr id="9" name="TextBox 9"/>
+          <p:cNvSpPr txBox="1"/>
+          <p:nvPr/>
+        </p:nvSpPr>
+        <p:spPr>
+          <a:xfrm>
             <a:off x="17485454" y="9662274"/>
             <a:ext cx="802546" cy="1182777"/>
           </a:xfrm>
@@ -8820,7 +9407,7 @@
           </a:prstGeom>
         </p:spPr>
         <p:txBody>
-          <a:bodyPr anchor="t" rtlCol="false" tIns="0" lIns="0" bIns="0" rIns="0">
+          <a:bodyPr lIns="0" tIns="0" rIns="0" bIns="0" rtlCol="0" anchor="t">
             <a:spAutoFit/>
           </a:bodyPr>
           <a:lstStyle/>
@@ -8831,7 +9418,7 @@
               </a:lnSpc>
             </a:pPr>
             <a:r>
-              <a:rPr lang="en-US" b="true" sz="3386" spc="74">
+              <a:rPr lang="en-US" sz="3386" b="1" spc="74">
                 <a:solidFill>
                   <a:srgbClr val="000000"/>
                 </a:solidFill>
@@ -8844,7 +9431,7 @@
             </a:r>
           </a:p>
           <a:p>
-            <a:pPr algn="ctr" marL="0" indent="0" lvl="0">
+            <a:pPr marL="0" lvl="0" indent="0" algn="ctr">
               <a:lnSpc>
                 <a:spcPts val="4740"/>
               </a:lnSpc>
@@ -8852,17 +9439,26 @@
                 <a:spcPct val="0"/>
               </a:spcBef>
             </a:pPr>
+            <a:endParaRPr lang="en-US" sz="3386" b="1" spc="74">
+              <a:solidFill>
+                <a:srgbClr val="000000"/>
+              </a:solidFill>
+              <a:latin typeface="Glacial Indifference Bold"/>
+              <a:ea typeface="Glacial Indifference Bold"/>
+              <a:cs typeface="Glacial Indifference Bold"/>
+              <a:sym typeface="Glacial Indifference Bold"/>
+            </a:endParaRPr>
           </a:p>
         </p:txBody>
       </p:sp>
       <p:grpSp>
         <p:nvGrpSpPr>
-          <p:cNvPr name="Group 10" id="10"/>
+          <p:cNvPr id="10" name="Group 10"/>
           <p:cNvGrpSpPr/>
           <p:nvPr/>
         </p:nvGrpSpPr>
         <p:grpSpPr>
-          <a:xfrm rot="0">
+          <a:xfrm>
             <a:off x="636244" y="2016728"/>
             <a:ext cx="2766228" cy="2280385"/>
             <a:chOff x="0" y="0"/>
@@ -8871,12 +9467,12 @@
         </p:grpSpPr>
         <p:sp>
           <p:nvSpPr>
-            <p:cNvPr name="Freeform 11" id="11"/>
+            <p:cNvPr id="11" name="Freeform 11"/>
             <p:cNvSpPr/>
             <p:nvPr/>
           </p:nvSpPr>
           <p:spPr>
-            <a:xfrm flipH="false" flipV="false" rot="0">
+            <a:xfrm>
               <a:off x="0" y="0"/>
               <a:ext cx="812800" cy="670045"/>
             </a:xfrm>
@@ -8885,9 +9481,9 @@
               <a:gdLst/>
               <a:ahLst/>
               <a:cxnLst/>
-              <a:rect r="r" b="b" t="t" l="l"/>
+              <a:rect l="l" t="t" r="r" b="b"/>
               <a:pathLst>
-                <a:path h="670045" w="812800">
+                <a:path w="812800" h="670045">
                   <a:moveTo>
                     <a:pt x="72767" y="0"/>
                   </a:moveTo>
@@ -8951,11 +9547,18 @@
               <a:srgbClr val="EDE8E4"/>
             </a:solidFill>
           </p:spPr>
+          <p:txBody>
+            <a:bodyPr/>
+            <a:lstStyle/>
+            <a:p>
+              <a:endParaRPr lang="en-CL"/>
+            </a:p>
+          </p:txBody>
         </p:sp>
         <p:sp>
           <p:nvSpPr>
-            <p:cNvPr name="TextBox 12" id="12"/>
-            <p:cNvSpPr txBox="true"/>
+            <p:cNvPr id="12" name="TextBox 12"/>
+            <p:cNvSpPr txBox="1"/>
             <p:nvPr/>
           </p:nvSpPr>
           <p:spPr>
@@ -8968,7 +9571,7 @@
             </a:prstGeom>
           </p:spPr>
           <p:txBody>
-            <a:bodyPr anchor="ctr" rtlCol="false" tIns="50800" lIns="50800" bIns="50800" rIns="50800"/>
+            <a:bodyPr lIns="50800" tIns="50800" rIns="50800" bIns="50800" rtlCol="0" anchor="ctr"/>
             <a:lstStyle/>
             <a:p>
               <a:pPr algn="ctr">
@@ -8976,18 +9579,19 @@
                   <a:spcPts val="2121"/>
                 </a:lnSpc>
               </a:pPr>
+              <a:endParaRPr/>
             </a:p>
           </p:txBody>
         </p:sp>
       </p:grpSp>
       <p:sp>
         <p:nvSpPr>
-          <p:cNvPr name="TextBox 13" id="13"/>
-          <p:cNvSpPr txBox="true"/>
-          <p:nvPr/>
-        </p:nvSpPr>
-        <p:spPr>
-          <a:xfrm rot="0">
+          <p:cNvPr id="13" name="TextBox 13"/>
+          <p:cNvSpPr txBox="1"/>
+          <p:nvPr/>
+        </p:nvSpPr>
+        <p:spPr>
+          <a:xfrm>
             <a:off x="368837" y="2269503"/>
             <a:ext cx="3374594" cy="732892"/>
           </a:xfrm>
@@ -8996,7 +9600,7 @@
           </a:prstGeom>
         </p:spPr>
         <p:txBody>
-          <a:bodyPr anchor="t" rtlCol="false" tIns="0" lIns="0" bIns="0" rIns="0">
+          <a:bodyPr lIns="0" tIns="0" rIns="0" bIns="0" rtlCol="0" anchor="t">
             <a:spAutoFit/>
           </a:bodyPr>
           <a:lstStyle/>
@@ -9007,7 +9611,7 @@
               </a:lnSpc>
             </a:pPr>
             <a:r>
-              <a:rPr lang="en-US" b="true" sz="2076" spc="20">
+              <a:rPr lang="en-US" sz="2076" b="1" spc="20">
                 <a:solidFill>
                   <a:srgbClr val="253754"/>
                 </a:solidFill>
@@ -9023,12 +9627,12 @@
       </p:sp>
       <p:sp>
         <p:nvSpPr>
-          <p:cNvPr name="TextBox 14" id="14"/>
-          <p:cNvSpPr txBox="true"/>
-          <p:nvPr/>
-        </p:nvSpPr>
-        <p:spPr>
-          <a:xfrm rot="0">
+          <p:cNvPr id="14" name="TextBox 14"/>
+          <p:cNvSpPr txBox="1"/>
+          <p:nvPr/>
+        </p:nvSpPr>
+        <p:spPr>
+          <a:xfrm>
             <a:off x="1479019" y="1340707"/>
             <a:ext cx="1080678" cy="1068159"/>
           </a:xfrm>
@@ -9037,7 +9641,7 @@
           </a:prstGeom>
         </p:spPr>
         <p:txBody>
-          <a:bodyPr anchor="t" rtlCol="false" tIns="0" lIns="0" bIns="0" rIns="0">
+          <a:bodyPr lIns="0" tIns="0" rIns="0" bIns="0" rtlCol="0" anchor="t">
             <a:spAutoFit/>
           </a:bodyPr>
           <a:lstStyle/>
@@ -9048,7 +9652,7 @@
               </a:lnSpc>
             </a:pPr>
             <a:r>
-              <a:rPr lang="en-US" b="true" sz="6203" spc="583">
+              <a:rPr lang="en-US" sz="6203" b="1" spc="583">
                 <a:solidFill>
                   <a:srgbClr val="D89C6C"/>
                 </a:solidFill>
@@ -9064,12 +9668,12 @@
       </p:sp>
       <p:sp>
         <p:nvSpPr>
-          <p:cNvPr name="TextBox 15" id="15"/>
-          <p:cNvSpPr txBox="true"/>
-          <p:nvPr/>
-        </p:nvSpPr>
-        <p:spPr>
-          <a:xfrm rot="0">
+          <p:cNvPr id="15" name="TextBox 15"/>
+          <p:cNvSpPr txBox="1"/>
+          <p:nvPr/>
+        </p:nvSpPr>
+        <p:spPr>
+          <a:xfrm>
             <a:off x="862195" y="3038869"/>
             <a:ext cx="2387877" cy="1196222"/>
           </a:xfrm>
@@ -9078,7 +9682,7 @@
           </a:prstGeom>
         </p:spPr>
         <p:txBody>
-          <a:bodyPr anchor="t" rtlCol="false" tIns="0" lIns="0" bIns="0" rIns="0">
+          <a:bodyPr lIns="0" tIns="0" rIns="0" bIns="0" rtlCol="0" anchor="t">
             <a:spAutoFit/>
           </a:bodyPr>
           <a:lstStyle/>
@@ -9098,19 +9702,7 @@
                 <a:cs typeface="Glacial Indifference"/>
                 <a:sym typeface="Glacial Indifference"/>
               </a:rPr>
-              <a:t> </a:t>
-            </a:r>
-            <a:r>
-              <a:rPr lang="en-US" sz="1363" spc="29">
-                <a:solidFill>
-                  <a:srgbClr val="152540"/>
-                </a:solidFill>
-                <a:latin typeface="Glacial Indifference"/>
-                <a:ea typeface="Glacial Indifference"/>
-                <a:cs typeface="Glacial Indifference"/>
-                <a:sym typeface="Glacial Indifference"/>
-              </a:rPr>
-              <a:t>ALTER TABLE consultorio_paciente</a:t>
+              <a:t> ALTER TABLE consultorio_paciente</a:t>
             </a:r>
           </a:p>
           <a:p>
@@ -9138,41 +9730,57 @@
                 <a:spcPts val="1909"/>
               </a:lnSpc>
             </a:pPr>
-          </a:p>
-        </p:txBody>
-      </p:sp>
-      <p:sp>
-        <p:nvSpPr>
-          <p:cNvPr name="AutoShape 16" id="16"/>
+            <a:endParaRPr lang="en-US" sz="1363" spc="29">
+              <a:solidFill>
+                <a:srgbClr val="152540"/>
+              </a:solidFill>
+              <a:latin typeface="Glacial Indifference"/>
+              <a:ea typeface="Glacial Indifference"/>
+              <a:cs typeface="Glacial Indifference"/>
+              <a:sym typeface="Glacial Indifference"/>
+            </a:endParaRPr>
+          </a:p>
+        </p:txBody>
+      </p:sp>
+      <p:sp>
+        <p:nvSpPr>
+          <p:cNvPr id="16" name="AutoShape 16"/>
           <p:cNvSpPr/>
           <p:nvPr/>
         </p:nvSpPr>
         <p:spPr>
-          <a:xfrm flipV="true">
+          <a:xfrm flipV="1">
             <a:off x="757390" y="3011920"/>
             <a:ext cx="2546410" cy="0"/>
           </a:xfrm>
           <a:prstGeom prst="line">
             <a:avLst/>
           </a:prstGeom>
-          <a:ln cap="flat" w="19050">
+          <a:ln w="19050" cap="flat">
             <a:solidFill>
               <a:srgbClr val="253754"/>
             </a:solidFill>
             <a:prstDash val="solid"/>
-            <a:headEnd type="none" len="sm" w="sm"/>
-            <a:tailEnd type="none" len="sm" w="sm"/>
+            <a:headEnd type="none" w="sm" len="sm"/>
+            <a:tailEnd type="none" w="sm" len="sm"/>
           </a:ln>
         </p:spPr>
+        <p:txBody>
+          <a:bodyPr/>
+          <a:lstStyle/>
+          <a:p>
+            <a:endParaRPr lang="en-CL"/>
+          </a:p>
+        </p:txBody>
       </p:sp>
       <p:grpSp>
         <p:nvGrpSpPr>
-          <p:cNvPr name="Group 17" id="17"/>
+          <p:cNvPr id="17" name="Group 17"/>
           <p:cNvGrpSpPr/>
           <p:nvPr/>
         </p:nvGrpSpPr>
         <p:grpSpPr>
-          <a:xfrm rot="0">
+          <a:xfrm>
             <a:off x="10421141" y="6635252"/>
             <a:ext cx="2766228" cy="2280385"/>
             <a:chOff x="0" y="0"/>
@@ -9181,12 +9789,12 @@
         </p:grpSpPr>
         <p:sp>
           <p:nvSpPr>
-            <p:cNvPr name="Freeform 18" id="18"/>
+            <p:cNvPr id="18" name="Freeform 18"/>
             <p:cNvSpPr/>
             <p:nvPr/>
           </p:nvSpPr>
           <p:spPr>
-            <a:xfrm flipH="false" flipV="false" rot="0">
+            <a:xfrm>
               <a:off x="0" y="0"/>
               <a:ext cx="812800" cy="670045"/>
             </a:xfrm>
@@ -9195,9 +9803,9 @@
               <a:gdLst/>
               <a:ahLst/>
               <a:cxnLst/>
-              <a:rect r="r" b="b" t="t" l="l"/>
+              <a:rect l="l" t="t" r="r" b="b"/>
               <a:pathLst>
-                <a:path h="670045" w="812800">
+                <a:path w="812800" h="670045">
                   <a:moveTo>
                     <a:pt x="72767" y="0"/>
                   </a:moveTo>
@@ -9261,11 +9869,18 @@
               <a:srgbClr val="EDE8E4"/>
             </a:solidFill>
           </p:spPr>
+          <p:txBody>
+            <a:bodyPr/>
+            <a:lstStyle/>
+            <a:p>
+              <a:endParaRPr lang="en-CL"/>
+            </a:p>
+          </p:txBody>
         </p:sp>
         <p:sp>
           <p:nvSpPr>
-            <p:cNvPr name="TextBox 19" id="19"/>
-            <p:cNvSpPr txBox="true"/>
+            <p:cNvPr id="19" name="TextBox 19"/>
+            <p:cNvSpPr txBox="1"/>
             <p:nvPr/>
           </p:nvSpPr>
           <p:spPr>
@@ -9278,7 +9893,7 @@
             </a:prstGeom>
           </p:spPr>
           <p:txBody>
-            <a:bodyPr anchor="ctr" rtlCol="false" tIns="50800" lIns="50800" bIns="50800" rIns="50800"/>
+            <a:bodyPr lIns="50800" tIns="50800" rIns="50800" bIns="50800" rtlCol="0" anchor="ctr"/>
             <a:lstStyle/>
             <a:p>
               <a:pPr algn="ctr">
@@ -9286,18 +9901,19 @@
                   <a:spcPts val="2121"/>
                 </a:lnSpc>
               </a:pPr>
+              <a:endParaRPr/>
             </a:p>
           </p:txBody>
         </p:sp>
       </p:grpSp>
       <p:sp>
         <p:nvSpPr>
-          <p:cNvPr name="TextBox 20" id="20"/>
-          <p:cNvSpPr txBox="true"/>
-          <p:nvPr/>
-        </p:nvSpPr>
-        <p:spPr>
-          <a:xfrm rot="0">
+          <p:cNvPr id="20" name="TextBox 20"/>
+          <p:cNvSpPr txBox="1"/>
+          <p:nvPr/>
+        </p:nvSpPr>
+        <p:spPr>
+          <a:xfrm>
             <a:off x="10624618" y="6888026"/>
             <a:ext cx="2359274" cy="363886"/>
           </a:xfrm>
@@ -9306,7 +9922,7 @@
           </a:prstGeom>
         </p:spPr>
         <p:txBody>
-          <a:bodyPr anchor="t" rtlCol="false" tIns="0" lIns="0" bIns="0" rIns="0">
+          <a:bodyPr lIns="0" tIns="0" rIns="0" bIns="0" rtlCol="0" anchor="t">
             <a:spAutoFit/>
           </a:bodyPr>
           <a:lstStyle/>
@@ -9317,7 +9933,7 @@
               </a:lnSpc>
             </a:pPr>
             <a:r>
-              <a:rPr lang="en-US" b="true" sz="2076" spc="20">
+              <a:rPr lang="en-US" sz="2076" b="1" spc="20">
                 <a:solidFill>
                   <a:srgbClr val="253754"/>
                 </a:solidFill>
@@ -9333,21 +9949,21 @@
       </p:sp>
       <p:sp>
         <p:nvSpPr>
-          <p:cNvPr name="TextBox 21" id="21"/>
-          <p:cNvSpPr txBox="true"/>
-          <p:nvPr/>
-        </p:nvSpPr>
-        <p:spPr>
-          <a:xfrm rot="0">
-            <a:off x="11263916" y="5997330"/>
-            <a:ext cx="1080678" cy="1068159"/>
+          <p:cNvPr id="21" name="TextBox 21"/>
+          <p:cNvSpPr txBox="1"/>
+          <p:nvPr/>
+        </p:nvSpPr>
+        <p:spPr>
+          <a:xfrm>
+            <a:off x="11263915" y="5997330"/>
+            <a:ext cx="1255601" cy="1068159"/>
           </a:xfrm>
           <a:prstGeom prst="rect">
             <a:avLst/>
           </a:prstGeom>
         </p:spPr>
         <p:txBody>
-          <a:bodyPr anchor="t" rtlCol="false" tIns="0" lIns="0" bIns="0" rIns="0">
+          <a:bodyPr wrap="square" lIns="0" tIns="0" rIns="0" bIns="0" rtlCol="0" anchor="t">
             <a:spAutoFit/>
           </a:bodyPr>
           <a:lstStyle/>
@@ -9358,7 +9974,7 @@
               </a:lnSpc>
             </a:pPr>
             <a:r>
-              <a:rPr lang="en-US" b="true" sz="6203" spc="583">
+              <a:rPr lang="en-US" sz="6203" b="1" spc="583" dirty="0">
                 <a:solidFill>
                   <a:srgbClr val="D89C6C"/>
                 </a:solidFill>
@@ -9374,7 +9990,7 @@
       </p:sp>
       <p:sp>
         <p:nvSpPr>
-          <p:cNvPr name="AutoShape 22" id="22"/>
+          <p:cNvPr id="22" name="AutoShape 22"/>
           <p:cNvSpPr/>
           <p:nvPr/>
         </p:nvSpPr>
@@ -9386,24 +10002,31 @@
           <a:prstGeom prst="line">
             <a:avLst/>
           </a:prstGeom>
-          <a:ln cap="flat" w="19050">
+          <a:ln w="19050" cap="flat">
             <a:solidFill>
               <a:srgbClr val="253754"/>
             </a:solidFill>
             <a:prstDash val="solid"/>
-            <a:headEnd type="none" len="sm" w="sm"/>
-            <a:tailEnd type="none" len="sm" w="sm"/>
+            <a:headEnd type="none" w="sm" len="sm"/>
+            <a:tailEnd type="none" w="sm" len="sm"/>
           </a:ln>
         </p:spPr>
+        <p:txBody>
+          <a:bodyPr/>
+          <a:lstStyle/>
+          <a:p>
+            <a:endParaRPr lang="en-CL"/>
+          </a:p>
+        </p:txBody>
       </p:sp>
       <p:grpSp>
         <p:nvGrpSpPr>
-          <p:cNvPr name="Group 23" id="23"/>
+          <p:cNvPr id="23" name="Group 23"/>
           <p:cNvGrpSpPr/>
           <p:nvPr/>
         </p:nvGrpSpPr>
         <p:grpSpPr>
-          <a:xfrm rot="0">
+          <a:xfrm>
             <a:off x="14784532" y="6635252"/>
             <a:ext cx="2766228" cy="2280385"/>
             <a:chOff x="0" y="0"/>
@@ -9412,12 +10035,12 @@
         </p:grpSpPr>
         <p:sp>
           <p:nvSpPr>
-            <p:cNvPr name="Freeform 24" id="24"/>
+            <p:cNvPr id="24" name="Freeform 24"/>
             <p:cNvSpPr/>
             <p:nvPr/>
           </p:nvSpPr>
           <p:spPr>
-            <a:xfrm flipH="false" flipV="false" rot="0">
+            <a:xfrm>
               <a:off x="0" y="0"/>
               <a:ext cx="812800" cy="670045"/>
             </a:xfrm>
@@ -9426,9 +10049,9 @@
               <a:gdLst/>
               <a:ahLst/>
               <a:cxnLst/>
-              <a:rect r="r" b="b" t="t" l="l"/>
+              <a:rect l="l" t="t" r="r" b="b"/>
               <a:pathLst>
-                <a:path h="670045" w="812800">
+                <a:path w="812800" h="670045">
                   <a:moveTo>
                     <a:pt x="72767" y="0"/>
                   </a:moveTo>
@@ -9492,11 +10115,18 @@
               <a:srgbClr val="EDE8E4"/>
             </a:solidFill>
           </p:spPr>
+          <p:txBody>
+            <a:bodyPr/>
+            <a:lstStyle/>
+            <a:p>
+              <a:endParaRPr lang="en-CL"/>
+            </a:p>
+          </p:txBody>
         </p:sp>
         <p:sp>
           <p:nvSpPr>
-            <p:cNvPr name="TextBox 25" id="25"/>
-            <p:cNvSpPr txBox="true"/>
+            <p:cNvPr id="25" name="TextBox 25"/>
+            <p:cNvSpPr txBox="1"/>
             <p:nvPr/>
           </p:nvSpPr>
           <p:spPr>
@@ -9509,7 +10139,7 @@
             </a:prstGeom>
           </p:spPr>
           <p:txBody>
-            <a:bodyPr anchor="ctr" rtlCol="false" tIns="50800" lIns="50800" bIns="50800" rIns="50800"/>
+            <a:bodyPr lIns="50800" tIns="50800" rIns="50800" bIns="50800" rtlCol="0" anchor="ctr"/>
             <a:lstStyle/>
             <a:p>
               <a:pPr algn="ctr">
@@ -9517,18 +10147,19 @@
                   <a:spcPts val="2121"/>
                 </a:lnSpc>
               </a:pPr>
+              <a:endParaRPr/>
             </a:p>
           </p:txBody>
         </p:sp>
       </p:grpSp>
       <p:sp>
         <p:nvSpPr>
-          <p:cNvPr name="TextBox 26" id="26"/>
-          <p:cNvSpPr txBox="true"/>
-          <p:nvPr/>
-        </p:nvSpPr>
-        <p:spPr>
-          <a:xfrm rot="0">
+          <p:cNvPr id="26" name="TextBox 26"/>
+          <p:cNvSpPr txBox="1"/>
+          <p:nvPr/>
+        </p:nvSpPr>
+        <p:spPr>
+          <a:xfrm>
             <a:off x="14988010" y="6888026"/>
             <a:ext cx="2359274" cy="363886"/>
           </a:xfrm>
@@ -9537,7 +10168,7 @@
           </a:prstGeom>
         </p:spPr>
         <p:txBody>
-          <a:bodyPr anchor="t" rtlCol="false" tIns="0" lIns="0" bIns="0" rIns="0">
+          <a:bodyPr lIns="0" tIns="0" rIns="0" bIns="0" rtlCol="0" anchor="t">
             <a:spAutoFit/>
           </a:bodyPr>
           <a:lstStyle/>
@@ -9548,7 +10179,7 @@
               </a:lnSpc>
             </a:pPr>
             <a:r>
-              <a:rPr lang="en-US" b="true" sz="2076" spc="20">
+              <a:rPr lang="en-US" sz="2076" b="1" spc="20">
                 <a:solidFill>
                   <a:srgbClr val="253754"/>
                 </a:solidFill>
@@ -9564,12 +10195,12 @@
       </p:sp>
       <p:sp>
         <p:nvSpPr>
-          <p:cNvPr name="TextBox 27" id="27"/>
-          <p:cNvSpPr txBox="true"/>
-          <p:nvPr/>
-        </p:nvSpPr>
-        <p:spPr>
-          <a:xfrm rot="0">
+          <p:cNvPr id="27" name="TextBox 27"/>
+          <p:cNvSpPr txBox="1"/>
+          <p:nvPr/>
+        </p:nvSpPr>
+        <p:spPr>
+          <a:xfrm>
             <a:off x="15627307" y="5997330"/>
             <a:ext cx="1080678" cy="1068159"/>
           </a:xfrm>
@@ -9578,7 +10209,7 @@
           </a:prstGeom>
         </p:spPr>
         <p:txBody>
-          <a:bodyPr anchor="t" rtlCol="false" tIns="0" lIns="0" bIns="0" rIns="0">
+          <a:bodyPr lIns="0" tIns="0" rIns="0" bIns="0" rtlCol="0" anchor="t">
             <a:spAutoFit/>
           </a:bodyPr>
           <a:lstStyle/>
@@ -9589,7 +10220,7 @@
               </a:lnSpc>
             </a:pPr>
             <a:r>
-              <a:rPr lang="en-US" b="true" sz="6203" spc="583">
+              <a:rPr lang="en-US" sz="6203" b="1" spc="583">
                 <a:solidFill>
                   <a:srgbClr val="D89C6C"/>
                 </a:solidFill>
@@ -9605,7 +10236,7 @@
       </p:sp>
       <p:sp>
         <p:nvSpPr>
-          <p:cNvPr name="AutoShape 28" id="28"/>
+          <p:cNvPr id="28" name="AutoShape 28"/>
           <p:cNvSpPr/>
           <p:nvPr/>
         </p:nvSpPr>
@@ -9617,24 +10248,31 @@
           <a:prstGeom prst="line">
             <a:avLst/>
           </a:prstGeom>
-          <a:ln cap="flat" w="19050">
+          <a:ln w="19050" cap="flat">
             <a:solidFill>
               <a:srgbClr val="253754"/>
             </a:solidFill>
             <a:prstDash val="solid"/>
-            <a:headEnd type="none" len="sm" w="sm"/>
-            <a:tailEnd type="none" len="sm" w="sm"/>
+            <a:headEnd type="none" w="sm" len="sm"/>
+            <a:tailEnd type="none" w="sm" len="sm"/>
           </a:ln>
         </p:spPr>
-      </p:sp>
-      <p:sp>
-        <p:nvSpPr>
-          <p:cNvPr name="TextBox 29" id="29"/>
-          <p:cNvSpPr txBox="true"/>
-          <p:nvPr/>
-        </p:nvSpPr>
-        <p:spPr>
-          <a:xfrm rot="0">
+        <p:txBody>
+          <a:bodyPr/>
+          <a:lstStyle/>
+          <a:p>
+            <a:endParaRPr lang="en-CL"/>
+          </a:p>
+        </p:txBody>
+      </p:sp>
+      <p:sp>
+        <p:nvSpPr>
+          <p:cNvPr id="29" name="TextBox 29"/>
+          <p:cNvSpPr txBox="1"/>
+          <p:nvPr/>
+        </p:nvSpPr>
+        <p:spPr>
+          <a:xfrm>
             <a:off x="10624618" y="7416683"/>
             <a:ext cx="2387877" cy="480568"/>
           </a:xfrm>
@@ -9643,7 +10281,7 @@
           </a:prstGeom>
         </p:spPr>
         <p:txBody>
-          <a:bodyPr anchor="t" rtlCol="false" tIns="0" lIns="0" bIns="0" rIns="0">
+          <a:bodyPr lIns="0" tIns="0" rIns="0" bIns="0" rtlCol="0" anchor="t">
             <a:spAutoFit/>
           </a:bodyPr>
           <a:lstStyle/>
@@ -9670,12 +10308,12 @@
       </p:sp>
       <p:sp>
         <p:nvSpPr>
-          <p:cNvPr name="TextBox 30" id="30"/>
-          <p:cNvSpPr txBox="true"/>
-          <p:nvPr/>
-        </p:nvSpPr>
-        <p:spPr>
-          <a:xfrm rot="0">
+          <p:cNvPr id="30" name="TextBox 30"/>
+          <p:cNvSpPr txBox="1"/>
+          <p:nvPr/>
+        </p:nvSpPr>
+        <p:spPr>
+          <a:xfrm>
             <a:off x="14988010" y="7402557"/>
             <a:ext cx="2387877" cy="2150428"/>
           </a:xfrm>
@@ -9684,7 +10322,7 @@
           </a:prstGeom>
         </p:spPr>
         <p:txBody>
-          <a:bodyPr anchor="t" rtlCol="false" tIns="0" lIns="0" bIns="0" rIns="0">
+          <a:bodyPr lIns="0" tIns="0" rIns="0" bIns="0" rtlCol="0" anchor="t">
             <a:spAutoFit/>
           </a:bodyPr>
           <a:lstStyle/>
@@ -9751,6 +10389,15 @@
                 <a:spcPts val="1909"/>
               </a:lnSpc>
             </a:pPr>
+            <a:endParaRPr lang="en-US" sz="1363" spc="29">
+              <a:solidFill>
+                <a:srgbClr val="152540"/>
+              </a:solidFill>
+              <a:latin typeface="Glacial Indifference"/>
+              <a:ea typeface="Glacial Indifference"/>
+              <a:cs typeface="Glacial Indifference"/>
+              <a:sym typeface="Glacial Indifference"/>
+            </a:endParaRPr>
           </a:p>
           <a:p>
             <a:pPr algn="ctr">
@@ -9815,17 +10462,26 @@
                 <a:spcPts val="1909"/>
               </a:lnSpc>
             </a:pPr>
+            <a:endParaRPr lang="en-US" sz="1363" spc="29">
+              <a:solidFill>
+                <a:srgbClr val="152540"/>
+              </a:solidFill>
+              <a:latin typeface="Glacial Indifference"/>
+              <a:ea typeface="Glacial Indifference"/>
+              <a:cs typeface="Glacial Indifference"/>
+              <a:sym typeface="Glacial Indifference"/>
+            </a:endParaRPr>
           </a:p>
         </p:txBody>
       </p:sp>
       <p:grpSp>
         <p:nvGrpSpPr>
-          <p:cNvPr name="Group 31" id="31"/>
+          <p:cNvPr id="31" name="Group 31"/>
           <p:cNvGrpSpPr/>
           <p:nvPr/>
         </p:nvGrpSpPr>
         <p:grpSpPr>
-          <a:xfrm rot="0">
+          <a:xfrm>
             <a:off x="3943456" y="2016728"/>
             <a:ext cx="2766228" cy="2280385"/>
             <a:chOff x="0" y="0"/>
@@ -9834,12 +10490,12 @@
         </p:grpSpPr>
         <p:sp>
           <p:nvSpPr>
-            <p:cNvPr name="Freeform 32" id="32"/>
+            <p:cNvPr id="32" name="Freeform 32"/>
             <p:cNvSpPr/>
             <p:nvPr/>
           </p:nvSpPr>
           <p:spPr>
-            <a:xfrm flipH="false" flipV="false" rot="0">
+            <a:xfrm>
               <a:off x="0" y="0"/>
               <a:ext cx="812800" cy="670045"/>
             </a:xfrm>
@@ -9848,9 +10504,9 @@
               <a:gdLst/>
               <a:ahLst/>
               <a:cxnLst/>
-              <a:rect r="r" b="b" t="t" l="l"/>
+              <a:rect l="l" t="t" r="r" b="b"/>
               <a:pathLst>
-                <a:path h="670045" w="812800">
+                <a:path w="812800" h="670045">
                   <a:moveTo>
                     <a:pt x="72767" y="0"/>
                   </a:moveTo>
@@ -9914,11 +10570,18 @@
               <a:srgbClr val="EDE8E4"/>
             </a:solidFill>
           </p:spPr>
+          <p:txBody>
+            <a:bodyPr/>
+            <a:lstStyle/>
+            <a:p>
+              <a:endParaRPr lang="en-CL"/>
+            </a:p>
+          </p:txBody>
         </p:sp>
         <p:sp>
           <p:nvSpPr>
-            <p:cNvPr name="TextBox 33" id="33"/>
-            <p:cNvSpPr txBox="true"/>
+            <p:cNvPr id="33" name="TextBox 33"/>
+            <p:cNvSpPr txBox="1"/>
             <p:nvPr/>
           </p:nvSpPr>
           <p:spPr>
@@ -9931,7 +10594,7 @@
             </a:prstGeom>
           </p:spPr>
           <p:txBody>
-            <a:bodyPr anchor="ctr" rtlCol="false" tIns="50800" lIns="50800" bIns="50800" rIns="50800"/>
+            <a:bodyPr lIns="50800" tIns="50800" rIns="50800" bIns="50800" rtlCol="0" anchor="ctr"/>
             <a:lstStyle/>
             <a:p>
               <a:pPr algn="ctr">
@@ -9939,18 +10602,19 @@
                   <a:spcPts val="2121"/>
                 </a:lnSpc>
               </a:pPr>
+              <a:endParaRPr/>
             </a:p>
           </p:txBody>
         </p:sp>
       </p:grpSp>
       <p:sp>
         <p:nvSpPr>
-          <p:cNvPr name="TextBox 34" id="34"/>
-          <p:cNvSpPr txBox="true"/>
-          <p:nvPr/>
-        </p:nvSpPr>
-        <p:spPr>
-          <a:xfrm rot="0">
+          <p:cNvPr id="34" name="TextBox 34"/>
+          <p:cNvSpPr txBox="1"/>
+          <p:nvPr/>
+        </p:nvSpPr>
+        <p:spPr>
+          <a:xfrm>
             <a:off x="3943456" y="2269503"/>
             <a:ext cx="2667556" cy="732892"/>
           </a:xfrm>
@@ -9959,7 +10623,7 @@
           </a:prstGeom>
         </p:spPr>
         <p:txBody>
-          <a:bodyPr anchor="t" rtlCol="false" tIns="0" lIns="0" bIns="0" rIns="0">
+          <a:bodyPr lIns="0" tIns="0" rIns="0" bIns="0" rtlCol="0" anchor="t">
             <a:spAutoFit/>
           </a:bodyPr>
           <a:lstStyle/>
@@ -9970,7 +10634,7 @@
               </a:lnSpc>
             </a:pPr>
             <a:r>
-              <a:rPr lang="en-US" b="true" sz="2076" spc="20">
+              <a:rPr lang="en-US" sz="2076" b="1" spc="20">
                 <a:solidFill>
                   <a:srgbClr val="253754"/>
                 </a:solidFill>
@@ -9986,12 +10650,12 @@
       </p:sp>
       <p:sp>
         <p:nvSpPr>
-          <p:cNvPr name="TextBox 35" id="35"/>
-          <p:cNvSpPr txBox="true"/>
-          <p:nvPr/>
-        </p:nvSpPr>
-        <p:spPr>
-          <a:xfrm rot="0">
+          <p:cNvPr id="35" name="TextBox 35"/>
+          <p:cNvSpPr txBox="1"/>
+          <p:nvPr/>
+        </p:nvSpPr>
+        <p:spPr>
+          <a:xfrm>
             <a:off x="4786231" y="1340707"/>
             <a:ext cx="1080678" cy="1068159"/>
           </a:xfrm>
@@ -10000,7 +10664,7 @@
           </a:prstGeom>
         </p:spPr>
         <p:txBody>
-          <a:bodyPr anchor="t" rtlCol="false" tIns="0" lIns="0" bIns="0" rIns="0">
+          <a:bodyPr lIns="0" tIns="0" rIns="0" bIns="0" rtlCol="0" anchor="t">
             <a:spAutoFit/>
           </a:bodyPr>
           <a:lstStyle/>
@@ -10011,7 +10675,7 @@
               </a:lnSpc>
             </a:pPr>
             <a:r>
-              <a:rPr lang="en-US" b="true" sz="6203" spc="583">
+              <a:rPr lang="en-US" sz="6203" b="1" spc="583">
                 <a:solidFill>
                   <a:srgbClr val="D89C6C"/>
                 </a:solidFill>
@@ -10027,12 +10691,12 @@
       </p:sp>
       <p:sp>
         <p:nvSpPr>
-          <p:cNvPr name="TextBox 36" id="36"/>
-          <p:cNvSpPr txBox="true"/>
-          <p:nvPr/>
-        </p:nvSpPr>
-        <p:spPr>
-          <a:xfrm rot="0">
+          <p:cNvPr id="36" name="TextBox 36"/>
+          <p:cNvSpPr txBox="1"/>
+          <p:nvPr/>
+        </p:nvSpPr>
+        <p:spPr>
+          <a:xfrm>
             <a:off x="4169407" y="3038869"/>
             <a:ext cx="2387877" cy="957671"/>
           </a:xfrm>
@@ -10041,7 +10705,7 @@
           </a:prstGeom>
         </p:spPr>
         <p:txBody>
-          <a:bodyPr anchor="t" rtlCol="false" tIns="0" lIns="0" bIns="0" rIns="0">
+          <a:bodyPr lIns="0" tIns="0" rIns="0" bIns="0" rtlCol="0" anchor="t">
             <a:spAutoFit/>
           </a:bodyPr>
           <a:lstStyle/>
@@ -10087,36 +10751,43 @@
       </p:sp>
       <p:sp>
         <p:nvSpPr>
-          <p:cNvPr name="AutoShape 37" id="37"/>
+          <p:cNvPr id="37" name="AutoShape 37"/>
           <p:cNvSpPr/>
           <p:nvPr/>
         </p:nvSpPr>
         <p:spPr>
-          <a:xfrm flipV="true">
+          <a:xfrm flipV="1">
             <a:off x="4064602" y="3011920"/>
             <a:ext cx="2546410" cy="0"/>
           </a:xfrm>
           <a:prstGeom prst="line">
             <a:avLst/>
           </a:prstGeom>
-          <a:ln cap="flat" w="19050">
+          <a:ln w="19050" cap="flat">
             <a:solidFill>
               <a:srgbClr val="253754"/>
             </a:solidFill>
             <a:prstDash val="solid"/>
-            <a:headEnd type="none" len="sm" w="sm"/>
-            <a:tailEnd type="none" len="sm" w="sm"/>
+            <a:headEnd type="none" w="sm" len="sm"/>
+            <a:tailEnd type="none" w="sm" len="sm"/>
           </a:ln>
         </p:spPr>
+        <p:txBody>
+          <a:bodyPr/>
+          <a:lstStyle/>
+          <a:p>
+            <a:endParaRPr lang="en-CL"/>
+          </a:p>
+        </p:txBody>
       </p:sp>
       <p:grpSp>
         <p:nvGrpSpPr>
-          <p:cNvPr name="Group 38" id="38"/>
+          <p:cNvPr id="38" name="Group 38"/>
           <p:cNvGrpSpPr/>
           <p:nvPr/>
         </p:nvGrpSpPr>
         <p:grpSpPr>
-          <a:xfrm rot="0">
+          <a:xfrm>
             <a:off x="7175364" y="2016728"/>
             <a:ext cx="2766228" cy="2280385"/>
             <a:chOff x="0" y="0"/>
@@ -10125,12 +10796,12 @@
         </p:grpSpPr>
         <p:sp>
           <p:nvSpPr>
-            <p:cNvPr name="Freeform 39" id="39"/>
+            <p:cNvPr id="39" name="Freeform 39"/>
             <p:cNvSpPr/>
             <p:nvPr/>
           </p:nvSpPr>
           <p:spPr>
-            <a:xfrm flipH="false" flipV="false" rot="0">
+            <a:xfrm>
               <a:off x="0" y="0"/>
               <a:ext cx="812800" cy="670045"/>
             </a:xfrm>
@@ -10139,9 +10810,9 @@
               <a:gdLst/>
               <a:ahLst/>
               <a:cxnLst/>
-              <a:rect r="r" b="b" t="t" l="l"/>
+              <a:rect l="l" t="t" r="r" b="b"/>
               <a:pathLst>
-                <a:path h="670045" w="812800">
+                <a:path w="812800" h="670045">
                   <a:moveTo>
                     <a:pt x="72767" y="0"/>
                   </a:moveTo>
@@ -10205,11 +10876,18 @@
               <a:srgbClr val="EDE8E4"/>
             </a:solidFill>
           </p:spPr>
+          <p:txBody>
+            <a:bodyPr/>
+            <a:lstStyle/>
+            <a:p>
+              <a:endParaRPr lang="en-CL"/>
+            </a:p>
+          </p:txBody>
         </p:sp>
         <p:sp>
           <p:nvSpPr>
-            <p:cNvPr name="TextBox 40" id="40"/>
-            <p:cNvSpPr txBox="true"/>
+            <p:cNvPr id="40" name="TextBox 40"/>
+            <p:cNvSpPr txBox="1"/>
             <p:nvPr/>
           </p:nvSpPr>
           <p:spPr>
@@ -10222,7 +10900,7 @@
             </a:prstGeom>
           </p:spPr>
           <p:txBody>
-            <a:bodyPr anchor="ctr" rtlCol="false" tIns="50800" lIns="50800" bIns="50800" rIns="50800"/>
+            <a:bodyPr lIns="50800" tIns="50800" rIns="50800" bIns="50800" rtlCol="0" anchor="ctr"/>
             <a:lstStyle/>
             <a:p>
               <a:pPr algn="ctr">
@@ -10230,18 +10908,19 @@
                   <a:spcPts val="2121"/>
                 </a:lnSpc>
               </a:pPr>
+              <a:endParaRPr/>
             </a:p>
           </p:txBody>
         </p:sp>
       </p:grpSp>
       <p:sp>
         <p:nvSpPr>
-          <p:cNvPr name="TextBox 41" id="41"/>
-          <p:cNvSpPr txBox="true"/>
-          <p:nvPr/>
-        </p:nvSpPr>
-        <p:spPr>
-          <a:xfrm rot="0">
+          <p:cNvPr id="41" name="TextBox 41"/>
+          <p:cNvSpPr txBox="1"/>
+          <p:nvPr/>
+        </p:nvSpPr>
+        <p:spPr>
+          <a:xfrm>
             <a:off x="8018138" y="1340707"/>
             <a:ext cx="1080678" cy="1068159"/>
           </a:xfrm>
@@ -10250,7 +10929,7 @@
           </a:prstGeom>
         </p:spPr>
         <p:txBody>
-          <a:bodyPr anchor="t" rtlCol="false" tIns="0" lIns="0" bIns="0" rIns="0">
+          <a:bodyPr lIns="0" tIns="0" rIns="0" bIns="0" rtlCol="0" anchor="t">
             <a:spAutoFit/>
           </a:bodyPr>
           <a:lstStyle/>
@@ -10261,7 +10940,7 @@
               </a:lnSpc>
             </a:pPr>
             <a:r>
-              <a:rPr lang="en-US" b="true" sz="6203" spc="583">
+              <a:rPr lang="en-US" sz="6203" b="1" spc="583">
                 <a:solidFill>
                   <a:srgbClr val="D89C6C"/>
                 </a:solidFill>
@@ -10277,12 +10956,12 @@
       </p:sp>
       <p:sp>
         <p:nvSpPr>
-          <p:cNvPr name="TextBox 42" id="42"/>
-          <p:cNvSpPr txBox="true"/>
-          <p:nvPr/>
-        </p:nvSpPr>
-        <p:spPr>
-          <a:xfrm rot="0">
+          <p:cNvPr id="42" name="TextBox 42"/>
+          <p:cNvSpPr txBox="1"/>
+          <p:nvPr/>
+        </p:nvSpPr>
+        <p:spPr>
+          <a:xfrm>
             <a:off x="7401315" y="3038869"/>
             <a:ext cx="2387877" cy="2146590"/>
           </a:xfrm>
@@ -10291,7 +10970,7 @@
           </a:prstGeom>
         </p:spPr>
         <p:txBody>
-          <a:bodyPr anchor="t" rtlCol="false" tIns="0" lIns="0" bIns="0" rIns="0">
+          <a:bodyPr lIns="0" tIns="0" rIns="0" bIns="0" rtlCol="0" anchor="t">
             <a:spAutoFit/>
           </a:bodyPr>
           <a:lstStyle/>
@@ -10311,19 +10990,7 @@
                 <a:cs typeface="Glacial Indifference"/>
                 <a:sym typeface="Glacial Indifference"/>
               </a:rPr>
-              <a:t>SELECT</a:t>
-            </a:r>
-            <a:r>
-              <a:rPr lang="en-US" sz="1363" spc="29">
-                <a:solidFill>
-                  <a:srgbClr val="152540"/>
-                </a:solidFill>
-                <a:latin typeface="Glacial Indifference"/>
-                <a:ea typeface="Glacial Indifference"/>
-                <a:cs typeface="Glacial Indifference"/>
-                <a:sym typeface="Glacial Indifference"/>
-              </a:rPr>
-              <a:t> </a:t>
+              <a:t>SELECT </a:t>
             </a:r>
           </a:p>
           <a:p>
@@ -10427,41 +11094,57 @@
                 <a:spcPts val="1909"/>
               </a:lnSpc>
             </a:pPr>
-          </a:p>
-        </p:txBody>
-      </p:sp>
-      <p:sp>
-        <p:nvSpPr>
-          <p:cNvPr name="AutoShape 43" id="43"/>
+            <a:endParaRPr lang="en-US" sz="1363" spc="29">
+              <a:solidFill>
+                <a:srgbClr val="152540"/>
+              </a:solidFill>
+              <a:latin typeface="Glacial Indifference"/>
+              <a:ea typeface="Glacial Indifference"/>
+              <a:cs typeface="Glacial Indifference"/>
+              <a:sym typeface="Glacial Indifference"/>
+            </a:endParaRPr>
+          </a:p>
+        </p:txBody>
+      </p:sp>
+      <p:sp>
+        <p:nvSpPr>
+          <p:cNvPr id="43" name="AutoShape 43"/>
           <p:cNvSpPr/>
           <p:nvPr/>
         </p:nvSpPr>
         <p:spPr>
-          <a:xfrm flipV="true">
+          <a:xfrm flipV="1">
             <a:off x="7296510" y="3011920"/>
             <a:ext cx="2546410" cy="0"/>
           </a:xfrm>
           <a:prstGeom prst="line">
             <a:avLst/>
           </a:prstGeom>
-          <a:ln cap="flat" w="19050">
+          <a:ln w="19050" cap="flat">
             <a:solidFill>
               <a:srgbClr val="253754"/>
             </a:solidFill>
             <a:prstDash val="solid"/>
-            <a:headEnd type="none" len="sm" w="sm"/>
-            <a:tailEnd type="none" len="sm" w="sm"/>
+            <a:headEnd type="none" w="sm" len="sm"/>
+            <a:tailEnd type="none" w="sm" len="sm"/>
           </a:ln>
         </p:spPr>
-      </p:sp>
-      <p:sp>
-        <p:nvSpPr>
-          <p:cNvPr name="TextBox 44" id="44"/>
-          <p:cNvSpPr txBox="true"/>
-          <p:nvPr/>
-        </p:nvSpPr>
-        <p:spPr>
-          <a:xfrm rot="0">
+        <p:txBody>
+          <a:bodyPr/>
+          <a:lstStyle/>
+          <a:p>
+            <a:endParaRPr lang="en-CL"/>
+          </a:p>
+        </p:txBody>
+      </p:sp>
+      <p:sp>
+        <p:nvSpPr>
+          <p:cNvPr id="44" name="TextBox 44"/>
+          <p:cNvSpPr txBox="1"/>
+          <p:nvPr/>
+        </p:nvSpPr>
+        <p:spPr>
+          <a:xfrm>
             <a:off x="6757309" y="2279028"/>
             <a:ext cx="3602337" cy="732892"/>
           </a:xfrm>
@@ -10470,7 +11153,7 @@
           </a:prstGeom>
         </p:spPr>
         <p:txBody>
-          <a:bodyPr anchor="t" rtlCol="false" tIns="0" lIns="0" bIns="0" rIns="0">
+          <a:bodyPr lIns="0" tIns="0" rIns="0" bIns="0" rtlCol="0" anchor="t">
             <a:spAutoFit/>
           </a:bodyPr>
           <a:lstStyle/>
@@ -10481,7 +11164,7 @@
               </a:lnSpc>
             </a:pPr>
             <a:r>
-              <a:rPr lang="en-US" b="true" sz="2076" spc="20">
+              <a:rPr lang="en-US" sz="2076" b="1" spc="20">
                 <a:solidFill>
                   <a:srgbClr val="253754"/>
                 </a:solidFill>
@@ -10497,12 +11180,12 @@
       </p:sp>
       <p:grpSp>
         <p:nvGrpSpPr>
-          <p:cNvPr name="Group 45" id="45"/>
+          <p:cNvPr id="45" name="Group 45"/>
           <p:cNvGrpSpPr/>
           <p:nvPr/>
         </p:nvGrpSpPr>
         <p:grpSpPr>
-          <a:xfrm rot="0">
+          <a:xfrm>
             <a:off x="10606691" y="1999924"/>
             <a:ext cx="2766228" cy="2280385"/>
             <a:chOff x="0" y="0"/>
@@ -10511,12 +11194,12 @@
         </p:grpSpPr>
         <p:sp>
           <p:nvSpPr>
-            <p:cNvPr name="Freeform 46" id="46"/>
+            <p:cNvPr id="46" name="Freeform 46"/>
             <p:cNvSpPr/>
             <p:nvPr/>
           </p:nvSpPr>
           <p:spPr>
-            <a:xfrm flipH="false" flipV="false" rot="0">
+            <a:xfrm>
               <a:off x="0" y="0"/>
               <a:ext cx="812800" cy="670045"/>
             </a:xfrm>
@@ -10525,9 +11208,9 @@
               <a:gdLst/>
               <a:ahLst/>
               <a:cxnLst/>
-              <a:rect r="r" b="b" t="t" l="l"/>
+              <a:rect l="l" t="t" r="r" b="b"/>
               <a:pathLst>
-                <a:path h="670045" w="812800">
+                <a:path w="812800" h="670045">
                   <a:moveTo>
                     <a:pt x="72767" y="0"/>
                   </a:moveTo>
@@ -10591,11 +11274,18 @@
               <a:srgbClr val="EDE8E4"/>
             </a:solidFill>
           </p:spPr>
+          <p:txBody>
+            <a:bodyPr/>
+            <a:lstStyle/>
+            <a:p>
+              <a:endParaRPr lang="en-CL"/>
+            </a:p>
+          </p:txBody>
         </p:sp>
         <p:sp>
           <p:nvSpPr>
-            <p:cNvPr name="TextBox 47" id="47"/>
-            <p:cNvSpPr txBox="true"/>
+            <p:cNvPr id="47" name="TextBox 47"/>
+            <p:cNvSpPr txBox="1"/>
             <p:nvPr/>
           </p:nvSpPr>
           <p:spPr>
@@ -10608,7 +11298,7 @@
             </a:prstGeom>
           </p:spPr>
           <p:txBody>
-            <a:bodyPr anchor="ctr" rtlCol="false" tIns="50800" lIns="50800" bIns="50800" rIns="50800"/>
+            <a:bodyPr lIns="50800" tIns="50800" rIns="50800" bIns="50800" rtlCol="0" anchor="ctr"/>
             <a:lstStyle/>
             <a:p>
               <a:pPr algn="ctr">
@@ -10616,18 +11306,19 @@
                   <a:spcPts val="2121"/>
                 </a:lnSpc>
               </a:pPr>
+              <a:endParaRPr/>
             </a:p>
           </p:txBody>
         </p:sp>
       </p:grpSp>
       <p:sp>
         <p:nvSpPr>
-          <p:cNvPr name="TextBox 48" id="48"/>
-          <p:cNvSpPr txBox="true"/>
-          <p:nvPr/>
-        </p:nvSpPr>
-        <p:spPr>
-          <a:xfrm rot="0">
+          <p:cNvPr id="48" name="TextBox 48"/>
+          <p:cNvSpPr txBox="1"/>
+          <p:nvPr/>
+        </p:nvSpPr>
+        <p:spPr>
+          <a:xfrm>
             <a:off x="11449466" y="1323902"/>
             <a:ext cx="1190587" cy="1068159"/>
           </a:xfrm>
@@ -10636,7 +11327,7 @@
           </a:prstGeom>
         </p:spPr>
         <p:txBody>
-          <a:bodyPr anchor="t" rtlCol="false" tIns="0" lIns="0" bIns="0" rIns="0">
+          <a:bodyPr lIns="0" tIns="0" rIns="0" bIns="0" rtlCol="0" anchor="t">
             <a:spAutoFit/>
           </a:bodyPr>
           <a:lstStyle/>
@@ -10647,7 +11338,7 @@
               </a:lnSpc>
             </a:pPr>
             <a:r>
-              <a:rPr lang="en-US" b="true" sz="6203" spc="583">
+              <a:rPr lang="en-US" sz="6203" b="1" spc="583">
                 <a:solidFill>
                   <a:srgbClr val="D89C6C"/>
                 </a:solidFill>
@@ -10663,12 +11354,12 @@
       </p:sp>
       <p:sp>
         <p:nvSpPr>
-          <p:cNvPr name="TextBox 49" id="49"/>
-          <p:cNvSpPr txBox="true"/>
-          <p:nvPr/>
-        </p:nvSpPr>
-        <p:spPr>
-          <a:xfrm rot="0">
+          <p:cNvPr id="49" name="TextBox 49"/>
+          <p:cNvSpPr txBox="1"/>
+          <p:nvPr/>
+        </p:nvSpPr>
+        <p:spPr>
+          <a:xfrm>
             <a:off x="9608640" y="3022065"/>
             <a:ext cx="4665155" cy="3099090"/>
           </a:xfrm>
@@ -10677,7 +11368,7 @@
           </a:prstGeom>
         </p:spPr>
         <p:txBody>
-          <a:bodyPr anchor="t" rtlCol="false" tIns="0" lIns="0" bIns="0" rIns="0">
+          <a:bodyPr lIns="0" tIns="0" rIns="0" bIns="0" rtlCol="0" anchor="t">
             <a:spAutoFit/>
           </a:bodyPr>
           <a:lstStyle/>
@@ -10932,36 +11623,43 @@
       </p:sp>
       <p:sp>
         <p:nvSpPr>
-          <p:cNvPr name="AutoShape 50" id="50"/>
+          <p:cNvPr id="50" name="AutoShape 50"/>
           <p:cNvSpPr/>
           <p:nvPr/>
         </p:nvSpPr>
         <p:spPr>
-          <a:xfrm flipV="true">
+          <a:xfrm flipV="1">
             <a:off x="10727837" y="2995116"/>
             <a:ext cx="2546410" cy="0"/>
           </a:xfrm>
           <a:prstGeom prst="line">
             <a:avLst/>
           </a:prstGeom>
-          <a:ln cap="flat" w="19050">
+          <a:ln w="19050" cap="flat">
             <a:solidFill>
               <a:srgbClr val="253754"/>
             </a:solidFill>
             <a:prstDash val="solid"/>
-            <a:headEnd type="none" len="sm" w="sm"/>
-            <a:tailEnd type="none" len="sm" w="sm"/>
+            <a:headEnd type="none" w="sm" len="sm"/>
+            <a:tailEnd type="none" w="sm" len="sm"/>
           </a:ln>
         </p:spPr>
-      </p:sp>
-      <p:sp>
-        <p:nvSpPr>
-          <p:cNvPr name="TextBox 51" id="51"/>
-          <p:cNvSpPr txBox="true"/>
-          <p:nvPr/>
-        </p:nvSpPr>
-        <p:spPr>
-          <a:xfrm rot="0">
+        <p:txBody>
+          <a:bodyPr/>
+          <a:lstStyle/>
+          <a:p>
+            <a:endParaRPr lang="en-CL"/>
+          </a:p>
+        </p:txBody>
+      </p:sp>
+      <p:sp>
+        <p:nvSpPr>
+          <p:cNvPr id="51" name="TextBox 51"/>
+          <p:cNvSpPr txBox="1"/>
+          <p:nvPr/>
+        </p:nvSpPr>
+        <p:spPr>
+          <a:xfrm>
             <a:off x="10607439" y="2262223"/>
             <a:ext cx="2667556" cy="732892"/>
           </a:xfrm>
@@ -10970,7 +11668,7 @@
           </a:prstGeom>
         </p:spPr>
         <p:txBody>
-          <a:bodyPr anchor="t" rtlCol="false" tIns="0" lIns="0" bIns="0" rIns="0">
+          <a:bodyPr lIns="0" tIns="0" rIns="0" bIns="0" rtlCol="0" anchor="t">
             <a:spAutoFit/>
           </a:bodyPr>
           <a:lstStyle/>
@@ -10981,7 +11679,7 @@
               </a:lnSpc>
             </a:pPr>
             <a:r>
-              <a:rPr lang="en-US" b="true" sz="2076" spc="20">
+              <a:rPr lang="en-US" sz="2076" b="1" spc="20">
                 <a:solidFill>
                   <a:srgbClr val="253754"/>
                 </a:solidFill>
@@ -10997,12 +11695,12 @@
       </p:sp>
       <p:grpSp>
         <p:nvGrpSpPr>
-          <p:cNvPr name="Group 52" id="52"/>
+          <p:cNvPr id="52" name="Group 52"/>
           <p:cNvGrpSpPr/>
           <p:nvPr/>
         </p:nvGrpSpPr>
         <p:grpSpPr>
-          <a:xfrm rot="0">
+          <a:xfrm>
             <a:off x="14833120" y="2001981"/>
             <a:ext cx="2766228" cy="2280385"/>
             <a:chOff x="0" y="0"/>
@@ -11011,12 +11709,12 @@
         </p:grpSpPr>
         <p:sp>
           <p:nvSpPr>
-            <p:cNvPr name="Freeform 53" id="53"/>
+            <p:cNvPr id="53" name="Freeform 53"/>
             <p:cNvSpPr/>
             <p:nvPr/>
           </p:nvSpPr>
           <p:spPr>
-            <a:xfrm flipH="false" flipV="false" rot="0">
+            <a:xfrm>
               <a:off x="0" y="0"/>
               <a:ext cx="812800" cy="670045"/>
             </a:xfrm>
@@ -11025,9 +11723,9 @@
               <a:gdLst/>
               <a:ahLst/>
               <a:cxnLst/>
-              <a:rect r="r" b="b" t="t" l="l"/>
+              <a:rect l="l" t="t" r="r" b="b"/>
               <a:pathLst>
-                <a:path h="670045" w="812800">
+                <a:path w="812800" h="670045">
                   <a:moveTo>
                     <a:pt x="72767" y="0"/>
                   </a:moveTo>
@@ -11091,11 +11789,18 @@
               <a:srgbClr val="EDE8E4"/>
             </a:solidFill>
           </p:spPr>
+          <p:txBody>
+            <a:bodyPr/>
+            <a:lstStyle/>
+            <a:p>
+              <a:endParaRPr lang="en-CL"/>
+            </a:p>
+          </p:txBody>
         </p:sp>
         <p:sp>
           <p:nvSpPr>
-            <p:cNvPr name="TextBox 54" id="54"/>
-            <p:cNvSpPr txBox="true"/>
+            <p:cNvPr id="54" name="TextBox 54"/>
+            <p:cNvSpPr txBox="1"/>
             <p:nvPr/>
           </p:nvSpPr>
           <p:spPr>
@@ -11108,7 +11813,7 @@
             </a:prstGeom>
           </p:spPr>
           <p:txBody>
-            <a:bodyPr anchor="ctr" rtlCol="false" tIns="50800" lIns="50800" bIns="50800" rIns="50800"/>
+            <a:bodyPr lIns="50800" tIns="50800" rIns="50800" bIns="50800" rtlCol="0" anchor="ctr"/>
             <a:lstStyle/>
             <a:p>
               <a:pPr algn="ctr">
@@ -11116,18 +11821,19 @@
                   <a:spcPts val="2121"/>
                 </a:lnSpc>
               </a:pPr>
+              <a:endParaRPr/>
             </a:p>
           </p:txBody>
         </p:sp>
       </p:grpSp>
       <p:sp>
         <p:nvSpPr>
-          <p:cNvPr name="TextBox 55" id="55"/>
-          <p:cNvSpPr txBox="true"/>
-          <p:nvPr/>
-        </p:nvSpPr>
-        <p:spPr>
-          <a:xfrm rot="0">
+          <p:cNvPr id="55" name="TextBox 55"/>
+          <p:cNvSpPr txBox="1"/>
+          <p:nvPr/>
+        </p:nvSpPr>
+        <p:spPr>
+          <a:xfrm>
             <a:off x="15675895" y="1340707"/>
             <a:ext cx="1190587" cy="1068159"/>
           </a:xfrm>
@@ -11136,7 +11842,7 @@
           </a:prstGeom>
         </p:spPr>
         <p:txBody>
-          <a:bodyPr anchor="t" rtlCol="false" tIns="0" lIns="0" bIns="0" rIns="0">
+          <a:bodyPr lIns="0" tIns="0" rIns="0" bIns="0" rtlCol="0" anchor="t">
             <a:spAutoFit/>
           </a:bodyPr>
           <a:lstStyle/>
@@ -11147,7 +11853,7 @@
               </a:lnSpc>
             </a:pPr>
             <a:r>
-              <a:rPr lang="en-US" b="true" sz="6203" spc="583">
+              <a:rPr lang="en-US" sz="6203" b="1" spc="583">
                 <a:solidFill>
                   <a:srgbClr val="D89C6C"/>
                 </a:solidFill>
@@ -11163,36 +11869,43 @@
       </p:sp>
       <p:sp>
         <p:nvSpPr>
-          <p:cNvPr name="AutoShape 56" id="56"/>
+          <p:cNvPr id="56" name="AutoShape 56"/>
           <p:cNvSpPr/>
           <p:nvPr/>
         </p:nvSpPr>
         <p:spPr>
-          <a:xfrm flipV="true">
+          <a:xfrm flipV="1">
             <a:off x="14954266" y="2997173"/>
             <a:ext cx="2546410" cy="0"/>
           </a:xfrm>
           <a:prstGeom prst="line">
             <a:avLst/>
           </a:prstGeom>
-          <a:ln cap="flat" w="19050">
+          <a:ln w="19050" cap="flat">
             <a:solidFill>
               <a:srgbClr val="253754"/>
             </a:solidFill>
             <a:prstDash val="solid"/>
-            <a:headEnd type="none" len="sm" w="sm"/>
-            <a:tailEnd type="none" len="sm" w="sm"/>
+            <a:headEnd type="none" w="sm" len="sm"/>
+            <a:tailEnd type="none" w="sm" len="sm"/>
           </a:ln>
         </p:spPr>
-      </p:sp>
-      <p:sp>
-        <p:nvSpPr>
-          <p:cNvPr name="TextBox 57" id="57"/>
-          <p:cNvSpPr txBox="true"/>
-          <p:nvPr/>
-        </p:nvSpPr>
-        <p:spPr>
-          <a:xfrm rot="0">
+        <p:txBody>
+          <a:bodyPr/>
+          <a:lstStyle/>
+          <a:p>
+            <a:endParaRPr lang="en-CL"/>
+          </a:p>
+        </p:txBody>
+      </p:sp>
+      <p:sp>
+        <p:nvSpPr>
+          <p:cNvPr id="57" name="TextBox 57"/>
+          <p:cNvSpPr txBox="1"/>
+          <p:nvPr/>
+        </p:nvSpPr>
+        <p:spPr>
+          <a:xfrm>
             <a:off x="14894441" y="2513641"/>
             <a:ext cx="2667556" cy="363886"/>
           </a:xfrm>
@@ -11201,7 +11914,7 @@
           </a:prstGeom>
         </p:spPr>
         <p:txBody>
-          <a:bodyPr anchor="t" rtlCol="false" tIns="0" lIns="0" bIns="0" rIns="0">
+          <a:bodyPr lIns="0" tIns="0" rIns="0" bIns="0" rtlCol="0" anchor="t">
             <a:spAutoFit/>
           </a:bodyPr>
           <a:lstStyle/>
@@ -11212,7 +11925,7 @@
               </a:lnSpc>
             </a:pPr>
             <a:r>
-              <a:rPr lang="en-US" b="true" sz="2076" spc="20">
+              <a:rPr lang="en-US" sz="2076" b="1" spc="20">
                 <a:solidFill>
                   <a:srgbClr val="253754"/>
                 </a:solidFill>
@@ -11228,12 +11941,12 @@
       </p:sp>
       <p:grpSp>
         <p:nvGrpSpPr>
-          <p:cNvPr name="Group 58" id="58"/>
+          <p:cNvPr id="58" name="Group 58"/>
           <p:cNvGrpSpPr/>
           <p:nvPr/>
         </p:nvGrpSpPr>
         <p:grpSpPr>
-          <a:xfrm rot="0">
+          <a:xfrm>
             <a:off x="558103" y="6644777"/>
             <a:ext cx="2766228" cy="2280385"/>
             <a:chOff x="0" y="0"/>
@@ -11242,12 +11955,12 @@
         </p:grpSpPr>
         <p:sp>
           <p:nvSpPr>
-            <p:cNvPr name="Freeform 59" id="59"/>
+            <p:cNvPr id="59" name="Freeform 59"/>
             <p:cNvSpPr/>
             <p:nvPr/>
           </p:nvSpPr>
           <p:spPr>
-            <a:xfrm flipH="false" flipV="false" rot="0">
+            <a:xfrm>
               <a:off x="0" y="0"/>
               <a:ext cx="812800" cy="670045"/>
             </a:xfrm>
@@ -11256,9 +11969,9 @@
               <a:gdLst/>
               <a:ahLst/>
               <a:cxnLst/>
-              <a:rect r="r" b="b" t="t" l="l"/>
+              <a:rect l="l" t="t" r="r" b="b"/>
               <a:pathLst>
-                <a:path h="670045" w="812800">
+                <a:path w="812800" h="670045">
                   <a:moveTo>
                     <a:pt x="72767" y="0"/>
                   </a:moveTo>
@@ -11322,11 +12035,18 @@
               <a:srgbClr val="EDE8E4"/>
             </a:solidFill>
           </p:spPr>
+          <p:txBody>
+            <a:bodyPr/>
+            <a:lstStyle/>
+            <a:p>
+              <a:endParaRPr lang="en-CL"/>
+            </a:p>
+          </p:txBody>
         </p:sp>
         <p:sp>
           <p:nvSpPr>
-            <p:cNvPr name="TextBox 60" id="60"/>
-            <p:cNvSpPr txBox="true"/>
+            <p:cNvPr id="60" name="TextBox 60"/>
+            <p:cNvSpPr txBox="1"/>
             <p:nvPr/>
           </p:nvSpPr>
           <p:spPr>
@@ -11339,7 +12059,7 @@
             </a:prstGeom>
           </p:spPr>
           <p:txBody>
-            <a:bodyPr anchor="ctr" rtlCol="false" tIns="50800" lIns="50800" bIns="50800" rIns="50800"/>
+            <a:bodyPr lIns="50800" tIns="50800" rIns="50800" bIns="50800" rtlCol="0" anchor="ctr"/>
             <a:lstStyle/>
             <a:p>
               <a:pPr algn="ctr">
@@ -11347,18 +12067,19 @@
                   <a:spcPts val="2121"/>
                 </a:lnSpc>
               </a:pPr>
+              <a:endParaRPr/>
             </a:p>
           </p:txBody>
         </p:sp>
       </p:grpSp>
       <p:sp>
         <p:nvSpPr>
-          <p:cNvPr name="TextBox 61" id="61"/>
-          <p:cNvSpPr txBox="true"/>
-          <p:nvPr/>
-        </p:nvSpPr>
-        <p:spPr>
-          <a:xfrm rot="0">
+          <p:cNvPr id="61" name="TextBox 61"/>
+          <p:cNvSpPr txBox="1"/>
+          <p:nvPr/>
+        </p:nvSpPr>
+        <p:spPr>
+          <a:xfrm>
             <a:off x="1026709" y="6952624"/>
             <a:ext cx="1829015" cy="363886"/>
           </a:xfrm>
@@ -11367,7 +12088,7 @@
           </a:prstGeom>
         </p:spPr>
         <p:txBody>
-          <a:bodyPr anchor="t" rtlCol="false" tIns="0" lIns="0" bIns="0" rIns="0">
+          <a:bodyPr lIns="0" tIns="0" rIns="0" bIns="0" rtlCol="0" anchor="t">
             <a:spAutoFit/>
           </a:bodyPr>
           <a:lstStyle/>
@@ -11378,7 +12099,7 @@
               </a:lnSpc>
             </a:pPr>
             <a:r>
-              <a:rPr lang="en-US" b="true" sz="2076" spc="20">
+              <a:rPr lang="en-US" sz="2076" b="1" spc="20">
                 <a:solidFill>
                   <a:srgbClr val="253754"/>
                 </a:solidFill>
@@ -11394,21 +12115,21 @@
       </p:sp>
       <p:sp>
         <p:nvSpPr>
-          <p:cNvPr name="TextBox 62" id="62"/>
-          <p:cNvSpPr txBox="true"/>
-          <p:nvPr/>
-        </p:nvSpPr>
-        <p:spPr>
-          <a:xfrm rot="0">
+          <p:cNvPr id="62" name="TextBox 62"/>
+          <p:cNvSpPr txBox="1"/>
+          <p:nvPr/>
+        </p:nvSpPr>
+        <p:spPr>
+          <a:xfrm>
             <a:off x="1400878" y="6006855"/>
-            <a:ext cx="1080678" cy="1068159"/>
+            <a:ext cx="1195554" cy="1068159"/>
           </a:xfrm>
           <a:prstGeom prst="rect">
             <a:avLst/>
           </a:prstGeom>
         </p:spPr>
         <p:txBody>
-          <a:bodyPr anchor="t" rtlCol="false" tIns="0" lIns="0" bIns="0" rIns="0">
+          <a:bodyPr wrap="square" lIns="0" tIns="0" rIns="0" bIns="0" rtlCol="0" anchor="t">
             <a:spAutoFit/>
           </a:bodyPr>
           <a:lstStyle/>
@@ -11419,7 +12140,7 @@
               </a:lnSpc>
             </a:pPr>
             <a:r>
-              <a:rPr lang="en-US" b="true" sz="6203" spc="583">
+              <a:rPr lang="en-US" sz="6203" b="1" spc="583" dirty="0">
                 <a:solidFill>
                   <a:srgbClr val="D89C6C"/>
                 </a:solidFill>
@@ -11428,14 +12149,14 @@
                 <a:cs typeface="Glacial Indifference Bold"/>
                 <a:sym typeface="Glacial Indifference Bold"/>
               </a:rPr>
-              <a:t>09</a:t>
-            </a:r>
-          </a:p>
-        </p:txBody>
-      </p:sp>
-      <p:sp>
-        <p:nvSpPr>
-          <p:cNvPr name="AutoShape 63" id="63"/>
+              <a:t>06</a:t>
+            </a:r>
+          </a:p>
+        </p:txBody>
+      </p:sp>
+      <p:sp>
+        <p:nvSpPr>
+          <p:cNvPr id="63" name="AutoShape 63"/>
           <p:cNvSpPr/>
           <p:nvPr/>
         </p:nvSpPr>
@@ -11447,24 +12168,31 @@
           <a:prstGeom prst="line">
             <a:avLst/>
           </a:prstGeom>
-          <a:ln cap="flat" w="19050">
+          <a:ln w="19050" cap="flat">
             <a:solidFill>
               <a:srgbClr val="253754"/>
             </a:solidFill>
             <a:prstDash val="solid"/>
-            <a:headEnd type="none" len="sm" w="sm"/>
-            <a:tailEnd type="none" len="sm" w="sm"/>
+            <a:headEnd type="none" w="sm" len="sm"/>
+            <a:tailEnd type="none" w="sm" len="sm"/>
           </a:ln>
         </p:spPr>
-      </p:sp>
-      <p:sp>
-        <p:nvSpPr>
-          <p:cNvPr name="TextBox 64" id="64"/>
-          <p:cNvSpPr txBox="true"/>
-          <p:nvPr/>
-        </p:nvSpPr>
-        <p:spPr>
-          <a:xfrm rot="0">
+        <p:txBody>
+          <a:bodyPr/>
+          <a:lstStyle/>
+          <a:p>
+            <a:endParaRPr lang="en-CL"/>
+          </a:p>
+        </p:txBody>
+      </p:sp>
+      <p:sp>
+        <p:nvSpPr>
+          <p:cNvPr id="64" name="TextBox 64"/>
+          <p:cNvSpPr txBox="1"/>
+          <p:nvPr/>
+        </p:nvSpPr>
+        <p:spPr>
+          <a:xfrm>
             <a:off x="761580" y="7426208"/>
             <a:ext cx="2387877" cy="2388979"/>
           </a:xfrm>
@@ -11473,7 +12201,7 @@
           </a:prstGeom>
         </p:spPr>
         <p:txBody>
-          <a:bodyPr anchor="t" rtlCol="false" tIns="0" lIns="0" bIns="0" rIns="0">
+          <a:bodyPr lIns="0" tIns="0" rIns="0" bIns="0" rtlCol="0" anchor="t">
             <a:spAutoFit/>
           </a:bodyPr>
           <a:lstStyle/>
@@ -11519,12 +12247,12 @@
       </p:sp>
       <p:grpSp>
         <p:nvGrpSpPr>
-          <p:cNvPr name="Group 65" id="65"/>
+          <p:cNvPr id="65" name="Group 65"/>
           <p:cNvGrpSpPr/>
           <p:nvPr/>
         </p:nvGrpSpPr>
         <p:grpSpPr>
-          <a:xfrm rot="0">
+          <a:xfrm>
             <a:off x="6947187" y="6644777"/>
             <a:ext cx="2766228" cy="2280385"/>
             <a:chOff x="0" y="0"/>
@@ -11533,12 +12261,12 @@
         </p:grpSpPr>
         <p:sp>
           <p:nvSpPr>
-            <p:cNvPr name="Freeform 66" id="66"/>
+            <p:cNvPr id="66" name="Freeform 66"/>
             <p:cNvSpPr/>
             <p:nvPr/>
           </p:nvSpPr>
           <p:spPr>
-            <a:xfrm flipH="false" flipV="false" rot="0">
+            <a:xfrm>
               <a:off x="0" y="0"/>
               <a:ext cx="812800" cy="670045"/>
             </a:xfrm>
@@ -11547,9 +12275,9 @@
               <a:gdLst/>
               <a:ahLst/>
               <a:cxnLst/>
-              <a:rect r="r" b="b" t="t" l="l"/>
+              <a:rect l="l" t="t" r="r" b="b"/>
               <a:pathLst>
-                <a:path h="670045" w="812800">
+                <a:path w="812800" h="670045">
                   <a:moveTo>
                     <a:pt x="72767" y="0"/>
                   </a:moveTo>
@@ -11613,11 +12341,18 @@
               <a:srgbClr val="EDE8E4"/>
             </a:solidFill>
           </p:spPr>
+          <p:txBody>
+            <a:bodyPr/>
+            <a:lstStyle/>
+            <a:p>
+              <a:endParaRPr lang="en-CL"/>
+            </a:p>
+          </p:txBody>
         </p:sp>
         <p:sp>
           <p:nvSpPr>
-            <p:cNvPr name="TextBox 67" id="67"/>
-            <p:cNvSpPr txBox="true"/>
+            <p:cNvPr id="67" name="TextBox 67"/>
+            <p:cNvSpPr txBox="1"/>
             <p:nvPr/>
           </p:nvSpPr>
           <p:spPr>
@@ -11630,7 +12365,7 @@
             </a:prstGeom>
           </p:spPr>
           <p:txBody>
-            <a:bodyPr anchor="ctr" rtlCol="false" tIns="50800" lIns="50800" bIns="50800" rIns="50800"/>
+            <a:bodyPr lIns="50800" tIns="50800" rIns="50800" bIns="50800" rtlCol="0" anchor="ctr"/>
             <a:lstStyle/>
             <a:p>
               <a:pPr algn="ctr">
@@ -11638,18 +12373,19 @@
                   <a:spcPts val="2121"/>
                 </a:lnSpc>
               </a:pPr>
+              <a:endParaRPr/>
             </a:p>
           </p:txBody>
         </p:sp>
       </p:grpSp>
       <p:sp>
         <p:nvSpPr>
-          <p:cNvPr name="TextBox 68" id="68"/>
-          <p:cNvSpPr txBox="true"/>
-          <p:nvPr/>
-        </p:nvSpPr>
-        <p:spPr>
-          <a:xfrm rot="0">
+          <p:cNvPr id="68" name="TextBox 68"/>
+          <p:cNvSpPr txBox="1"/>
+          <p:nvPr/>
+        </p:nvSpPr>
+        <p:spPr>
+          <a:xfrm>
             <a:off x="7150664" y="6897551"/>
             <a:ext cx="2359274" cy="363886"/>
           </a:xfrm>
@@ -11658,7 +12394,7 @@
           </a:prstGeom>
         </p:spPr>
         <p:txBody>
-          <a:bodyPr anchor="t" rtlCol="false" tIns="0" lIns="0" bIns="0" rIns="0">
+          <a:bodyPr lIns="0" tIns="0" rIns="0" bIns="0" rtlCol="0" anchor="t">
             <a:spAutoFit/>
           </a:bodyPr>
           <a:lstStyle/>
@@ -11669,7 +12405,7 @@
               </a:lnSpc>
             </a:pPr>
             <a:r>
-              <a:rPr lang="en-US" b="true" sz="2076" spc="20">
+              <a:rPr lang="en-US" sz="2076" b="1" spc="20">
                 <a:solidFill>
                   <a:srgbClr val="253754"/>
                 </a:solidFill>
@@ -11685,21 +12421,21 @@
       </p:sp>
       <p:sp>
         <p:nvSpPr>
-          <p:cNvPr name="TextBox 69" id="69"/>
-          <p:cNvSpPr txBox="true"/>
-          <p:nvPr/>
-        </p:nvSpPr>
-        <p:spPr>
-          <a:xfrm rot="0">
-            <a:off x="7789962" y="6006855"/>
-            <a:ext cx="1080678" cy="1068159"/>
+          <p:cNvPr id="69" name="TextBox 69"/>
+          <p:cNvSpPr txBox="1"/>
+          <p:nvPr/>
+        </p:nvSpPr>
+        <p:spPr>
+          <a:xfrm>
+            <a:off x="7789961" y="6006855"/>
+            <a:ext cx="1259353" cy="1068159"/>
           </a:xfrm>
           <a:prstGeom prst="rect">
             <a:avLst/>
           </a:prstGeom>
         </p:spPr>
         <p:txBody>
-          <a:bodyPr anchor="t" rtlCol="false" tIns="0" lIns="0" bIns="0" rIns="0">
+          <a:bodyPr wrap="square" lIns="0" tIns="0" rIns="0" bIns="0" rtlCol="0" anchor="t">
             <a:spAutoFit/>
           </a:bodyPr>
           <a:lstStyle/>
@@ -11710,7 +12446,7 @@
               </a:lnSpc>
             </a:pPr>
             <a:r>
-              <a:rPr lang="en-US" b="true" sz="6203" spc="583">
+              <a:rPr lang="en-US" sz="6203" b="1" spc="583" dirty="0">
                 <a:solidFill>
                   <a:srgbClr val="D89C6C"/>
                 </a:solidFill>
@@ -11719,14 +12455,14 @@
                 <a:cs typeface="Glacial Indifference Bold"/>
                 <a:sym typeface="Glacial Indifference Bold"/>
               </a:rPr>
-              <a:t>09</a:t>
-            </a:r>
-          </a:p>
-        </p:txBody>
-      </p:sp>
-      <p:sp>
-        <p:nvSpPr>
-          <p:cNvPr name="AutoShape 70" id="70"/>
+              <a:t>08</a:t>
+            </a:r>
+          </a:p>
+        </p:txBody>
+      </p:sp>
+      <p:sp>
+        <p:nvSpPr>
+          <p:cNvPr id="70" name="AutoShape 70"/>
           <p:cNvSpPr/>
           <p:nvPr/>
         </p:nvSpPr>
@@ -11738,24 +12474,31 @@
           <a:prstGeom prst="line">
             <a:avLst/>
           </a:prstGeom>
-          <a:ln cap="flat" w="19050">
+          <a:ln w="19050" cap="flat">
             <a:solidFill>
               <a:srgbClr val="253754"/>
             </a:solidFill>
             <a:prstDash val="solid"/>
-            <a:headEnd type="none" len="sm" w="sm"/>
-            <a:tailEnd type="none" len="sm" w="sm"/>
+            <a:headEnd type="none" w="sm" len="sm"/>
+            <a:tailEnd type="none" w="sm" len="sm"/>
           </a:ln>
         </p:spPr>
-      </p:sp>
-      <p:sp>
-        <p:nvSpPr>
-          <p:cNvPr name="TextBox 71" id="71"/>
-          <p:cNvSpPr txBox="true"/>
-          <p:nvPr/>
-        </p:nvSpPr>
-        <p:spPr>
-          <a:xfrm rot="0">
+        <p:txBody>
+          <a:bodyPr/>
+          <a:lstStyle/>
+          <a:p>
+            <a:endParaRPr lang="en-CL"/>
+          </a:p>
+        </p:txBody>
+      </p:sp>
+      <p:sp>
+        <p:nvSpPr>
+          <p:cNvPr id="71" name="TextBox 71"/>
+          <p:cNvSpPr txBox="1"/>
+          <p:nvPr/>
+        </p:nvSpPr>
+        <p:spPr>
+          <a:xfrm>
             <a:off x="7150664" y="7426208"/>
             <a:ext cx="2387877" cy="717840"/>
           </a:xfrm>
@@ -11764,7 +12507,7 @@
           </a:prstGeom>
         </p:spPr>
         <p:txBody>
-          <a:bodyPr anchor="t" rtlCol="false" tIns="0" lIns="0" bIns="0" rIns="0">
+          <a:bodyPr lIns="0" tIns="0" rIns="0" bIns="0" rtlCol="0" anchor="t">
             <a:spAutoFit/>
           </a:bodyPr>
           <a:lstStyle/>
@@ -11829,12 +12572,12 @@
       </p:sp>
       <p:grpSp>
         <p:nvGrpSpPr>
-          <p:cNvPr name="Group 72" id="72"/>
+          <p:cNvPr id="72" name="Group 72"/>
           <p:cNvGrpSpPr/>
           <p:nvPr/>
         </p:nvGrpSpPr>
         <p:grpSpPr>
-          <a:xfrm rot="0">
+          <a:xfrm>
             <a:off x="3943456" y="6644777"/>
             <a:ext cx="2766228" cy="2280385"/>
             <a:chOff x="0" y="0"/>
@@ -11843,12 +12586,12 @@
         </p:grpSpPr>
         <p:sp>
           <p:nvSpPr>
-            <p:cNvPr name="Freeform 73" id="73"/>
+            <p:cNvPr id="73" name="Freeform 73"/>
             <p:cNvSpPr/>
             <p:nvPr/>
           </p:nvSpPr>
           <p:spPr>
-            <a:xfrm flipH="false" flipV="false" rot="0">
+            <a:xfrm>
               <a:off x="0" y="0"/>
               <a:ext cx="812800" cy="670045"/>
             </a:xfrm>
@@ -11857,9 +12600,9 @@
               <a:gdLst/>
               <a:ahLst/>
               <a:cxnLst/>
-              <a:rect r="r" b="b" t="t" l="l"/>
+              <a:rect l="l" t="t" r="r" b="b"/>
               <a:pathLst>
-                <a:path h="670045" w="812800">
+                <a:path w="812800" h="670045">
                   <a:moveTo>
                     <a:pt x="72767" y="0"/>
                   </a:moveTo>
@@ -11923,11 +12666,18 @@
               <a:srgbClr val="EDE8E4"/>
             </a:solidFill>
           </p:spPr>
+          <p:txBody>
+            <a:bodyPr/>
+            <a:lstStyle/>
+            <a:p>
+              <a:endParaRPr lang="en-CL"/>
+            </a:p>
+          </p:txBody>
         </p:sp>
         <p:sp>
           <p:nvSpPr>
-            <p:cNvPr name="TextBox 74" id="74"/>
-            <p:cNvSpPr txBox="true"/>
+            <p:cNvPr id="74" name="TextBox 74"/>
+            <p:cNvSpPr txBox="1"/>
             <p:nvPr/>
           </p:nvSpPr>
           <p:spPr>
@@ -11940,7 +12690,7 @@
             </a:prstGeom>
           </p:spPr>
           <p:txBody>
-            <a:bodyPr anchor="ctr" rtlCol="false" tIns="50800" lIns="50800" bIns="50800" rIns="50800"/>
+            <a:bodyPr lIns="50800" tIns="50800" rIns="50800" bIns="50800" rtlCol="0" anchor="ctr"/>
             <a:lstStyle/>
             <a:p>
               <a:pPr algn="ctr">
@@ -11948,18 +12698,19 @@
                   <a:spcPts val="2121"/>
                 </a:lnSpc>
               </a:pPr>
+              <a:endParaRPr/>
             </a:p>
           </p:txBody>
         </p:sp>
       </p:grpSp>
       <p:sp>
         <p:nvSpPr>
-          <p:cNvPr name="TextBox 75" id="75"/>
-          <p:cNvSpPr txBox="true"/>
-          <p:nvPr/>
-        </p:nvSpPr>
-        <p:spPr>
-          <a:xfrm rot="0">
+          <p:cNvPr id="75" name="TextBox 75"/>
+          <p:cNvSpPr txBox="1"/>
+          <p:nvPr/>
+        </p:nvSpPr>
+        <p:spPr>
+          <a:xfrm>
             <a:off x="4146933" y="6897551"/>
             <a:ext cx="2359274" cy="363886"/>
           </a:xfrm>
@@ -11968,7 +12719,7 @@
           </a:prstGeom>
         </p:spPr>
         <p:txBody>
-          <a:bodyPr anchor="t" rtlCol="false" tIns="0" lIns="0" bIns="0" rIns="0">
+          <a:bodyPr lIns="0" tIns="0" rIns="0" bIns="0" rtlCol="0" anchor="t">
             <a:spAutoFit/>
           </a:bodyPr>
           <a:lstStyle/>
@@ -11979,7 +12730,7 @@
               </a:lnSpc>
             </a:pPr>
             <a:r>
-              <a:rPr lang="en-US" b="true" sz="2076" spc="20">
+              <a:rPr lang="en-US" sz="2076" b="1" spc="20">
                 <a:solidFill>
                   <a:srgbClr val="253754"/>
                 </a:solidFill>
@@ -11995,21 +12746,21 @@
       </p:sp>
       <p:sp>
         <p:nvSpPr>
-          <p:cNvPr name="TextBox 76" id="76"/>
-          <p:cNvSpPr txBox="true"/>
-          <p:nvPr/>
-        </p:nvSpPr>
-        <p:spPr>
-          <a:xfrm rot="0">
+          <p:cNvPr id="76" name="TextBox 76"/>
+          <p:cNvSpPr txBox="1"/>
+          <p:nvPr/>
+        </p:nvSpPr>
+        <p:spPr>
+          <a:xfrm>
             <a:off x="4786231" y="6006855"/>
-            <a:ext cx="1080678" cy="1068159"/>
+            <a:ext cx="1352206" cy="1068159"/>
           </a:xfrm>
           <a:prstGeom prst="rect">
             <a:avLst/>
           </a:prstGeom>
         </p:spPr>
         <p:txBody>
-          <a:bodyPr anchor="t" rtlCol="false" tIns="0" lIns="0" bIns="0" rIns="0">
+          <a:bodyPr wrap="square" lIns="0" tIns="0" rIns="0" bIns="0" rtlCol="0" anchor="t">
             <a:spAutoFit/>
           </a:bodyPr>
           <a:lstStyle/>
@@ -12020,7 +12771,7 @@
               </a:lnSpc>
             </a:pPr>
             <a:r>
-              <a:rPr lang="en-US" b="true" sz="6203" spc="583">
+              <a:rPr lang="en-US" sz="6203" b="1" spc="583" dirty="0">
                 <a:solidFill>
                   <a:srgbClr val="D89C6C"/>
                 </a:solidFill>
@@ -12029,14 +12780,14 @@
                 <a:cs typeface="Glacial Indifference Bold"/>
                 <a:sym typeface="Glacial Indifference Bold"/>
               </a:rPr>
-              <a:t>09</a:t>
-            </a:r>
-          </a:p>
-        </p:txBody>
-      </p:sp>
-      <p:sp>
-        <p:nvSpPr>
-          <p:cNvPr name="AutoShape 77" id="77"/>
+              <a:t>07</a:t>
+            </a:r>
+          </a:p>
+        </p:txBody>
+      </p:sp>
+      <p:sp>
+        <p:nvSpPr>
+          <p:cNvPr id="77" name="AutoShape 77"/>
           <p:cNvSpPr/>
           <p:nvPr/>
         </p:nvSpPr>
@@ -12048,24 +12799,31 @@
           <a:prstGeom prst="line">
             <a:avLst/>
           </a:prstGeom>
-          <a:ln cap="flat" w="19050">
+          <a:ln w="19050" cap="flat">
             <a:solidFill>
               <a:srgbClr val="253754"/>
             </a:solidFill>
             <a:prstDash val="solid"/>
-            <a:headEnd type="none" len="sm" w="sm"/>
-            <a:tailEnd type="none" len="sm" w="sm"/>
+            <a:headEnd type="none" w="sm" len="sm"/>
+            <a:tailEnd type="none" w="sm" len="sm"/>
           </a:ln>
         </p:spPr>
-      </p:sp>
-      <p:sp>
-        <p:nvSpPr>
-          <p:cNvPr name="TextBox 78" id="78"/>
-          <p:cNvSpPr txBox="true"/>
-          <p:nvPr/>
-        </p:nvSpPr>
-        <p:spPr>
-          <a:xfrm rot="0">
+        <p:txBody>
+          <a:bodyPr/>
+          <a:lstStyle/>
+          <a:p>
+            <a:endParaRPr lang="en-CL"/>
+          </a:p>
+        </p:txBody>
+      </p:sp>
+      <p:sp>
+        <p:nvSpPr>
+          <p:cNvPr id="78" name="TextBox 78"/>
+          <p:cNvSpPr txBox="1"/>
+          <p:nvPr/>
+        </p:nvSpPr>
+        <p:spPr>
+          <a:xfrm>
             <a:off x="4146933" y="7426208"/>
             <a:ext cx="2387877" cy="2150428"/>
           </a:xfrm>
@@ -12074,7 +12832,7 @@
           </a:prstGeom>
         </p:spPr>
         <p:txBody>
-          <a:bodyPr anchor="t" rtlCol="false" tIns="0" lIns="0" bIns="0" rIns="0">
+          <a:bodyPr lIns="0" tIns="0" rIns="0" bIns="0" rtlCol="0" anchor="t">
             <a:spAutoFit/>
           </a:bodyPr>
           <a:lstStyle/>
@@ -12196,12 +12954,12 @@
       </p:sp>
       <p:sp>
         <p:nvSpPr>
-          <p:cNvPr name="TextBox 79" id="79"/>
-          <p:cNvSpPr txBox="true"/>
-          <p:nvPr/>
-        </p:nvSpPr>
-        <p:spPr>
-          <a:xfrm rot="0">
+          <p:cNvPr id="79" name="TextBox 79"/>
+          <p:cNvSpPr txBox="1"/>
+          <p:nvPr/>
+        </p:nvSpPr>
+        <p:spPr>
+          <a:xfrm>
             <a:off x="13915844" y="3057919"/>
             <a:ext cx="4375182" cy="1996482"/>
           </a:xfrm>
@@ -12210,7 +12968,7 @@
           </a:prstGeom>
         </p:spPr>
         <p:txBody>
-          <a:bodyPr anchor="t" rtlCol="false" tIns="0" lIns="0" bIns="0" rIns="0">
+          <a:bodyPr lIns="0" tIns="0" rIns="0" bIns="0" rtlCol="0" anchor="t">
             <a:spAutoFit/>
           </a:bodyPr>
           <a:lstStyle/>
@@ -12258,6 +13016,15 @@
                 <a:spcPts val="1790"/>
               </a:lnSpc>
             </a:pPr>
+            <a:endParaRPr lang="en-US" sz="1278" spc="28">
+              <a:solidFill>
+                <a:srgbClr val="152540"/>
+              </a:solidFill>
+              <a:latin typeface="Glacial Indifference"/>
+              <a:ea typeface="Glacial Indifference"/>
+              <a:cs typeface="Glacial Indifference"/>
+              <a:sym typeface="Glacial Indifference"/>
+            </a:endParaRPr>
           </a:p>
           <a:p>
             <a:pPr algn="ctr">
@@ -12304,7 +13071,7 @@
   <p:clrMapOvr>
     <a:masterClrMapping/>
   </p:clrMapOvr>
-  <p:transition spd="fast">
+  <p:transition>
     <p:fade/>
   </p:transition>
 </p:sld>
